--- a/csc1002/lecture/2016_3_6.pptx
+++ b/csc1002/lecture/2016_3_6.pptx
@@ -4,29 +4,31 @@
   <p:sldMasterIdLst>
     <p:sldMasterId id="2147483648" r:id="rId2"/>
     <p:sldMasterId id="2147483661" r:id="rId3"/>
+    <p:sldMasterId id="2147483674" r:id="rId4"/>
   </p:sldMasterIdLst>
   <p:notesMasterIdLst>
-    <p:notesMasterId r:id="rId4"/>
+    <p:notesMasterId r:id="rId5"/>
   </p:notesMasterIdLst>
   <p:sldIdLst>
-    <p:sldId id="256" r:id="rId5"/>
-    <p:sldId id="257" r:id="rId6"/>
-    <p:sldId id="258" r:id="rId7"/>
-    <p:sldId id="259" r:id="rId8"/>
-    <p:sldId id="260" r:id="rId9"/>
-    <p:sldId id="261" r:id="rId10"/>
-    <p:sldId id="262" r:id="rId11"/>
-    <p:sldId id="263" r:id="rId12"/>
-    <p:sldId id="264" r:id="rId13"/>
-    <p:sldId id="265" r:id="rId14"/>
-    <p:sldId id="266" r:id="rId15"/>
-    <p:sldId id="267" r:id="rId16"/>
-    <p:sldId id="268" r:id="rId17"/>
-    <p:sldId id="269" r:id="rId18"/>
-    <p:sldId id="270" r:id="rId19"/>
-    <p:sldId id="271" r:id="rId20"/>
-    <p:sldId id="272" r:id="rId21"/>
-    <p:sldId id="273" r:id="rId22"/>
+    <p:sldId id="256" r:id="rId6"/>
+    <p:sldId id="257" r:id="rId7"/>
+    <p:sldId id="258" r:id="rId8"/>
+    <p:sldId id="259" r:id="rId9"/>
+    <p:sldId id="260" r:id="rId10"/>
+    <p:sldId id="261" r:id="rId11"/>
+    <p:sldId id="262" r:id="rId12"/>
+    <p:sldId id="263" r:id="rId13"/>
+    <p:sldId id="264" r:id="rId14"/>
+    <p:sldId id="265" r:id="rId15"/>
+    <p:sldId id="266" r:id="rId16"/>
+    <p:sldId id="267" r:id="rId17"/>
+    <p:sldId id="268" r:id="rId18"/>
+    <p:sldId id="269" r:id="rId19"/>
+    <p:sldId id="270" r:id="rId20"/>
+    <p:sldId id="271" r:id="rId21"/>
+    <p:sldId id="272" r:id="rId22"/>
+    <p:sldId id="273" r:id="rId23"/>
+    <p:sldId id="274" r:id="rId24"/>
   </p:sldIdLst>
   <p:sldSz cx="12192000" cy="6858000"/>
   <p:notesSz cx="6858000" cy="9144000"/>
@@ -52,7 +54,7 @@
       </p:grpSpPr>
       <p:sp>
         <p:nvSpPr>
-          <p:cNvPr id="72" name="PlaceHolder 1"/>
+          <p:cNvPr id="111" name="PlaceHolder 1"/>
           <p:cNvSpPr>
             <a:spLocks noGrp="1"/>
           </p:cNvSpPr>
@@ -102,7 +104,7 @@
       </p:sp>
       <p:sp>
         <p:nvSpPr>
-          <p:cNvPr id="73" name="PlaceHolder 2"/>
+          <p:cNvPr id="112" name="PlaceHolder 2"/>
           <p:cNvSpPr>
             <a:spLocks noGrp="1"/>
           </p:cNvSpPr>
@@ -152,7 +154,7 @@
       </p:sp>
       <p:sp>
         <p:nvSpPr>
-          <p:cNvPr id="74" name="PlaceHolder 3"/>
+          <p:cNvPr id="113" name="PlaceHolder 3"/>
           <p:cNvSpPr>
             <a:spLocks noGrp="1"/>
           </p:cNvSpPr>
@@ -203,7 +205,7 @@
       </p:sp>
       <p:sp>
         <p:nvSpPr>
-          <p:cNvPr id="75" name="PlaceHolder 4"/>
+          <p:cNvPr id="114" name="PlaceHolder 4"/>
           <p:cNvSpPr>
             <a:spLocks noGrp="1"/>
           </p:cNvSpPr>
@@ -253,7 +255,7 @@
       </p:sp>
       <p:sp>
         <p:nvSpPr>
-          <p:cNvPr id="76" name="PlaceHolder 5"/>
+          <p:cNvPr id="115" name="PlaceHolder 5"/>
           <p:cNvSpPr>
             <a:spLocks noGrp="1"/>
           </p:cNvSpPr>
@@ -274,7 +276,7 @@
           <a:bodyPr lIns="0" rIns="0" tIns="0" bIns="0" anchor="b"/>
           <a:p>
             <a:pPr algn="r"/>
-            <a:fld id="{C02BEFFA-AA1B-40B4-A1DF-2EB61A943D89}" type="slidenum">
+            <a:fld id="{9754FFBF-C8E1-4202-9721-5C66EBFF6533}" type="slidenum">
               <a:rPr lang="en-US" sz="1400" spc="-1" strike="noStrike">
                 <a:solidFill>
                   <a:srgbClr val="000000"/>
@@ -327,7 +329,7 @@
       </p:grpSpPr>
       <p:sp>
         <p:nvSpPr>
-          <p:cNvPr id="136" name="PlaceHolder 1"/>
+          <p:cNvPr id="178" name="PlaceHolder 1"/>
           <p:cNvSpPr>
             <a:spLocks noGrp="1"/>
           </p:cNvSpPr>
@@ -363,7 +365,7 @@
       </p:sp>
       <p:sp>
         <p:nvSpPr>
-          <p:cNvPr id="137" name="CustomShape 2"/>
+          <p:cNvPr id="179" name="CustomShape 2"/>
           <p:cNvSpPr/>
           <p:nvPr/>
         </p:nvSpPr>
@@ -394,7 +396,7 @@
                 <a:spcPct val="100000"/>
               </a:lnSpc>
             </a:pPr>
-            <a:fld id="{95CC04BD-6A34-4FFF-AADD-FABFCE980453}" type="slidenum">
+            <a:fld id="{69220DF6-1EF9-4DE3-B9EB-C40BC20D1D40}" type="slidenum">
               <a:rPr lang="en-US" sz="1200" spc="-1" strike="noStrike">
                 <a:solidFill>
                   <a:srgbClr val="000000"/>
@@ -428,7 +430,7 @@
 </p:notes>
 </file>
 
-<file path=ppt/notesSlides/notesSlide18.xml><?xml version="1.0" encoding="utf-8"?>
+<file path=ppt/notesSlides/notesSlide19.xml><?xml version="1.0" encoding="utf-8"?>
 <p:notes xmlns:a="http://schemas.openxmlformats.org/drawingml/2006/main" xmlns:p="http://schemas.openxmlformats.org/presentationml/2006/main" xmlns:r="http://schemas.openxmlformats.org/officeDocument/2006/relationships">
   <p:cSld>
     <p:spTree>
@@ -447,7 +449,7 @@
       </p:grpSpPr>
       <p:sp>
         <p:nvSpPr>
-          <p:cNvPr id="138" name="PlaceHolder 1"/>
+          <p:cNvPr id="180" name="PlaceHolder 1"/>
           <p:cNvSpPr>
             <a:spLocks noGrp="1"/>
           </p:cNvSpPr>
@@ -483,7 +485,7 @@
       </p:sp>
       <p:sp>
         <p:nvSpPr>
-          <p:cNvPr id="139" name="CustomShape 2"/>
+          <p:cNvPr id="181" name="CustomShape 2"/>
           <p:cNvSpPr/>
           <p:nvPr/>
         </p:nvSpPr>
@@ -514,7 +516,7 @@
                 <a:spcPct val="100000"/>
               </a:lnSpc>
             </a:pPr>
-            <a:fld id="{830CF90F-D1BA-4C46-8370-70CE10EFF12A}" type="slidenum">
+            <a:fld id="{BF611382-5838-4F31-85CD-BEFA907C6F62}" type="slidenum">
               <a:rPr lang="en-US" sz="1200" spc="-1" strike="noStrike">
                 <a:solidFill>
                   <a:srgbClr val="000000"/>
@@ -2651,6 +2653,409 @@
 </p:sldLayout>
 </file>
 
+<file path=ppt/slideLayouts/slideLayout25.xml><?xml version="1.0" encoding="utf-8"?>
+<p:sldLayout xmlns:a="http://schemas.openxmlformats.org/drawingml/2006/main" xmlns:p="http://schemas.openxmlformats.org/presentationml/2006/main" xmlns:r="http://schemas.openxmlformats.org/officeDocument/2006/relationships" type="blank" preserve="1">
+  <p:cSld name="Blank Slide">
+    <p:spTree>
+      <p:nvGrpSpPr>
+        <p:cNvPr id="1" name=""/>
+        <p:cNvGrpSpPr/>
+        <p:nvPr/>
+      </p:nvGrpSpPr>
+      <p:grpSpPr>
+        <a:xfrm>
+          <a:off x="0" y="0"/>
+          <a:ext cx="0" cy="0"/>
+          <a:chOff x="0" y="0"/>
+          <a:chExt cx="0" cy="0"/>
+        </a:xfrm>
+      </p:grpSpPr>
+    </p:spTree>
+  </p:cSld>
+</p:sldLayout>
+</file>
+
+<file path=ppt/slideLayouts/slideLayout26.xml><?xml version="1.0" encoding="utf-8"?>
+<p:sldLayout xmlns:a="http://schemas.openxmlformats.org/drawingml/2006/main" xmlns:p="http://schemas.openxmlformats.org/presentationml/2006/main" xmlns:r="http://schemas.openxmlformats.org/officeDocument/2006/relationships" type="tx" preserve="1">
+  <p:cSld name="Title Slide">
+    <p:spTree>
+      <p:nvGrpSpPr>
+        <p:cNvPr id="1" name=""/>
+        <p:cNvGrpSpPr/>
+        <p:nvPr/>
+      </p:nvGrpSpPr>
+      <p:grpSpPr>
+        <a:xfrm>
+          <a:off x="0" y="0"/>
+          <a:ext cx="0" cy="0"/>
+          <a:chOff x="0" y="0"/>
+          <a:chExt cx="0" cy="0"/>
+        </a:xfrm>
+      </p:grpSpPr>
+      <p:sp>
+        <p:nvSpPr>
+          <p:cNvPr id="77" name="PlaceHolder 1"/>
+          <p:cNvSpPr>
+            <a:spLocks noGrp="1"/>
+          </p:cNvSpPr>
+          <p:nvPr>
+            <p:ph type="title"/>
+          </p:nvPr>
+        </p:nvSpPr>
+        <p:spPr>
+          <a:xfrm>
+            <a:off x="609480" y="273600"/>
+            <a:ext cx="10972440" cy="1144800"/>
+          </a:xfrm>
+          <a:prstGeom prst="rect">
+            <a:avLst/>
+          </a:prstGeom>
+        </p:spPr>
+        <p:txBody>
+          <a:bodyPr lIns="0" rIns="0" tIns="0" bIns="0" anchor="ctr"/>
+          <a:p>
+            <a:pPr algn="ctr"/>
+            <a:endParaRPr lang="en-US" sz="4400" spc="-1" strike="noStrike">
+              <a:solidFill>
+                <a:srgbClr val="000000"/>
+              </a:solidFill>
+              <a:uFill>
+                <a:solidFill>
+                  <a:srgbClr val="ffffff"/>
+                </a:solidFill>
+              </a:uFill>
+              <a:latin typeface="Arial"/>
+            </a:endParaRPr>
+          </a:p>
+        </p:txBody>
+      </p:sp>
+      <p:sp>
+        <p:nvSpPr>
+          <p:cNvPr id="78" name="PlaceHolder 2"/>
+          <p:cNvSpPr>
+            <a:spLocks noGrp="1"/>
+          </p:cNvSpPr>
+          <p:nvPr>
+            <p:ph type="subTitle"/>
+          </p:nvPr>
+        </p:nvSpPr>
+        <p:spPr>
+          <a:xfrm>
+            <a:off x="609480" y="1604520"/>
+            <a:ext cx="10972440" cy="3977280"/>
+          </a:xfrm>
+          <a:prstGeom prst="rect">
+            <a:avLst/>
+          </a:prstGeom>
+        </p:spPr>
+        <p:txBody>
+          <a:bodyPr lIns="0" rIns="0" tIns="0" bIns="0" anchor="ctr"/>
+          <a:p>
+            <a:pPr algn="ctr"/>
+            <a:endParaRPr lang="en-US" sz="3200" spc="-1" strike="noStrike">
+              <a:solidFill>
+                <a:srgbClr val="000000"/>
+              </a:solidFill>
+              <a:uFill>
+                <a:solidFill>
+                  <a:srgbClr val="ffffff"/>
+                </a:solidFill>
+              </a:uFill>
+              <a:latin typeface="Arial"/>
+            </a:endParaRPr>
+          </a:p>
+        </p:txBody>
+      </p:sp>
+    </p:spTree>
+  </p:cSld>
+</p:sldLayout>
+</file>
+
+<file path=ppt/slideLayouts/slideLayout27.xml><?xml version="1.0" encoding="utf-8"?>
+<p:sldLayout xmlns:a="http://schemas.openxmlformats.org/drawingml/2006/main" xmlns:p="http://schemas.openxmlformats.org/presentationml/2006/main" xmlns:r="http://schemas.openxmlformats.org/officeDocument/2006/relationships" type="obj" preserve="1">
+  <p:cSld name="Title, Content">
+    <p:spTree>
+      <p:nvGrpSpPr>
+        <p:cNvPr id="1" name=""/>
+        <p:cNvGrpSpPr/>
+        <p:nvPr/>
+      </p:nvGrpSpPr>
+      <p:grpSpPr>
+        <a:xfrm>
+          <a:off x="0" y="0"/>
+          <a:ext cx="0" cy="0"/>
+          <a:chOff x="0" y="0"/>
+          <a:chExt cx="0" cy="0"/>
+        </a:xfrm>
+      </p:grpSpPr>
+      <p:sp>
+        <p:nvSpPr>
+          <p:cNvPr id="79" name="PlaceHolder 1"/>
+          <p:cNvSpPr>
+            <a:spLocks noGrp="1"/>
+          </p:cNvSpPr>
+          <p:nvPr>
+            <p:ph type="title"/>
+          </p:nvPr>
+        </p:nvSpPr>
+        <p:spPr>
+          <a:xfrm>
+            <a:off x="609480" y="273600"/>
+            <a:ext cx="10972440" cy="1144800"/>
+          </a:xfrm>
+          <a:prstGeom prst="rect">
+            <a:avLst/>
+          </a:prstGeom>
+        </p:spPr>
+        <p:txBody>
+          <a:bodyPr lIns="0" rIns="0" tIns="0" bIns="0" anchor="ctr"/>
+          <a:p>
+            <a:pPr algn="ctr"/>
+            <a:endParaRPr lang="en-US" sz="4400" spc="-1" strike="noStrike">
+              <a:solidFill>
+                <a:srgbClr val="000000"/>
+              </a:solidFill>
+              <a:uFill>
+                <a:solidFill>
+                  <a:srgbClr val="ffffff"/>
+                </a:solidFill>
+              </a:uFill>
+              <a:latin typeface="Arial"/>
+            </a:endParaRPr>
+          </a:p>
+        </p:txBody>
+      </p:sp>
+      <p:sp>
+        <p:nvSpPr>
+          <p:cNvPr id="80" name="PlaceHolder 2"/>
+          <p:cNvSpPr>
+            <a:spLocks noGrp="1"/>
+          </p:cNvSpPr>
+          <p:nvPr>
+            <p:ph type="body"/>
+          </p:nvPr>
+        </p:nvSpPr>
+        <p:spPr>
+          <a:xfrm>
+            <a:off x="609480" y="1604520"/>
+            <a:ext cx="10972440" cy="3977280"/>
+          </a:xfrm>
+          <a:prstGeom prst="rect">
+            <a:avLst/>
+          </a:prstGeom>
+        </p:spPr>
+        <p:txBody>
+          <a:bodyPr lIns="0" rIns="0" tIns="0" bIns="0"/>
+          <a:p>
+            <a:endParaRPr lang="en-US" sz="3200" spc="-1" strike="noStrike">
+              <a:solidFill>
+                <a:srgbClr val="000000"/>
+              </a:solidFill>
+              <a:uFill>
+                <a:solidFill>
+                  <a:srgbClr val="ffffff"/>
+                </a:solidFill>
+              </a:uFill>
+              <a:latin typeface="Arial"/>
+            </a:endParaRPr>
+          </a:p>
+        </p:txBody>
+      </p:sp>
+    </p:spTree>
+  </p:cSld>
+</p:sldLayout>
+</file>
+
+<file path=ppt/slideLayouts/slideLayout28.xml><?xml version="1.0" encoding="utf-8"?>
+<p:sldLayout xmlns:a="http://schemas.openxmlformats.org/drawingml/2006/main" xmlns:p="http://schemas.openxmlformats.org/presentationml/2006/main" xmlns:r="http://schemas.openxmlformats.org/officeDocument/2006/relationships" type="twoObj" preserve="1">
+  <p:cSld name="Title, 2 Content">
+    <p:spTree>
+      <p:nvGrpSpPr>
+        <p:cNvPr id="1" name=""/>
+        <p:cNvGrpSpPr/>
+        <p:nvPr/>
+      </p:nvGrpSpPr>
+      <p:grpSpPr>
+        <a:xfrm>
+          <a:off x="0" y="0"/>
+          <a:ext cx="0" cy="0"/>
+          <a:chOff x="0" y="0"/>
+          <a:chExt cx="0" cy="0"/>
+        </a:xfrm>
+      </p:grpSpPr>
+      <p:sp>
+        <p:nvSpPr>
+          <p:cNvPr id="81" name="PlaceHolder 1"/>
+          <p:cNvSpPr>
+            <a:spLocks noGrp="1"/>
+          </p:cNvSpPr>
+          <p:nvPr>
+            <p:ph type="title"/>
+          </p:nvPr>
+        </p:nvSpPr>
+        <p:spPr>
+          <a:xfrm>
+            <a:off x="609480" y="273600"/>
+            <a:ext cx="10972440" cy="1144800"/>
+          </a:xfrm>
+          <a:prstGeom prst="rect">
+            <a:avLst/>
+          </a:prstGeom>
+        </p:spPr>
+        <p:txBody>
+          <a:bodyPr lIns="0" rIns="0" tIns="0" bIns="0" anchor="ctr"/>
+          <a:p>
+            <a:pPr algn="ctr"/>
+            <a:endParaRPr lang="en-US" sz="4400" spc="-1" strike="noStrike">
+              <a:solidFill>
+                <a:srgbClr val="000000"/>
+              </a:solidFill>
+              <a:uFill>
+                <a:solidFill>
+                  <a:srgbClr val="ffffff"/>
+                </a:solidFill>
+              </a:uFill>
+              <a:latin typeface="Arial"/>
+            </a:endParaRPr>
+          </a:p>
+        </p:txBody>
+      </p:sp>
+      <p:sp>
+        <p:nvSpPr>
+          <p:cNvPr id="82" name="PlaceHolder 2"/>
+          <p:cNvSpPr>
+            <a:spLocks noGrp="1"/>
+          </p:cNvSpPr>
+          <p:nvPr>
+            <p:ph type="body"/>
+          </p:nvPr>
+        </p:nvSpPr>
+        <p:spPr>
+          <a:xfrm>
+            <a:off x="609480" y="1604520"/>
+            <a:ext cx="5354280" cy="3977280"/>
+          </a:xfrm>
+          <a:prstGeom prst="rect">
+            <a:avLst/>
+          </a:prstGeom>
+        </p:spPr>
+        <p:txBody>
+          <a:bodyPr lIns="0" rIns="0" tIns="0" bIns="0"/>
+          <a:p>
+            <a:endParaRPr lang="en-US" sz="3200" spc="-1" strike="noStrike">
+              <a:solidFill>
+                <a:srgbClr val="000000"/>
+              </a:solidFill>
+              <a:uFill>
+                <a:solidFill>
+                  <a:srgbClr val="ffffff"/>
+                </a:solidFill>
+              </a:uFill>
+              <a:latin typeface="Arial"/>
+            </a:endParaRPr>
+          </a:p>
+        </p:txBody>
+      </p:sp>
+      <p:sp>
+        <p:nvSpPr>
+          <p:cNvPr id="83" name="PlaceHolder 3"/>
+          <p:cNvSpPr>
+            <a:spLocks noGrp="1"/>
+          </p:cNvSpPr>
+          <p:nvPr>
+            <p:ph type="body"/>
+          </p:nvPr>
+        </p:nvSpPr>
+        <p:spPr>
+          <a:xfrm>
+            <a:off x="6231960" y="1604520"/>
+            <a:ext cx="5354280" cy="3977280"/>
+          </a:xfrm>
+          <a:prstGeom prst="rect">
+            <a:avLst/>
+          </a:prstGeom>
+        </p:spPr>
+        <p:txBody>
+          <a:bodyPr lIns="0" rIns="0" tIns="0" bIns="0"/>
+          <a:p>
+            <a:endParaRPr lang="en-US" sz="3200" spc="-1" strike="noStrike">
+              <a:solidFill>
+                <a:srgbClr val="000000"/>
+              </a:solidFill>
+              <a:uFill>
+                <a:solidFill>
+                  <a:srgbClr val="ffffff"/>
+                </a:solidFill>
+              </a:uFill>
+              <a:latin typeface="Arial"/>
+            </a:endParaRPr>
+          </a:p>
+        </p:txBody>
+      </p:sp>
+    </p:spTree>
+  </p:cSld>
+</p:sldLayout>
+</file>
+
+<file path=ppt/slideLayouts/slideLayout29.xml><?xml version="1.0" encoding="utf-8"?>
+<p:sldLayout xmlns:a="http://schemas.openxmlformats.org/drawingml/2006/main" xmlns:p="http://schemas.openxmlformats.org/presentationml/2006/main" xmlns:r="http://schemas.openxmlformats.org/officeDocument/2006/relationships" type="titleOnly" preserve="1">
+  <p:cSld name="Title Only">
+    <p:spTree>
+      <p:nvGrpSpPr>
+        <p:cNvPr id="1" name=""/>
+        <p:cNvGrpSpPr/>
+        <p:nvPr/>
+      </p:nvGrpSpPr>
+      <p:grpSpPr>
+        <a:xfrm>
+          <a:off x="0" y="0"/>
+          <a:ext cx="0" cy="0"/>
+          <a:chOff x="0" y="0"/>
+          <a:chExt cx="0" cy="0"/>
+        </a:xfrm>
+      </p:grpSpPr>
+      <p:sp>
+        <p:nvSpPr>
+          <p:cNvPr id="84" name="PlaceHolder 1"/>
+          <p:cNvSpPr>
+            <a:spLocks noGrp="1"/>
+          </p:cNvSpPr>
+          <p:nvPr>
+            <p:ph type="title"/>
+          </p:nvPr>
+        </p:nvSpPr>
+        <p:spPr>
+          <a:xfrm>
+            <a:off x="609480" y="273600"/>
+            <a:ext cx="10972440" cy="1144800"/>
+          </a:xfrm>
+          <a:prstGeom prst="rect">
+            <a:avLst/>
+          </a:prstGeom>
+        </p:spPr>
+        <p:txBody>
+          <a:bodyPr lIns="0" rIns="0" tIns="0" bIns="0" anchor="ctr"/>
+          <a:p>
+            <a:pPr algn="ctr"/>
+            <a:endParaRPr lang="en-US" sz="4400" spc="-1" strike="noStrike">
+              <a:solidFill>
+                <a:srgbClr val="000000"/>
+              </a:solidFill>
+              <a:uFill>
+                <a:solidFill>
+                  <a:srgbClr val="ffffff"/>
+                </a:solidFill>
+              </a:uFill>
+              <a:latin typeface="Arial"/>
+            </a:endParaRPr>
+          </a:p>
+        </p:txBody>
+      </p:sp>
+    </p:spTree>
+  </p:cSld>
+</p:sldLayout>
+</file>
+
 <file path=ppt/slideLayouts/slideLayout3.xml><?xml version="1.0" encoding="utf-8"?>
 <p:sldLayout xmlns:a="http://schemas.openxmlformats.org/drawingml/2006/main" xmlns:p="http://schemas.openxmlformats.org/presentationml/2006/main" xmlns:r="http://schemas.openxmlformats.org/officeDocument/2006/relationships" type="obj" preserve="1">
   <p:cSld name="Title, Content">
@@ -2741,6 +3146,1077 @@
           </a:p>
         </p:txBody>
       </p:sp>
+    </p:spTree>
+  </p:cSld>
+</p:sldLayout>
+</file>
+
+<file path=ppt/slideLayouts/slideLayout30.xml><?xml version="1.0" encoding="utf-8"?>
+<p:sldLayout xmlns:a="http://schemas.openxmlformats.org/drawingml/2006/main" xmlns:p="http://schemas.openxmlformats.org/presentationml/2006/main" xmlns:r="http://schemas.openxmlformats.org/officeDocument/2006/relationships" type="objOnly" preserve="1">
+  <p:cSld name="Centered Text">
+    <p:spTree>
+      <p:nvGrpSpPr>
+        <p:cNvPr id="1" name=""/>
+        <p:cNvGrpSpPr/>
+        <p:nvPr/>
+      </p:nvGrpSpPr>
+      <p:grpSpPr>
+        <a:xfrm>
+          <a:off x="0" y="0"/>
+          <a:ext cx="0" cy="0"/>
+          <a:chOff x="0" y="0"/>
+          <a:chExt cx="0" cy="0"/>
+        </a:xfrm>
+      </p:grpSpPr>
+      <p:sp>
+        <p:nvSpPr>
+          <p:cNvPr id="85" name="PlaceHolder 1"/>
+          <p:cNvSpPr>
+            <a:spLocks noGrp="1"/>
+          </p:cNvSpPr>
+          <p:nvPr>
+            <p:ph type="subTitle"/>
+          </p:nvPr>
+        </p:nvSpPr>
+        <p:spPr>
+          <a:xfrm>
+            <a:off x="609480" y="273600"/>
+            <a:ext cx="10972440" cy="5307840"/>
+          </a:xfrm>
+          <a:prstGeom prst="rect">
+            <a:avLst/>
+          </a:prstGeom>
+        </p:spPr>
+        <p:txBody>
+          <a:bodyPr lIns="0" rIns="0" tIns="0" bIns="0" anchor="ctr"/>
+          <a:p>
+            <a:pPr algn="ctr"/>
+            <a:endParaRPr lang="en-US" sz="3200" spc="-1" strike="noStrike">
+              <a:solidFill>
+                <a:srgbClr val="000000"/>
+              </a:solidFill>
+              <a:uFill>
+                <a:solidFill>
+                  <a:srgbClr val="ffffff"/>
+                </a:solidFill>
+              </a:uFill>
+              <a:latin typeface="Arial"/>
+            </a:endParaRPr>
+          </a:p>
+        </p:txBody>
+      </p:sp>
+    </p:spTree>
+  </p:cSld>
+</p:sldLayout>
+</file>
+
+<file path=ppt/slideLayouts/slideLayout31.xml><?xml version="1.0" encoding="utf-8"?>
+<p:sldLayout xmlns:a="http://schemas.openxmlformats.org/drawingml/2006/main" xmlns:p="http://schemas.openxmlformats.org/presentationml/2006/main" xmlns:r="http://schemas.openxmlformats.org/officeDocument/2006/relationships" type="twoObjAndObj" preserve="1">
+  <p:cSld name="Title, 2 Content and Content">
+    <p:spTree>
+      <p:nvGrpSpPr>
+        <p:cNvPr id="1" name=""/>
+        <p:cNvGrpSpPr/>
+        <p:nvPr/>
+      </p:nvGrpSpPr>
+      <p:grpSpPr>
+        <a:xfrm>
+          <a:off x="0" y="0"/>
+          <a:ext cx="0" cy="0"/>
+          <a:chOff x="0" y="0"/>
+          <a:chExt cx="0" cy="0"/>
+        </a:xfrm>
+      </p:grpSpPr>
+      <p:sp>
+        <p:nvSpPr>
+          <p:cNvPr id="86" name="PlaceHolder 1"/>
+          <p:cNvSpPr>
+            <a:spLocks noGrp="1"/>
+          </p:cNvSpPr>
+          <p:nvPr>
+            <p:ph type="title"/>
+          </p:nvPr>
+        </p:nvSpPr>
+        <p:spPr>
+          <a:xfrm>
+            <a:off x="609480" y="273600"/>
+            <a:ext cx="10972440" cy="1144800"/>
+          </a:xfrm>
+          <a:prstGeom prst="rect">
+            <a:avLst/>
+          </a:prstGeom>
+        </p:spPr>
+        <p:txBody>
+          <a:bodyPr lIns="0" rIns="0" tIns="0" bIns="0" anchor="ctr"/>
+          <a:p>
+            <a:pPr algn="ctr"/>
+            <a:endParaRPr lang="en-US" sz="4400" spc="-1" strike="noStrike">
+              <a:solidFill>
+                <a:srgbClr val="000000"/>
+              </a:solidFill>
+              <a:uFill>
+                <a:solidFill>
+                  <a:srgbClr val="ffffff"/>
+                </a:solidFill>
+              </a:uFill>
+              <a:latin typeface="Arial"/>
+            </a:endParaRPr>
+          </a:p>
+        </p:txBody>
+      </p:sp>
+      <p:sp>
+        <p:nvSpPr>
+          <p:cNvPr id="87" name="PlaceHolder 2"/>
+          <p:cNvSpPr>
+            <a:spLocks noGrp="1"/>
+          </p:cNvSpPr>
+          <p:nvPr>
+            <p:ph type="body"/>
+          </p:nvPr>
+        </p:nvSpPr>
+        <p:spPr>
+          <a:xfrm>
+            <a:off x="609480" y="1604520"/>
+            <a:ext cx="5354280" cy="1896840"/>
+          </a:xfrm>
+          <a:prstGeom prst="rect">
+            <a:avLst/>
+          </a:prstGeom>
+        </p:spPr>
+        <p:txBody>
+          <a:bodyPr lIns="0" rIns="0" tIns="0" bIns="0"/>
+          <a:p>
+            <a:endParaRPr lang="en-US" sz="3200" spc="-1" strike="noStrike">
+              <a:solidFill>
+                <a:srgbClr val="000000"/>
+              </a:solidFill>
+              <a:uFill>
+                <a:solidFill>
+                  <a:srgbClr val="ffffff"/>
+                </a:solidFill>
+              </a:uFill>
+              <a:latin typeface="Arial"/>
+            </a:endParaRPr>
+          </a:p>
+        </p:txBody>
+      </p:sp>
+      <p:sp>
+        <p:nvSpPr>
+          <p:cNvPr id="88" name="PlaceHolder 3"/>
+          <p:cNvSpPr>
+            <a:spLocks noGrp="1"/>
+          </p:cNvSpPr>
+          <p:nvPr>
+            <p:ph type="body"/>
+          </p:nvPr>
+        </p:nvSpPr>
+        <p:spPr>
+          <a:xfrm>
+            <a:off x="609480" y="3682080"/>
+            <a:ext cx="5354280" cy="1896840"/>
+          </a:xfrm>
+          <a:prstGeom prst="rect">
+            <a:avLst/>
+          </a:prstGeom>
+        </p:spPr>
+        <p:txBody>
+          <a:bodyPr lIns="0" rIns="0" tIns="0" bIns="0"/>
+          <a:p>
+            <a:endParaRPr lang="en-US" sz="3200" spc="-1" strike="noStrike">
+              <a:solidFill>
+                <a:srgbClr val="000000"/>
+              </a:solidFill>
+              <a:uFill>
+                <a:solidFill>
+                  <a:srgbClr val="ffffff"/>
+                </a:solidFill>
+              </a:uFill>
+              <a:latin typeface="Arial"/>
+            </a:endParaRPr>
+          </a:p>
+        </p:txBody>
+      </p:sp>
+      <p:sp>
+        <p:nvSpPr>
+          <p:cNvPr id="89" name="PlaceHolder 4"/>
+          <p:cNvSpPr>
+            <a:spLocks noGrp="1"/>
+          </p:cNvSpPr>
+          <p:nvPr>
+            <p:ph type="body"/>
+          </p:nvPr>
+        </p:nvSpPr>
+        <p:spPr>
+          <a:xfrm>
+            <a:off x="6231960" y="1604520"/>
+            <a:ext cx="5354280" cy="3977280"/>
+          </a:xfrm>
+          <a:prstGeom prst="rect">
+            <a:avLst/>
+          </a:prstGeom>
+        </p:spPr>
+        <p:txBody>
+          <a:bodyPr lIns="0" rIns="0" tIns="0" bIns="0"/>
+          <a:p>
+            <a:endParaRPr lang="en-US" sz="3200" spc="-1" strike="noStrike">
+              <a:solidFill>
+                <a:srgbClr val="000000"/>
+              </a:solidFill>
+              <a:uFill>
+                <a:solidFill>
+                  <a:srgbClr val="ffffff"/>
+                </a:solidFill>
+              </a:uFill>
+              <a:latin typeface="Arial"/>
+            </a:endParaRPr>
+          </a:p>
+        </p:txBody>
+      </p:sp>
+    </p:spTree>
+  </p:cSld>
+</p:sldLayout>
+</file>
+
+<file path=ppt/slideLayouts/slideLayout32.xml><?xml version="1.0" encoding="utf-8"?>
+<p:sldLayout xmlns:a="http://schemas.openxmlformats.org/drawingml/2006/main" xmlns:p="http://schemas.openxmlformats.org/presentationml/2006/main" xmlns:r="http://schemas.openxmlformats.org/officeDocument/2006/relationships" type="objAndTwoObj" preserve="1">
+  <p:cSld name="Title Content and 2 Content">
+    <p:spTree>
+      <p:nvGrpSpPr>
+        <p:cNvPr id="1" name=""/>
+        <p:cNvGrpSpPr/>
+        <p:nvPr/>
+      </p:nvGrpSpPr>
+      <p:grpSpPr>
+        <a:xfrm>
+          <a:off x="0" y="0"/>
+          <a:ext cx="0" cy="0"/>
+          <a:chOff x="0" y="0"/>
+          <a:chExt cx="0" cy="0"/>
+        </a:xfrm>
+      </p:grpSpPr>
+      <p:sp>
+        <p:nvSpPr>
+          <p:cNvPr id="90" name="PlaceHolder 1"/>
+          <p:cNvSpPr>
+            <a:spLocks noGrp="1"/>
+          </p:cNvSpPr>
+          <p:nvPr>
+            <p:ph type="title"/>
+          </p:nvPr>
+        </p:nvSpPr>
+        <p:spPr>
+          <a:xfrm>
+            <a:off x="609480" y="273600"/>
+            <a:ext cx="10972440" cy="1144800"/>
+          </a:xfrm>
+          <a:prstGeom prst="rect">
+            <a:avLst/>
+          </a:prstGeom>
+        </p:spPr>
+        <p:txBody>
+          <a:bodyPr lIns="0" rIns="0" tIns="0" bIns="0" anchor="ctr"/>
+          <a:p>
+            <a:pPr algn="ctr"/>
+            <a:endParaRPr lang="en-US" sz="4400" spc="-1" strike="noStrike">
+              <a:solidFill>
+                <a:srgbClr val="000000"/>
+              </a:solidFill>
+              <a:uFill>
+                <a:solidFill>
+                  <a:srgbClr val="ffffff"/>
+                </a:solidFill>
+              </a:uFill>
+              <a:latin typeface="Arial"/>
+            </a:endParaRPr>
+          </a:p>
+        </p:txBody>
+      </p:sp>
+      <p:sp>
+        <p:nvSpPr>
+          <p:cNvPr id="91" name="PlaceHolder 2"/>
+          <p:cNvSpPr>
+            <a:spLocks noGrp="1"/>
+          </p:cNvSpPr>
+          <p:nvPr>
+            <p:ph type="body"/>
+          </p:nvPr>
+        </p:nvSpPr>
+        <p:spPr>
+          <a:xfrm>
+            <a:off x="609480" y="1604520"/>
+            <a:ext cx="5354280" cy="3977280"/>
+          </a:xfrm>
+          <a:prstGeom prst="rect">
+            <a:avLst/>
+          </a:prstGeom>
+        </p:spPr>
+        <p:txBody>
+          <a:bodyPr lIns="0" rIns="0" tIns="0" bIns="0"/>
+          <a:p>
+            <a:endParaRPr lang="en-US" sz="3200" spc="-1" strike="noStrike">
+              <a:solidFill>
+                <a:srgbClr val="000000"/>
+              </a:solidFill>
+              <a:uFill>
+                <a:solidFill>
+                  <a:srgbClr val="ffffff"/>
+                </a:solidFill>
+              </a:uFill>
+              <a:latin typeface="Arial"/>
+            </a:endParaRPr>
+          </a:p>
+        </p:txBody>
+      </p:sp>
+      <p:sp>
+        <p:nvSpPr>
+          <p:cNvPr id="92" name="PlaceHolder 3"/>
+          <p:cNvSpPr>
+            <a:spLocks noGrp="1"/>
+          </p:cNvSpPr>
+          <p:nvPr>
+            <p:ph type="body"/>
+          </p:nvPr>
+        </p:nvSpPr>
+        <p:spPr>
+          <a:xfrm>
+            <a:off x="6231960" y="1604520"/>
+            <a:ext cx="5354280" cy="1896840"/>
+          </a:xfrm>
+          <a:prstGeom prst="rect">
+            <a:avLst/>
+          </a:prstGeom>
+        </p:spPr>
+        <p:txBody>
+          <a:bodyPr lIns="0" rIns="0" tIns="0" bIns="0"/>
+          <a:p>
+            <a:endParaRPr lang="en-US" sz="3200" spc="-1" strike="noStrike">
+              <a:solidFill>
+                <a:srgbClr val="000000"/>
+              </a:solidFill>
+              <a:uFill>
+                <a:solidFill>
+                  <a:srgbClr val="ffffff"/>
+                </a:solidFill>
+              </a:uFill>
+              <a:latin typeface="Arial"/>
+            </a:endParaRPr>
+          </a:p>
+        </p:txBody>
+      </p:sp>
+      <p:sp>
+        <p:nvSpPr>
+          <p:cNvPr id="93" name="PlaceHolder 4"/>
+          <p:cNvSpPr>
+            <a:spLocks noGrp="1"/>
+          </p:cNvSpPr>
+          <p:nvPr>
+            <p:ph type="body"/>
+          </p:nvPr>
+        </p:nvSpPr>
+        <p:spPr>
+          <a:xfrm>
+            <a:off x="6231960" y="3682080"/>
+            <a:ext cx="5354280" cy="1896840"/>
+          </a:xfrm>
+          <a:prstGeom prst="rect">
+            <a:avLst/>
+          </a:prstGeom>
+        </p:spPr>
+        <p:txBody>
+          <a:bodyPr lIns="0" rIns="0" tIns="0" bIns="0"/>
+          <a:p>
+            <a:endParaRPr lang="en-US" sz="3200" spc="-1" strike="noStrike">
+              <a:solidFill>
+                <a:srgbClr val="000000"/>
+              </a:solidFill>
+              <a:uFill>
+                <a:solidFill>
+                  <a:srgbClr val="ffffff"/>
+                </a:solidFill>
+              </a:uFill>
+              <a:latin typeface="Arial"/>
+            </a:endParaRPr>
+          </a:p>
+        </p:txBody>
+      </p:sp>
+    </p:spTree>
+  </p:cSld>
+</p:sldLayout>
+</file>
+
+<file path=ppt/slideLayouts/slideLayout33.xml><?xml version="1.0" encoding="utf-8"?>
+<p:sldLayout xmlns:a="http://schemas.openxmlformats.org/drawingml/2006/main" xmlns:p="http://schemas.openxmlformats.org/presentationml/2006/main" xmlns:r="http://schemas.openxmlformats.org/officeDocument/2006/relationships" type="twoObjOverTx" preserve="1">
+  <p:cSld name="Title, 2 Content over Content">
+    <p:spTree>
+      <p:nvGrpSpPr>
+        <p:cNvPr id="1" name=""/>
+        <p:cNvGrpSpPr/>
+        <p:nvPr/>
+      </p:nvGrpSpPr>
+      <p:grpSpPr>
+        <a:xfrm>
+          <a:off x="0" y="0"/>
+          <a:ext cx="0" cy="0"/>
+          <a:chOff x="0" y="0"/>
+          <a:chExt cx="0" cy="0"/>
+        </a:xfrm>
+      </p:grpSpPr>
+      <p:sp>
+        <p:nvSpPr>
+          <p:cNvPr id="94" name="PlaceHolder 1"/>
+          <p:cNvSpPr>
+            <a:spLocks noGrp="1"/>
+          </p:cNvSpPr>
+          <p:nvPr>
+            <p:ph type="title"/>
+          </p:nvPr>
+        </p:nvSpPr>
+        <p:spPr>
+          <a:xfrm>
+            <a:off x="609480" y="273600"/>
+            <a:ext cx="10972440" cy="1144800"/>
+          </a:xfrm>
+          <a:prstGeom prst="rect">
+            <a:avLst/>
+          </a:prstGeom>
+        </p:spPr>
+        <p:txBody>
+          <a:bodyPr lIns="0" rIns="0" tIns="0" bIns="0" anchor="ctr"/>
+          <a:p>
+            <a:pPr algn="ctr"/>
+            <a:endParaRPr lang="en-US" sz="4400" spc="-1" strike="noStrike">
+              <a:solidFill>
+                <a:srgbClr val="000000"/>
+              </a:solidFill>
+              <a:uFill>
+                <a:solidFill>
+                  <a:srgbClr val="ffffff"/>
+                </a:solidFill>
+              </a:uFill>
+              <a:latin typeface="Arial"/>
+            </a:endParaRPr>
+          </a:p>
+        </p:txBody>
+      </p:sp>
+      <p:sp>
+        <p:nvSpPr>
+          <p:cNvPr id="95" name="PlaceHolder 2"/>
+          <p:cNvSpPr>
+            <a:spLocks noGrp="1"/>
+          </p:cNvSpPr>
+          <p:nvPr>
+            <p:ph type="body"/>
+          </p:nvPr>
+        </p:nvSpPr>
+        <p:spPr>
+          <a:xfrm>
+            <a:off x="609480" y="1604520"/>
+            <a:ext cx="5354280" cy="1896840"/>
+          </a:xfrm>
+          <a:prstGeom prst="rect">
+            <a:avLst/>
+          </a:prstGeom>
+        </p:spPr>
+        <p:txBody>
+          <a:bodyPr lIns="0" rIns="0" tIns="0" bIns="0"/>
+          <a:p>
+            <a:endParaRPr lang="en-US" sz="3200" spc="-1" strike="noStrike">
+              <a:solidFill>
+                <a:srgbClr val="000000"/>
+              </a:solidFill>
+              <a:uFill>
+                <a:solidFill>
+                  <a:srgbClr val="ffffff"/>
+                </a:solidFill>
+              </a:uFill>
+              <a:latin typeface="Arial"/>
+            </a:endParaRPr>
+          </a:p>
+        </p:txBody>
+      </p:sp>
+      <p:sp>
+        <p:nvSpPr>
+          <p:cNvPr id="96" name="PlaceHolder 3"/>
+          <p:cNvSpPr>
+            <a:spLocks noGrp="1"/>
+          </p:cNvSpPr>
+          <p:nvPr>
+            <p:ph type="body"/>
+          </p:nvPr>
+        </p:nvSpPr>
+        <p:spPr>
+          <a:xfrm>
+            <a:off x="6231960" y="1604520"/>
+            <a:ext cx="5354280" cy="1896840"/>
+          </a:xfrm>
+          <a:prstGeom prst="rect">
+            <a:avLst/>
+          </a:prstGeom>
+        </p:spPr>
+        <p:txBody>
+          <a:bodyPr lIns="0" rIns="0" tIns="0" bIns="0"/>
+          <a:p>
+            <a:endParaRPr lang="en-US" sz="3200" spc="-1" strike="noStrike">
+              <a:solidFill>
+                <a:srgbClr val="000000"/>
+              </a:solidFill>
+              <a:uFill>
+                <a:solidFill>
+                  <a:srgbClr val="ffffff"/>
+                </a:solidFill>
+              </a:uFill>
+              <a:latin typeface="Arial"/>
+            </a:endParaRPr>
+          </a:p>
+        </p:txBody>
+      </p:sp>
+      <p:sp>
+        <p:nvSpPr>
+          <p:cNvPr id="97" name="PlaceHolder 4"/>
+          <p:cNvSpPr>
+            <a:spLocks noGrp="1"/>
+          </p:cNvSpPr>
+          <p:nvPr>
+            <p:ph type="body"/>
+          </p:nvPr>
+        </p:nvSpPr>
+        <p:spPr>
+          <a:xfrm>
+            <a:off x="609480" y="3682080"/>
+            <a:ext cx="10972440" cy="1896840"/>
+          </a:xfrm>
+          <a:prstGeom prst="rect">
+            <a:avLst/>
+          </a:prstGeom>
+        </p:spPr>
+        <p:txBody>
+          <a:bodyPr lIns="0" rIns="0" tIns="0" bIns="0"/>
+          <a:p>
+            <a:endParaRPr lang="en-US" sz="3200" spc="-1" strike="noStrike">
+              <a:solidFill>
+                <a:srgbClr val="000000"/>
+              </a:solidFill>
+              <a:uFill>
+                <a:solidFill>
+                  <a:srgbClr val="ffffff"/>
+                </a:solidFill>
+              </a:uFill>
+              <a:latin typeface="Arial"/>
+            </a:endParaRPr>
+          </a:p>
+        </p:txBody>
+      </p:sp>
+    </p:spTree>
+  </p:cSld>
+</p:sldLayout>
+</file>
+
+<file path=ppt/slideLayouts/slideLayout34.xml><?xml version="1.0" encoding="utf-8"?>
+<p:sldLayout xmlns:a="http://schemas.openxmlformats.org/drawingml/2006/main" xmlns:p="http://schemas.openxmlformats.org/presentationml/2006/main" xmlns:r="http://schemas.openxmlformats.org/officeDocument/2006/relationships" type="objOverTx" preserve="1">
+  <p:cSld name="Title, Content over Content">
+    <p:spTree>
+      <p:nvGrpSpPr>
+        <p:cNvPr id="1" name=""/>
+        <p:cNvGrpSpPr/>
+        <p:nvPr/>
+      </p:nvGrpSpPr>
+      <p:grpSpPr>
+        <a:xfrm>
+          <a:off x="0" y="0"/>
+          <a:ext cx="0" cy="0"/>
+          <a:chOff x="0" y="0"/>
+          <a:chExt cx="0" cy="0"/>
+        </a:xfrm>
+      </p:grpSpPr>
+      <p:sp>
+        <p:nvSpPr>
+          <p:cNvPr id="98" name="PlaceHolder 1"/>
+          <p:cNvSpPr>
+            <a:spLocks noGrp="1"/>
+          </p:cNvSpPr>
+          <p:nvPr>
+            <p:ph type="title"/>
+          </p:nvPr>
+        </p:nvSpPr>
+        <p:spPr>
+          <a:xfrm>
+            <a:off x="609480" y="273600"/>
+            <a:ext cx="10972440" cy="1144800"/>
+          </a:xfrm>
+          <a:prstGeom prst="rect">
+            <a:avLst/>
+          </a:prstGeom>
+        </p:spPr>
+        <p:txBody>
+          <a:bodyPr lIns="0" rIns="0" tIns="0" bIns="0" anchor="ctr"/>
+          <a:p>
+            <a:pPr algn="ctr"/>
+            <a:endParaRPr lang="en-US" sz="4400" spc="-1" strike="noStrike">
+              <a:solidFill>
+                <a:srgbClr val="000000"/>
+              </a:solidFill>
+              <a:uFill>
+                <a:solidFill>
+                  <a:srgbClr val="ffffff"/>
+                </a:solidFill>
+              </a:uFill>
+              <a:latin typeface="Arial"/>
+            </a:endParaRPr>
+          </a:p>
+        </p:txBody>
+      </p:sp>
+      <p:sp>
+        <p:nvSpPr>
+          <p:cNvPr id="99" name="PlaceHolder 2"/>
+          <p:cNvSpPr>
+            <a:spLocks noGrp="1"/>
+          </p:cNvSpPr>
+          <p:nvPr>
+            <p:ph type="body"/>
+          </p:nvPr>
+        </p:nvSpPr>
+        <p:spPr>
+          <a:xfrm>
+            <a:off x="609480" y="1604520"/>
+            <a:ext cx="10972440" cy="1896840"/>
+          </a:xfrm>
+          <a:prstGeom prst="rect">
+            <a:avLst/>
+          </a:prstGeom>
+        </p:spPr>
+        <p:txBody>
+          <a:bodyPr lIns="0" rIns="0" tIns="0" bIns="0"/>
+          <a:p>
+            <a:endParaRPr lang="en-US" sz="3200" spc="-1" strike="noStrike">
+              <a:solidFill>
+                <a:srgbClr val="000000"/>
+              </a:solidFill>
+              <a:uFill>
+                <a:solidFill>
+                  <a:srgbClr val="ffffff"/>
+                </a:solidFill>
+              </a:uFill>
+              <a:latin typeface="Arial"/>
+            </a:endParaRPr>
+          </a:p>
+        </p:txBody>
+      </p:sp>
+      <p:sp>
+        <p:nvSpPr>
+          <p:cNvPr id="100" name="PlaceHolder 3"/>
+          <p:cNvSpPr>
+            <a:spLocks noGrp="1"/>
+          </p:cNvSpPr>
+          <p:nvPr>
+            <p:ph type="body"/>
+          </p:nvPr>
+        </p:nvSpPr>
+        <p:spPr>
+          <a:xfrm>
+            <a:off x="609480" y="3682080"/>
+            <a:ext cx="10972440" cy="1896840"/>
+          </a:xfrm>
+          <a:prstGeom prst="rect">
+            <a:avLst/>
+          </a:prstGeom>
+        </p:spPr>
+        <p:txBody>
+          <a:bodyPr lIns="0" rIns="0" tIns="0" bIns="0"/>
+          <a:p>
+            <a:endParaRPr lang="en-US" sz="3200" spc="-1" strike="noStrike">
+              <a:solidFill>
+                <a:srgbClr val="000000"/>
+              </a:solidFill>
+              <a:uFill>
+                <a:solidFill>
+                  <a:srgbClr val="ffffff"/>
+                </a:solidFill>
+              </a:uFill>
+              <a:latin typeface="Arial"/>
+            </a:endParaRPr>
+          </a:p>
+        </p:txBody>
+      </p:sp>
+    </p:spTree>
+  </p:cSld>
+</p:sldLayout>
+</file>
+
+<file path=ppt/slideLayouts/slideLayout35.xml><?xml version="1.0" encoding="utf-8"?>
+<p:sldLayout xmlns:a="http://schemas.openxmlformats.org/drawingml/2006/main" xmlns:p="http://schemas.openxmlformats.org/presentationml/2006/main" xmlns:r="http://schemas.openxmlformats.org/officeDocument/2006/relationships" type="fourObj" preserve="1">
+  <p:cSld name="Title, 4 Content">
+    <p:spTree>
+      <p:nvGrpSpPr>
+        <p:cNvPr id="1" name=""/>
+        <p:cNvGrpSpPr/>
+        <p:nvPr/>
+      </p:nvGrpSpPr>
+      <p:grpSpPr>
+        <a:xfrm>
+          <a:off x="0" y="0"/>
+          <a:ext cx="0" cy="0"/>
+          <a:chOff x="0" y="0"/>
+          <a:chExt cx="0" cy="0"/>
+        </a:xfrm>
+      </p:grpSpPr>
+      <p:sp>
+        <p:nvSpPr>
+          <p:cNvPr id="101" name="PlaceHolder 1"/>
+          <p:cNvSpPr>
+            <a:spLocks noGrp="1"/>
+          </p:cNvSpPr>
+          <p:nvPr>
+            <p:ph type="title"/>
+          </p:nvPr>
+        </p:nvSpPr>
+        <p:spPr>
+          <a:xfrm>
+            <a:off x="609480" y="273600"/>
+            <a:ext cx="10972440" cy="1144800"/>
+          </a:xfrm>
+          <a:prstGeom prst="rect">
+            <a:avLst/>
+          </a:prstGeom>
+        </p:spPr>
+        <p:txBody>
+          <a:bodyPr lIns="0" rIns="0" tIns="0" bIns="0" anchor="ctr"/>
+          <a:p>
+            <a:pPr algn="ctr"/>
+            <a:endParaRPr lang="en-US" sz="4400" spc="-1" strike="noStrike">
+              <a:solidFill>
+                <a:srgbClr val="000000"/>
+              </a:solidFill>
+              <a:uFill>
+                <a:solidFill>
+                  <a:srgbClr val="ffffff"/>
+                </a:solidFill>
+              </a:uFill>
+              <a:latin typeface="Arial"/>
+            </a:endParaRPr>
+          </a:p>
+        </p:txBody>
+      </p:sp>
+      <p:sp>
+        <p:nvSpPr>
+          <p:cNvPr id="102" name="PlaceHolder 2"/>
+          <p:cNvSpPr>
+            <a:spLocks noGrp="1"/>
+          </p:cNvSpPr>
+          <p:nvPr>
+            <p:ph type="body"/>
+          </p:nvPr>
+        </p:nvSpPr>
+        <p:spPr>
+          <a:xfrm>
+            <a:off x="609480" y="1604520"/>
+            <a:ext cx="5354280" cy="1896840"/>
+          </a:xfrm>
+          <a:prstGeom prst="rect">
+            <a:avLst/>
+          </a:prstGeom>
+        </p:spPr>
+        <p:txBody>
+          <a:bodyPr lIns="0" rIns="0" tIns="0" bIns="0"/>
+          <a:p>
+            <a:endParaRPr lang="en-US" sz="3200" spc="-1" strike="noStrike">
+              <a:solidFill>
+                <a:srgbClr val="000000"/>
+              </a:solidFill>
+              <a:uFill>
+                <a:solidFill>
+                  <a:srgbClr val="ffffff"/>
+                </a:solidFill>
+              </a:uFill>
+              <a:latin typeface="Arial"/>
+            </a:endParaRPr>
+          </a:p>
+        </p:txBody>
+      </p:sp>
+      <p:sp>
+        <p:nvSpPr>
+          <p:cNvPr id="103" name="PlaceHolder 3"/>
+          <p:cNvSpPr>
+            <a:spLocks noGrp="1"/>
+          </p:cNvSpPr>
+          <p:nvPr>
+            <p:ph type="body"/>
+          </p:nvPr>
+        </p:nvSpPr>
+        <p:spPr>
+          <a:xfrm>
+            <a:off x="6231960" y="1604520"/>
+            <a:ext cx="5354280" cy="1896840"/>
+          </a:xfrm>
+          <a:prstGeom prst="rect">
+            <a:avLst/>
+          </a:prstGeom>
+        </p:spPr>
+        <p:txBody>
+          <a:bodyPr lIns="0" rIns="0" tIns="0" bIns="0"/>
+          <a:p>
+            <a:endParaRPr lang="en-US" sz="3200" spc="-1" strike="noStrike">
+              <a:solidFill>
+                <a:srgbClr val="000000"/>
+              </a:solidFill>
+              <a:uFill>
+                <a:solidFill>
+                  <a:srgbClr val="ffffff"/>
+                </a:solidFill>
+              </a:uFill>
+              <a:latin typeface="Arial"/>
+            </a:endParaRPr>
+          </a:p>
+        </p:txBody>
+      </p:sp>
+      <p:sp>
+        <p:nvSpPr>
+          <p:cNvPr id="104" name="PlaceHolder 4"/>
+          <p:cNvSpPr>
+            <a:spLocks noGrp="1"/>
+          </p:cNvSpPr>
+          <p:nvPr>
+            <p:ph type="body"/>
+          </p:nvPr>
+        </p:nvSpPr>
+        <p:spPr>
+          <a:xfrm>
+            <a:off x="6231960" y="3682080"/>
+            <a:ext cx="5354280" cy="1896840"/>
+          </a:xfrm>
+          <a:prstGeom prst="rect">
+            <a:avLst/>
+          </a:prstGeom>
+        </p:spPr>
+        <p:txBody>
+          <a:bodyPr lIns="0" rIns="0" tIns="0" bIns="0"/>
+          <a:p>
+            <a:endParaRPr lang="en-US" sz="3200" spc="-1" strike="noStrike">
+              <a:solidFill>
+                <a:srgbClr val="000000"/>
+              </a:solidFill>
+              <a:uFill>
+                <a:solidFill>
+                  <a:srgbClr val="ffffff"/>
+                </a:solidFill>
+              </a:uFill>
+              <a:latin typeface="Arial"/>
+            </a:endParaRPr>
+          </a:p>
+        </p:txBody>
+      </p:sp>
+      <p:sp>
+        <p:nvSpPr>
+          <p:cNvPr id="105" name="PlaceHolder 5"/>
+          <p:cNvSpPr>
+            <a:spLocks noGrp="1"/>
+          </p:cNvSpPr>
+          <p:nvPr>
+            <p:ph type="body"/>
+          </p:nvPr>
+        </p:nvSpPr>
+        <p:spPr>
+          <a:xfrm>
+            <a:off x="609480" y="3682080"/>
+            <a:ext cx="5354280" cy="1896840"/>
+          </a:xfrm>
+          <a:prstGeom prst="rect">
+            <a:avLst/>
+          </a:prstGeom>
+        </p:spPr>
+        <p:txBody>
+          <a:bodyPr lIns="0" rIns="0" tIns="0" bIns="0"/>
+          <a:p>
+            <a:endParaRPr lang="en-US" sz="3200" spc="-1" strike="noStrike">
+              <a:solidFill>
+                <a:srgbClr val="000000"/>
+              </a:solidFill>
+              <a:uFill>
+                <a:solidFill>
+                  <a:srgbClr val="ffffff"/>
+                </a:solidFill>
+              </a:uFill>
+              <a:latin typeface="Arial"/>
+            </a:endParaRPr>
+          </a:p>
+        </p:txBody>
+      </p:sp>
+    </p:spTree>
+  </p:cSld>
+</p:sldLayout>
+</file>
+
+<file path=ppt/slideLayouts/slideLayout36.xml><?xml version="1.0" encoding="utf-8"?>
+<p:sldLayout xmlns:a="http://schemas.openxmlformats.org/drawingml/2006/main" xmlns:p="http://schemas.openxmlformats.org/presentationml/2006/main" xmlns:r="http://schemas.openxmlformats.org/officeDocument/2006/relationships" type="blank" preserve="1">
+  <p:cSld name="Title, 6 Content">
+    <p:spTree>
+      <p:nvGrpSpPr>
+        <p:cNvPr id="1" name=""/>
+        <p:cNvGrpSpPr/>
+        <p:nvPr/>
+      </p:nvGrpSpPr>
+      <p:grpSpPr>
+        <a:xfrm>
+          <a:off x="0" y="0"/>
+          <a:ext cx="0" cy="0"/>
+          <a:chOff x="0" y="0"/>
+          <a:chExt cx="0" cy="0"/>
+        </a:xfrm>
+      </p:grpSpPr>
+      <p:sp>
+        <p:nvSpPr>
+          <p:cNvPr id="106" name="PlaceHolder 1"/>
+          <p:cNvSpPr>
+            <a:spLocks noGrp="1"/>
+          </p:cNvSpPr>
+          <p:nvPr>
+            <p:ph type="title"/>
+          </p:nvPr>
+        </p:nvSpPr>
+        <p:spPr>
+          <a:xfrm>
+            <a:off x="609480" y="273600"/>
+            <a:ext cx="10972440" cy="1144800"/>
+          </a:xfrm>
+          <a:prstGeom prst="rect">
+            <a:avLst/>
+          </a:prstGeom>
+        </p:spPr>
+        <p:txBody>
+          <a:bodyPr lIns="0" rIns="0" tIns="0" bIns="0" anchor="ctr"/>
+          <a:p>
+            <a:pPr algn="ctr"/>
+            <a:endParaRPr lang="en-US" sz="4400" spc="-1" strike="noStrike">
+              <a:solidFill>
+                <a:srgbClr val="000000"/>
+              </a:solidFill>
+              <a:uFill>
+                <a:solidFill>
+                  <a:srgbClr val="ffffff"/>
+                </a:solidFill>
+              </a:uFill>
+              <a:latin typeface="Arial"/>
+            </a:endParaRPr>
+          </a:p>
+        </p:txBody>
+      </p:sp>
+      <p:sp>
+        <p:nvSpPr>
+          <p:cNvPr id="107" name="PlaceHolder 2"/>
+          <p:cNvSpPr>
+            <a:spLocks noGrp="1"/>
+          </p:cNvSpPr>
+          <p:nvPr>
+            <p:ph type="body"/>
+          </p:nvPr>
+        </p:nvSpPr>
+        <p:spPr>
+          <a:xfrm>
+            <a:off x="609480" y="1604520"/>
+            <a:ext cx="10972440" cy="3977280"/>
+          </a:xfrm>
+          <a:prstGeom prst="rect">
+            <a:avLst/>
+          </a:prstGeom>
+        </p:spPr>
+        <p:txBody>
+          <a:bodyPr lIns="0" rIns="0" tIns="0" bIns="0"/>
+          <a:p>
+            <a:endParaRPr lang="en-US" sz="3200" spc="-1" strike="noStrike">
+              <a:solidFill>
+                <a:srgbClr val="000000"/>
+              </a:solidFill>
+              <a:uFill>
+                <a:solidFill>
+                  <a:srgbClr val="ffffff"/>
+                </a:solidFill>
+              </a:uFill>
+              <a:latin typeface="Arial"/>
+            </a:endParaRPr>
+          </a:p>
+        </p:txBody>
+      </p:sp>
+      <p:sp>
+        <p:nvSpPr>
+          <p:cNvPr id="108" name="PlaceHolder 3"/>
+          <p:cNvSpPr>
+            <a:spLocks noGrp="1"/>
+          </p:cNvSpPr>
+          <p:nvPr>
+            <p:ph type="body"/>
+          </p:nvPr>
+        </p:nvSpPr>
+        <p:spPr>
+          <a:xfrm>
+            <a:off x="609480" y="1604520"/>
+            <a:ext cx="10972440" cy="3977280"/>
+          </a:xfrm>
+          <a:prstGeom prst="rect">
+            <a:avLst/>
+          </a:prstGeom>
+        </p:spPr>
+        <p:txBody>
+          <a:bodyPr lIns="0" rIns="0" tIns="0" bIns="0"/>
+          <a:p>
+            <a:endParaRPr lang="en-US" sz="3200" spc="-1" strike="noStrike">
+              <a:solidFill>
+                <a:srgbClr val="000000"/>
+              </a:solidFill>
+              <a:uFill>
+                <a:solidFill>
+                  <a:srgbClr val="ffffff"/>
+                </a:solidFill>
+              </a:uFill>
+              <a:latin typeface="Arial"/>
+            </a:endParaRPr>
+          </a:p>
+        </p:txBody>
+      </p:sp>
+      <p:pic>
+        <p:nvPicPr>
+          <p:cNvPr id="109" name="" descr=""/>
+          <p:cNvPicPr/>
+          <p:nvPr/>
+        </p:nvPicPr>
+        <p:blipFill>
+          <a:blip r:embed="rId2"/>
+          <a:stretch/>
+        </p:blipFill>
+        <p:spPr>
+          <a:xfrm>
+            <a:off x="3602880" y="1604520"/>
+            <a:ext cx="4984920" cy="3977280"/>
+          </a:xfrm>
+          <a:prstGeom prst="rect">
+            <a:avLst/>
+          </a:prstGeom>
+          <a:ln>
+            <a:noFill/>
+          </a:ln>
+        </p:spPr>
+      </p:pic>
+      <p:pic>
+        <p:nvPicPr>
+          <p:cNvPr id="110" name="" descr=""/>
+          <p:cNvPicPr/>
+          <p:nvPr/>
+        </p:nvPicPr>
+        <p:blipFill>
+          <a:blip r:embed="rId3"/>
+          <a:stretch/>
+        </p:blipFill>
+        <p:spPr>
+          <a:xfrm>
+            <a:off x="3602880" y="1604520"/>
+            <a:ext cx="4984920" cy="3977280"/>
+          </a:xfrm>
+          <a:prstGeom prst="rect">
+            <a:avLst/>
+          </a:prstGeom>
+          <a:ln>
+            <a:noFill/>
+          </a:ln>
+        </p:spPr>
+      </p:pic>
     </p:spTree>
   </p:cSld>
 </p:sldLayout>
@@ -4208,6 +5684,521 @@
 </p:sldMaster>
 </file>
 
+<file path=ppt/slideMasters/slideMaster3.xml><?xml version="1.0" encoding="utf-8"?>
+<p:sldMaster xmlns:a="http://schemas.openxmlformats.org/drawingml/2006/main" xmlns:p="http://schemas.openxmlformats.org/presentationml/2006/main" xmlns:r="http://schemas.openxmlformats.org/officeDocument/2006/relationships">
+  <p:cSld>
+    <p:bg>
+      <p:bgPr>
+        <a:solidFill>
+          <a:srgbClr val="ffffff"/>
+        </a:solidFill>
+      </p:bgPr>
+    </p:bg>
+    <p:spTree>
+      <p:nvGrpSpPr>
+        <p:cNvPr id="1" name=""/>
+        <p:cNvGrpSpPr/>
+        <p:nvPr/>
+      </p:nvGrpSpPr>
+      <p:grpSpPr>
+        <a:xfrm>
+          <a:off x="0" y="0"/>
+          <a:ext cx="0" cy="0"/>
+          <a:chOff x="0" y="0"/>
+          <a:chExt cx="0" cy="0"/>
+        </a:xfrm>
+      </p:grpSpPr>
+      <p:sp>
+        <p:nvSpPr>
+          <p:cNvPr id="72" name="PlaceHolder 1"/>
+          <p:cNvSpPr>
+            <a:spLocks noGrp="1"/>
+          </p:cNvSpPr>
+          <p:nvPr>
+            <p:ph type="title"/>
+          </p:nvPr>
+        </p:nvSpPr>
+        <p:spPr>
+          <a:xfrm>
+            <a:off x="609480" y="273600"/>
+            <a:ext cx="10972440" cy="1144800"/>
+          </a:xfrm>
+          <a:prstGeom prst="rect">
+            <a:avLst/>
+          </a:prstGeom>
+        </p:spPr>
+        <p:txBody>
+          <a:bodyPr lIns="0" rIns="0" tIns="0" bIns="0" anchor="ctr"/>
+          <a:p>
+            <a:pPr algn="ctr"/>
+            <a:r>
+              <a:rPr lang="en-US" sz="4400" spc="-1" strike="noStrike">
+                <a:solidFill>
+                  <a:srgbClr val="000000"/>
+                </a:solidFill>
+                <a:uFill>
+                  <a:solidFill>
+                    <a:srgbClr val="ffffff"/>
+                  </a:solidFill>
+                </a:uFill>
+                <a:latin typeface="Arial"/>
+              </a:rPr>
+              <a:t>Click to edit the title text format</a:t>
+            </a:r>
+            <a:endParaRPr lang="en-US" sz="4400" spc="-1" strike="noStrike">
+              <a:solidFill>
+                <a:srgbClr val="000000"/>
+              </a:solidFill>
+              <a:uFill>
+                <a:solidFill>
+                  <a:srgbClr val="ffffff"/>
+                </a:solidFill>
+              </a:uFill>
+              <a:latin typeface="Arial"/>
+            </a:endParaRPr>
+          </a:p>
+        </p:txBody>
+      </p:sp>
+      <p:sp>
+        <p:nvSpPr>
+          <p:cNvPr id="73" name="PlaceHolder 2"/>
+          <p:cNvSpPr>
+            <a:spLocks noGrp="1"/>
+          </p:cNvSpPr>
+          <p:nvPr>
+            <p:ph type="body"/>
+          </p:nvPr>
+        </p:nvSpPr>
+        <p:spPr>
+          <a:xfrm>
+            <a:off x="609480" y="1604520"/>
+            <a:ext cx="10972440" cy="3977280"/>
+          </a:xfrm>
+          <a:prstGeom prst="rect">
+            <a:avLst/>
+          </a:prstGeom>
+        </p:spPr>
+        <p:txBody>
+          <a:bodyPr lIns="0" rIns="0" tIns="0" bIns="0"/>
+          <a:p>
+            <a:pPr marL="432000" indent="-324000">
+              <a:buClr>
+                <a:srgbClr val="000000"/>
+              </a:buClr>
+              <a:buSzPct val="45000"/>
+              <a:buFont typeface="Wingdings" charset="2"/>
+              <a:buChar char=""/>
+            </a:pPr>
+            <a:r>
+              <a:rPr lang="en-US" sz="3200" spc="-1" strike="noStrike">
+                <a:solidFill>
+                  <a:srgbClr val="000000"/>
+                </a:solidFill>
+                <a:uFill>
+                  <a:solidFill>
+                    <a:srgbClr val="ffffff"/>
+                  </a:solidFill>
+                </a:uFill>
+                <a:latin typeface="Arial"/>
+              </a:rPr>
+              <a:t>Click to edit the outline text format</a:t>
+            </a:r>
+            <a:endParaRPr lang="en-US" sz="3200" spc="-1" strike="noStrike">
+              <a:solidFill>
+                <a:srgbClr val="000000"/>
+              </a:solidFill>
+              <a:uFill>
+                <a:solidFill>
+                  <a:srgbClr val="ffffff"/>
+                </a:solidFill>
+              </a:uFill>
+              <a:latin typeface="Arial"/>
+            </a:endParaRPr>
+          </a:p>
+          <a:p>
+            <a:pPr lvl="1" marL="864000" indent="-324000">
+              <a:buClr>
+                <a:srgbClr val="000000"/>
+              </a:buClr>
+              <a:buSzPct val="75000"/>
+              <a:buFont typeface="Symbol" charset="2"/>
+              <a:buChar char=""/>
+            </a:pPr>
+            <a:r>
+              <a:rPr lang="en-US" sz="2800" spc="-1" strike="noStrike">
+                <a:solidFill>
+                  <a:srgbClr val="000000"/>
+                </a:solidFill>
+                <a:uFill>
+                  <a:solidFill>
+                    <a:srgbClr val="ffffff"/>
+                  </a:solidFill>
+                </a:uFill>
+                <a:latin typeface="Arial"/>
+              </a:rPr>
+              <a:t>Second Outline Level</a:t>
+            </a:r>
+            <a:endParaRPr lang="en-US" sz="2800" spc="-1" strike="noStrike">
+              <a:solidFill>
+                <a:srgbClr val="000000"/>
+              </a:solidFill>
+              <a:uFill>
+                <a:solidFill>
+                  <a:srgbClr val="ffffff"/>
+                </a:solidFill>
+              </a:uFill>
+              <a:latin typeface="Arial"/>
+            </a:endParaRPr>
+          </a:p>
+          <a:p>
+            <a:pPr lvl="2" marL="1296000" indent="-288000">
+              <a:buClr>
+                <a:srgbClr val="000000"/>
+              </a:buClr>
+              <a:buSzPct val="45000"/>
+              <a:buFont typeface="Wingdings" charset="2"/>
+              <a:buChar char=""/>
+            </a:pPr>
+            <a:r>
+              <a:rPr lang="en-US" sz="2400" spc="-1" strike="noStrike">
+                <a:solidFill>
+                  <a:srgbClr val="000000"/>
+                </a:solidFill>
+                <a:uFill>
+                  <a:solidFill>
+                    <a:srgbClr val="ffffff"/>
+                  </a:solidFill>
+                </a:uFill>
+                <a:latin typeface="Arial"/>
+              </a:rPr>
+              <a:t>Third Outline Level</a:t>
+            </a:r>
+            <a:endParaRPr lang="en-US" sz="2400" spc="-1" strike="noStrike">
+              <a:solidFill>
+                <a:srgbClr val="000000"/>
+              </a:solidFill>
+              <a:uFill>
+                <a:solidFill>
+                  <a:srgbClr val="ffffff"/>
+                </a:solidFill>
+              </a:uFill>
+              <a:latin typeface="Arial"/>
+            </a:endParaRPr>
+          </a:p>
+          <a:p>
+            <a:pPr lvl="3" marL="1728000" indent="-216000">
+              <a:buClr>
+                <a:srgbClr val="000000"/>
+              </a:buClr>
+              <a:buSzPct val="75000"/>
+              <a:buFont typeface="Symbol" charset="2"/>
+              <a:buChar char=""/>
+            </a:pPr>
+            <a:r>
+              <a:rPr lang="en-US" sz="2000" spc="-1" strike="noStrike">
+                <a:solidFill>
+                  <a:srgbClr val="000000"/>
+                </a:solidFill>
+                <a:uFill>
+                  <a:solidFill>
+                    <a:srgbClr val="ffffff"/>
+                  </a:solidFill>
+                </a:uFill>
+                <a:latin typeface="Arial"/>
+              </a:rPr>
+              <a:t>Fourth Outline Level</a:t>
+            </a:r>
+            <a:endParaRPr lang="en-US" sz="2000" spc="-1" strike="noStrike">
+              <a:solidFill>
+                <a:srgbClr val="000000"/>
+              </a:solidFill>
+              <a:uFill>
+                <a:solidFill>
+                  <a:srgbClr val="ffffff"/>
+                </a:solidFill>
+              </a:uFill>
+              <a:latin typeface="Arial"/>
+            </a:endParaRPr>
+          </a:p>
+          <a:p>
+            <a:pPr lvl="4" marL="2160000" indent="-216000">
+              <a:buClr>
+                <a:srgbClr val="000000"/>
+              </a:buClr>
+              <a:buSzPct val="45000"/>
+              <a:buFont typeface="Wingdings" charset="2"/>
+              <a:buChar char=""/>
+            </a:pPr>
+            <a:r>
+              <a:rPr lang="en-US" sz="2000" spc="-1" strike="noStrike">
+                <a:solidFill>
+                  <a:srgbClr val="000000"/>
+                </a:solidFill>
+                <a:uFill>
+                  <a:solidFill>
+                    <a:srgbClr val="ffffff"/>
+                  </a:solidFill>
+                </a:uFill>
+                <a:latin typeface="Arial"/>
+              </a:rPr>
+              <a:t>Fifth Outline Level</a:t>
+            </a:r>
+            <a:endParaRPr lang="en-US" sz="2000" spc="-1" strike="noStrike">
+              <a:solidFill>
+                <a:srgbClr val="000000"/>
+              </a:solidFill>
+              <a:uFill>
+                <a:solidFill>
+                  <a:srgbClr val="ffffff"/>
+                </a:solidFill>
+              </a:uFill>
+              <a:latin typeface="Arial"/>
+            </a:endParaRPr>
+          </a:p>
+          <a:p>
+            <a:pPr lvl="5" marL="2592000" indent="-216000">
+              <a:buClr>
+                <a:srgbClr val="000000"/>
+              </a:buClr>
+              <a:buSzPct val="45000"/>
+              <a:buFont typeface="Wingdings" charset="2"/>
+              <a:buChar char=""/>
+            </a:pPr>
+            <a:r>
+              <a:rPr lang="en-US" sz="2000" spc="-1" strike="noStrike">
+                <a:solidFill>
+                  <a:srgbClr val="000000"/>
+                </a:solidFill>
+                <a:uFill>
+                  <a:solidFill>
+                    <a:srgbClr val="ffffff"/>
+                  </a:solidFill>
+                </a:uFill>
+                <a:latin typeface="Arial"/>
+              </a:rPr>
+              <a:t>Sixth Outline Level</a:t>
+            </a:r>
+            <a:endParaRPr lang="en-US" sz="2000" spc="-1" strike="noStrike">
+              <a:solidFill>
+                <a:srgbClr val="000000"/>
+              </a:solidFill>
+              <a:uFill>
+                <a:solidFill>
+                  <a:srgbClr val="ffffff"/>
+                </a:solidFill>
+              </a:uFill>
+              <a:latin typeface="Arial"/>
+            </a:endParaRPr>
+          </a:p>
+          <a:p>
+            <a:pPr lvl="6" marL="3024000" indent="-216000">
+              <a:buClr>
+                <a:srgbClr val="000000"/>
+              </a:buClr>
+              <a:buSzPct val="45000"/>
+              <a:buFont typeface="Wingdings" charset="2"/>
+              <a:buChar char=""/>
+            </a:pPr>
+            <a:r>
+              <a:rPr lang="en-US" sz="2000" spc="-1" strike="noStrike">
+                <a:solidFill>
+                  <a:srgbClr val="000000"/>
+                </a:solidFill>
+                <a:uFill>
+                  <a:solidFill>
+                    <a:srgbClr val="ffffff"/>
+                  </a:solidFill>
+                </a:uFill>
+                <a:latin typeface="Arial"/>
+              </a:rPr>
+              <a:t>Seventh Outline Level</a:t>
+            </a:r>
+            <a:endParaRPr lang="en-US" sz="2000" spc="-1" strike="noStrike">
+              <a:solidFill>
+                <a:srgbClr val="000000"/>
+              </a:solidFill>
+              <a:uFill>
+                <a:solidFill>
+                  <a:srgbClr val="ffffff"/>
+                </a:solidFill>
+              </a:uFill>
+              <a:latin typeface="Arial"/>
+            </a:endParaRPr>
+          </a:p>
+        </p:txBody>
+      </p:sp>
+      <p:sp>
+        <p:nvSpPr>
+          <p:cNvPr id="74" name="PlaceHolder 3"/>
+          <p:cNvSpPr>
+            <a:spLocks noGrp="1"/>
+          </p:cNvSpPr>
+          <p:nvPr>
+            <p:ph type="dt"/>
+          </p:nvPr>
+        </p:nvSpPr>
+        <p:spPr>
+          <a:xfrm>
+            <a:off x="609480" y="6247440"/>
+            <a:ext cx="2840400" cy="472680"/>
+          </a:xfrm>
+          <a:prstGeom prst="rect">
+            <a:avLst/>
+          </a:prstGeom>
+        </p:spPr>
+        <p:txBody>
+          <a:bodyPr lIns="0" rIns="0" tIns="0" bIns="0"/>
+          <a:p>
+            <a:r>
+              <a:rPr lang="en-US" sz="1400" spc="-1" strike="noStrike">
+                <a:solidFill>
+                  <a:srgbClr val="000000"/>
+                </a:solidFill>
+                <a:uFill>
+                  <a:solidFill>
+                    <a:srgbClr val="ffffff"/>
+                  </a:solidFill>
+                </a:uFill>
+                <a:latin typeface="Times New Roman"/>
+              </a:rPr>
+              <a:t>&lt;date/time&gt;</a:t>
+            </a:r>
+            <a:endParaRPr lang="en-US" sz="1400" spc="-1" strike="noStrike">
+              <a:solidFill>
+                <a:srgbClr val="000000"/>
+              </a:solidFill>
+              <a:uFill>
+                <a:solidFill>
+                  <a:srgbClr val="ffffff"/>
+                </a:solidFill>
+              </a:uFill>
+              <a:latin typeface="Times New Roman"/>
+            </a:endParaRPr>
+          </a:p>
+        </p:txBody>
+      </p:sp>
+      <p:sp>
+        <p:nvSpPr>
+          <p:cNvPr id="75" name="PlaceHolder 4"/>
+          <p:cNvSpPr>
+            <a:spLocks noGrp="1"/>
+          </p:cNvSpPr>
+          <p:nvPr>
+            <p:ph type="ftr"/>
+          </p:nvPr>
+        </p:nvSpPr>
+        <p:spPr>
+          <a:xfrm>
+            <a:off x="4169520" y="6247440"/>
+            <a:ext cx="3864240" cy="472680"/>
+          </a:xfrm>
+          <a:prstGeom prst="rect">
+            <a:avLst/>
+          </a:prstGeom>
+        </p:spPr>
+        <p:txBody>
+          <a:bodyPr lIns="0" rIns="0" tIns="0" bIns="0"/>
+          <a:p>
+            <a:pPr algn="ctr"/>
+            <a:r>
+              <a:rPr lang="en-US" sz="1400" spc="-1" strike="noStrike">
+                <a:solidFill>
+                  <a:srgbClr val="000000"/>
+                </a:solidFill>
+                <a:uFill>
+                  <a:solidFill>
+                    <a:srgbClr val="ffffff"/>
+                  </a:solidFill>
+                </a:uFill>
+                <a:latin typeface="Times New Roman"/>
+              </a:rPr>
+              <a:t>&lt;footer&gt;</a:t>
+            </a:r>
+            <a:endParaRPr lang="en-US" sz="1400" spc="-1" strike="noStrike">
+              <a:solidFill>
+                <a:srgbClr val="000000"/>
+              </a:solidFill>
+              <a:uFill>
+                <a:solidFill>
+                  <a:srgbClr val="ffffff"/>
+                </a:solidFill>
+              </a:uFill>
+              <a:latin typeface="Times New Roman"/>
+            </a:endParaRPr>
+          </a:p>
+        </p:txBody>
+      </p:sp>
+      <p:sp>
+        <p:nvSpPr>
+          <p:cNvPr id="76" name="PlaceHolder 5"/>
+          <p:cNvSpPr>
+            <a:spLocks noGrp="1"/>
+          </p:cNvSpPr>
+          <p:nvPr>
+            <p:ph type="sldNum"/>
+          </p:nvPr>
+        </p:nvSpPr>
+        <p:spPr>
+          <a:xfrm>
+            <a:off x="8741520" y="6247440"/>
+            <a:ext cx="2840400" cy="472680"/>
+          </a:xfrm>
+          <a:prstGeom prst="rect">
+            <a:avLst/>
+          </a:prstGeom>
+        </p:spPr>
+        <p:txBody>
+          <a:bodyPr lIns="0" rIns="0" tIns="0" bIns="0"/>
+          <a:p>
+            <a:pPr algn="r"/>
+            <a:fld id="{9D30A103-3866-4F70-A57D-D92B8E786969}" type="slidenum">
+              <a:rPr lang="en-US" sz="1400" spc="-1" strike="noStrike">
+                <a:solidFill>
+                  <a:srgbClr val="000000"/>
+                </a:solidFill>
+                <a:uFill>
+                  <a:solidFill>
+                    <a:srgbClr val="ffffff"/>
+                  </a:solidFill>
+                </a:uFill>
+                <a:latin typeface="Times New Roman"/>
+              </a:rPr>
+              <a:t>&lt;number&gt;</a:t>
+            </a:fld>
+            <a:endParaRPr lang="en-US" sz="1400" spc="-1" strike="noStrike">
+              <a:solidFill>
+                <a:srgbClr val="000000"/>
+              </a:solidFill>
+              <a:uFill>
+                <a:solidFill>
+                  <a:srgbClr val="ffffff"/>
+                </a:solidFill>
+              </a:uFill>
+              <a:latin typeface="Times New Roman"/>
+            </a:endParaRPr>
+          </a:p>
+        </p:txBody>
+      </p:sp>
+    </p:spTree>
+  </p:cSld>
+  <p:clrMap bg1="lt1" bg2="lt2" tx1="dk1" tx2="dk2" accent1="accent1" accent2="accent2" accent3="accent3" accent4="accent4" accent5="accent5" accent6="accent6" hlink="hlink" folHlink="folHlink"/>
+  <p:sldLayoutIdLst>
+    <p:sldLayoutId id="2147483675" r:id="rId2"/>
+    <p:sldLayoutId id="2147483676" r:id="rId3"/>
+    <p:sldLayoutId id="2147483677" r:id="rId4"/>
+    <p:sldLayoutId id="2147483678" r:id="rId5"/>
+    <p:sldLayoutId id="2147483679" r:id="rId6"/>
+    <p:sldLayoutId id="2147483680" r:id="rId7"/>
+    <p:sldLayoutId id="2147483681" r:id="rId8"/>
+    <p:sldLayoutId id="2147483682" r:id="rId9"/>
+    <p:sldLayoutId id="2147483683" r:id="rId10"/>
+    <p:sldLayoutId id="2147483684" r:id="rId11"/>
+    <p:sldLayoutId id="2147483685" r:id="rId12"/>
+    <p:sldLayoutId id="2147483686" r:id="rId13"/>
+  </p:sldLayoutIdLst>
+</p:sldMaster>
+</file>
+
 <file path=ppt/slides/slide1.xml><?xml version="1.0" encoding="utf-8"?>
 <p:sld xmlns:a="http://schemas.openxmlformats.org/drawingml/2006/main" xmlns:p="http://schemas.openxmlformats.org/presentationml/2006/main" xmlns:r="http://schemas.openxmlformats.org/officeDocument/2006/relationships">
   <p:cSld>
@@ -4227,7 +6218,7 @@
       </p:grpSpPr>
       <p:pic>
         <p:nvPicPr>
-          <p:cNvPr id="77" name="图片 4" descr=""/>
+          <p:cNvPr id="116" name="图片 4" descr=""/>
           <p:cNvPicPr/>
           <p:nvPr/>
         </p:nvPicPr>
@@ -4255,7 +6246,7 @@
       </p:pic>
       <p:sp>
         <p:nvSpPr>
-          <p:cNvPr id="78" name="CustomShape 1"/>
+          <p:cNvPr id="117" name="CustomShape 1"/>
           <p:cNvSpPr/>
           <p:nvPr/>
         </p:nvSpPr>
@@ -4293,7 +6284,7 @@
       </p:sp>
       <p:sp>
         <p:nvSpPr>
-          <p:cNvPr id="79" name="CustomShape 2"/>
+          <p:cNvPr id="118" name="CustomShape 2"/>
           <p:cNvSpPr/>
           <p:nvPr/>
         </p:nvSpPr>
@@ -4331,7 +6322,7 @@
       </p:sp>
       <p:sp>
         <p:nvSpPr>
-          <p:cNvPr id="80" name="CustomShape 3"/>
+          <p:cNvPr id="119" name="CustomShape 3"/>
           <p:cNvSpPr/>
           <p:nvPr/>
         </p:nvSpPr>
@@ -4393,7 +6384,7 @@
       </p:sp>
       <p:sp>
         <p:nvSpPr>
-          <p:cNvPr id="81" name="CustomShape 4"/>
+          <p:cNvPr id="120" name="CustomShape 4"/>
           <p:cNvSpPr/>
           <p:nvPr/>
         </p:nvSpPr>
@@ -4518,7 +6509,7 @@
                                       <p:cBhvr additive="repl">
                                         <p:cTn id="6" dur="500"/>
                                         <p:tgtEl>
-                                          <p:spTgt spid="77"/>
+                                          <p:spTgt spid="116"/>
                                         </p:tgtEl>
                                         <p:attrNameLst>
                                           <p:attrName>ppt_x</p:attrName>
@@ -4541,7 +6532,7 @@
                                       <p:cBhvr additive="repl">
                                         <p:cTn id="7" dur="500"/>
                                         <p:tgtEl>
-                                          <p:spTgt spid="77"/>
+                                          <p:spTgt spid="116"/>
                                         </p:tgtEl>
                                         <p:attrNameLst>
                                           <p:attrName>ppt_y</p:attrName>
@@ -4568,7 +6559,7 @@
                                           </p:stCondLst>
                                         </p:cTn>
                                         <p:tgtEl>
-                                          <p:spTgt spid="77"/>
+                                          <p:spTgt spid="116"/>
                                         </p:tgtEl>
                                         <p:attrNameLst>
                                           <p:attrName>style.visibility</p:attrName>
@@ -4591,7 +6582,7 @@
                                       <p:cBhvr additive="repl">
                                         <p:cTn id="10" dur="500"/>
                                         <p:tgtEl>
-                                          <p:spTgt spid="78"/>
+                                          <p:spTgt spid="117"/>
                                         </p:tgtEl>
                                         <p:attrNameLst>
                                           <p:attrName>ppt_x</p:attrName>
@@ -4614,7 +6605,7 @@
                                       <p:cBhvr additive="repl">
                                         <p:cTn id="11" dur="500"/>
                                         <p:tgtEl>
-                                          <p:spTgt spid="78"/>
+                                          <p:spTgt spid="117"/>
                                         </p:tgtEl>
                                         <p:attrNameLst>
                                           <p:attrName>ppt_y</p:attrName>
@@ -4641,7 +6632,7 @@
                                           </p:stCondLst>
                                         </p:cTn>
                                         <p:tgtEl>
-                                          <p:spTgt spid="78"/>
+                                          <p:spTgt spid="117"/>
                                         </p:tgtEl>
                                         <p:attrNameLst>
                                           <p:attrName>style.visibility</p:attrName>
@@ -4664,7 +6655,7 @@
                                       <p:cBhvr additive="repl">
                                         <p:cTn id="14" dur="500"/>
                                         <p:tgtEl>
-                                          <p:spTgt spid="80"/>
+                                          <p:spTgt spid="119"/>
                                         </p:tgtEl>
                                         <p:attrNameLst>
                                           <p:attrName>ppt_x</p:attrName>
@@ -4687,7 +6678,7 @@
                                       <p:cBhvr additive="repl">
                                         <p:cTn id="15" dur="500"/>
                                         <p:tgtEl>
-                                          <p:spTgt spid="80"/>
+                                          <p:spTgt spid="119"/>
                                         </p:tgtEl>
                                         <p:attrNameLst>
                                           <p:attrName>ppt_y</p:attrName>
@@ -4714,7 +6705,7 @@
                                           </p:stCondLst>
                                         </p:cTn>
                                         <p:tgtEl>
-                                          <p:spTgt spid="80"/>
+                                          <p:spTgt spid="119"/>
                                         </p:tgtEl>
                                         <p:attrNameLst>
                                           <p:attrName>style.visibility</p:attrName>
@@ -4737,7 +6728,7 @@
                                       <p:cBhvr additive="repl">
                                         <p:cTn id="18" dur="500"/>
                                         <p:tgtEl>
-                                          <p:spTgt spid="79"/>
+                                          <p:spTgt spid="118"/>
                                         </p:tgtEl>
                                         <p:attrNameLst>
                                           <p:attrName>ppt_x</p:attrName>
@@ -4760,7 +6751,7 @@
                                       <p:cBhvr additive="repl">
                                         <p:cTn id="19" dur="500"/>
                                         <p:tgtEl>
-                                          <p:spTgt spid="79"/>
+                                          <p:spTgt spid="118"/>
                                         </p:tgtEl>
                                         <p:attrNameLst>
                                           <p:attrName>ppt_y</p:attrName>
@@ -4787,7 +6778,7 @@
                                           </p:stCondLst>
                                         </p:cTn>
                                         <p:tgtEl>
-                                          <p:spTgt spid="79"/>
+                                          <p:spTgt spid="118"/>
                                         </p:tgtEl>
                                         <p:attrNameLst>
                                           <p:attrName>style.visibility</p:attrName>
@@ -4810,7 +6801,7 @@
                                       <p:cBhvr additive="repl">
                                         <p:cTn id="22" dur="500"/>
                                         <p:tgtEl>
-                                          <p:spTgt spid="81"/>
+                                          <p:spTgt spid="120"/>
                                         </p:tgtEl>
                                         <p:attrNameLst>
                                           <p:attrName>ppt_x</p:attrName>
@@ -4833,7 +6824,7 @@
                                       <p:cBhvr additive="repl">
                                         <p:cTn id="23" dur="500"/>
                                         <p:tgtEl>
-                                          <p:spTgt spid="81"/>
+                                          <p:spTgt spid="120"/>
                                         </p:tgtEl>
                                         <p:attrNameLst>
                                           <p:attrName>ppt_y</p:attrName>
@@ -4860,7 +6851,7 @@
                                           </p:stCondLst>
                                         </p:cTn>
                                         <p:tgtEl>
-                                          <p:spTgt spid="81"/>
+                                          <p:spTgt spid="120"/>
                                         </p:tgtEl>
                                         <p:attrNameLst>
                                           <p:attrName>style.visibility</p:attrName>
@@ -4921,16 +6912,82 @@
           <a:chExt cx="0" cy="0"/>
         </a:xfrm>
       </p:grpSpPr>
+      <p:pic>
+        <p:nvPicPr>
+          <p:cNvPr id="144" name="图片 4" descr=""/>
+          <p:cNvPicPr/>
+          <p:nvPr/>
+        </p:nvPicPr>
+        <p:blipFill>
+          <a:blip r:embed="rId1"/>
+          <a:srcRect l="35460" t="16766" r="0" b="18225"/>
+          <a:stretch/>
+        </p:blipFill>
+        <p:spPr>
+          <a:xfrm>
+            <a:off x="-79920" y="-48240"/>
+            <a:ext cx="6855480" cy="6905160"/>
+          </a:xfrm>
+          <a:prstGeom prst="rect">
+            <a:avLst/>
+          </a:prstGeom>
+          <a:ln>
+            <a:noFill/>
+          </a:ln>
+          <a:effectLst>
+            <a:reflection algn="bl" dir="5400000" dist="50800" endPos="65000" rotWithShape="0" stA="26000" sy="-100000"/>
+            <a:softEdge rad="0"/>
+          </a:effectLst>
+        </p:spPr>
+      </p:pic>
       <p:sp>
         <p:nvSpPr>
-          <p:cNvPr id="105" name="CustomShape 1"/>
+          <p:cNvPr id="145" name="CustomShape 1"/>
           <p:cNvSpPr/>
           <p:nvPr/>
         </p:nvSpPr>
         <p:spPr>
           <a:xfrm>
-            <a:off x="2144520" y="423000"/>
-            <a:ext cx="10514520" cy="1324440"/>
+            <a:off x="-79920" y="3958200"/>
+            <a:ext cx="5057280" cy="1719000"/>
+          </a:xfrm>
+          <a:prstGeom prst="rect">
+            <a:avLst/>
+          </a:prstGeom>
+          <a:solidFill>
+            <a:srgbClr val="523778">
+              <a:alpha val="90000"/>
+            </a:srgbClr>
+          </a:solidFill>
+          <a:ln>
+            <a:noFill/>
+          </a:ln>
+        </p:spPr>
+        <p:style>
+          <a:lnRef idx="2">
+            <a:schemeClr val="accent1">
+              <a:shade val="50000"/>
+            </a:schemeClr>
+          </a:lnRef>
+          <a:fillRef idx="1">
+            <a:schemeClr val="accent1"/>
+          </a:fillRef>
+          <a:effectRef idx="0">
+            <a:schemeClr val="accent1"/>
+          </a:effectRef>
+          <a:fontRef idx="minor"/>
+        </p:style>
+      </p:sp>
+      <p:sp>
+        <p:nvSpPr>
+          <p:cNvPr id="146" name="CustomShape 2"/>
+          <p:cNvSpPr/>
+          <p:nvPr/>
+        </p:nvSpPr>
+        <p:spPr>
+          <a:xfrm>
+            <a:off x="598680" y="4155480"/>
+            <a:ext cx="3855960" cy="1324440"/>
           </a:xfrm>
           <a:prstGeom prst="rect">
             <a:avLst/>
@@ -4955,19 +7012,19 @@
               </a:lnSpc>
             </a:pPr>
             <a:r>
-              <a:rPr lang="en-US" sz="4400" spc="-1" strike="noStrike">
-                <a:solidFill>
-                  <a:srgbClr val="000000"/>
-                </a:solidFill>
-                <a:uFill>
-                  <a:solidFill>
-                    <a:srgbClr val="ffffff"/>
-                  </a:solidFill>
-                </a:uFill>
-                <a:latin typeface="Calibri Light"/>
-                <a:ea typeface="DejaVu Sans"/>
-              </a:rPr>
-              <a:t>为什么要遵守代码规范</a:t>
+              <a:rPr lang="en-US" sz="5400" spc="-1" strike="noStrike">
+                <a:solidFill>
+                  <a:srgbClr val="ffffff"/>
+                </a:solidFill>
+                <a:uFill>
+                  <a:solidFill>
+                    <a:srgbClr val="ffffff"/>
+                  </a:solidFill>
+                </a:uFill>
+                <a:latin typeface="微软雅黑"/>
+                <a:ea typeface="微软雅黑"/>
+              </a:rPr>
+              <a:t>代码可读性</a:t>
             </a:r>
             <a:endParaRPr lang="en-US" sz="1800" spc="-1" strike="noStrike">
               <a:solidFill>
@@ -4983,511 +7040,6 @@
           </a:p>
         </p:txBody>
       </p:sp>
-      <p:sp>
-        <p:nvSpPr>
-          <p:cNvPr id="106" name="CustomShape 2"/>
-          <p:cNvSpPr/>
-          <p:nvPr/>
-        </p:nvSpPr>
-        <p:spPr>
-          <a:xfrm>
-            <a:off x="838080" y="1825560"/>
-            <a:ext cx="10514520" cy="4494240"/>
-          </a:xfrm>
-          <a:prstGeom prst="rect">
-            <a:avLst/>
-          </a:prstGeom>
-          <a:noFill/>
-          <a:ln>
-            <a:noFill/>
-          </a:ln>
-        </p:spPr>
-        <p:style>
-          <a:lnRef idx="0"/>
-          <a:fillRef idx="0"/>
-          <a:effectRef idx="0"/>
-          <a:fontRef idx="minor"/>
-        </p:style>
-        <p:txBody>
-          <a:bodyPr lIns="90000" rIns="90000" tIns="45000" bIns="45000"/>
-          <a:p>
-            <a:pPr marL="228600" indent="-227520">
-              <a:lnSpc>
-                <a:spcPct val="90000"/>
-              </a:lnSpc>
-              <a:buClr>
-                <a:srgbClr val="000000"/>
-              </a:buClr>
-              <a:buFont typeface="Arial"/>
-              <a:buChar char="•"/>
-            </a:pPr>
-            <a:r>
-              <a:rPr lang="en-US" sz="2800" spc="-1" strike="noStrike">
-                <a:solidFill>
-                  <a:srgbClr val="000000"/>
-                </a:solidFill>
-                <a:uFill>
-                  <a:solidFill>
-                    <a:srgbClr val="ffffff"/>
-                  </a:solidFill>
-                </a:uFill>
-                <a:latin typeface="Calibri"/>
-                <a:ea typeface="DejaVu Sans"/>
-              </a:rPr>
-              <a:t>”</a:t>
-            </a:r>
-            <a:r>
-              <a:rPr lang="en-US" sz="2800" spc="-1" strike="noStrike">
-                <a:solidFill>
-                  <a:srgbClr val="000000"/>
-                </a:solidFill>
-                <a:uFill>
-                  <a:solidFill>
-                    <a:srgbClr val="ffffff"/>
-                  </a:solidFill>
-                </a:uFill>
-                <a:latin typeface="Calibri"/>
-                <a:ea typeface="DejaVu Sans"/>
-              </a:rPr>
-              <a:t>代码是写给人看的，机器顺便可以运行而已”这个观点应该是写代码的基本原则。</a:t>
-            </a:r>
-            <a:endParaRPr lang="en-US" sz="1800" spc="-1" strike="noStrike">
-              <a:solidFill>
-                <a:srgbClr val="000000"/>
-              </a:solidFill>
-              <a:uFill>
-                <a:solidFill>
-                  <a:srgbClr val="ffffff"/>
-                </a:solidFill>
-              </a:uFill>
-              <a:latin typeface="Arial"/>
-            </a:endParaRPr>
-          </a:p>
-          <a:p>
-            <a:pPr marL="228600" indent="-227520">
-              <a:lnSpc>
-                <a:spcPct val="90000"/>
-              </a:lnSpc>
-              <a:buClr>
-                <a:srgbClr val="000000"/>
-              </a:buClr>
-              <a:buFont typeface="Arial"/>
-              <a:buChar char="•"/>
-            </a:pPr>
-            <a:r>
-              <a:rPr lang="en-US" sz="2800" spc="-1" strike="noStrike">
-                <a:solidFill>
-                  <a:srgbClr val="000000"/>
-                </a:solidFill>
-                <a:uFill>
-                  <a:solidFill>
-                    <a:srgbClr val="ffffff"/>
-                  </a:solidFill>
-                </a:uFill>
-                <a:latin typeface="Calibri"/>
-                <a:ea typeface="DejaVu Sans"/>
-              </a:rPr>
-              <a:t>代码好坏程度 </a:t>
-            </a:r>
-            <a:r>
-              <a:rPr lang="en-US" sz="2800" spc="-1" strike="noStrike">
-                <a:solidFill>
-                  <a:srgbClr val="000000"/>
-                </a:solidFill>
-                <a:uFill>
-                  <a:solidFill>
-                    <a:srgbClr val="ffffff"/>
-                  </a:solidFill>
-                </a:uFill>
-                <a:latin typeface="Calibri"/>
-                <a:ea typeface="DejaVu Sans"/>
-              </a:rPr>
-              <a:t>= </a:t>
-            </a:r>
-            <a:r>
-              <a:rPr lang="en-US" sz="2800" spc="-1" strike="noStrike">
-                <a:solidFill>
-                  <a:srgbClr val="000000"/>
-                </a:solidFill>
-                <a:uFill>
-                  <a:solidFill>
-                    <a:srgbClr val="ffffff"/>
-                  </a:solidFill>
-                </a:uFill>
-                <a:latin typeface="Calibri"/>
-                <a:ea typeface="DejaVu Sans"/>
-              </a:rPr>
-              <a:t>代码重构的时间 </a:t>
-            </a:r>
-            <a:r>
-              <a:rPr lang="en-US" sz="2800" spc="-1" strike="noStrike">
-                <a:solidFill>
-                  <a:srgbClr val="000000"/>
-                </a:solidFill>
-                <a:uFill>
-                  <a:solidFill>
-                    <a:srgbClr val="ffffff"/>
-                  </a:solidFill>
-                </a:uFill>
-                <a:latin typeface="Calibri"/>
-                <a:ea typeface="DejaVu Sans"/>
-              </a:rPr>
-              <a:t>* </a:t>
-            </a:r>
-            <a:r>
-              <a:rPr lang="en-US" sz="2800" spc="-1" strike="noStrike">
-                <a:solidFill>
-                  <a:srgbClr val="000000"/>
-                </a:solidFill>
-                <a:uFill>
-                  <a:solidFill>
-                    <a:srgbClr val="ffffff"/>
-                  </a:solidFill>
-                </a:uFill>
-                <a:latin typeface="Calibri"/>
-                <a:ea typeface="DejaVu Sans"/>
-              </a:rPr>
-              <a:t>代码重构时骂街的次数</a:t>
-            </a:r>
-            <a:endParaRPr lang="en-US" sz="1800" spc="-1" strike="noStrike">
-              <a:solidFill>
-                <a:srgbClr val="000000"/>
-              </a:solidFill>
-              <a:uFill>
-                <a:solidFill>
-                  <a:srgbClr val="ffffff"/>
-                </a:solidFill>
-              </a:uFill>
-              <a:latin typeface="Arial"/>
-            </a:endParaRPr>
-          </a:p>
-          <a:p>
-            <a:pPr>
-              <a:lnSpc>
-                <a:spcPct val="90000"/>
-              </a:lnSpc>
-            </a:pPr>
-            <a:endParaRPr lang="en-US" sz="1800" spc="-1" strike="noStrike">
-              <a:solidFill>
-                <a:srgbClr val="000000"/>
-              </a:solidFill>
-              <a:uFill>
-                <a:solidFill>
-                  <a:srgbClr val="ffffff"/>
-                </a:solidFill>
-              </a:uFill>
-              <a:latin typeface="Arial"/>
-            </a:endParaRPr>
-          </a:p>
-          <a:p>
-            <a:pPr marL="228600" indent="-227520">
-              <a:lnSpc>
-                <a:spcPct val="90000"/>
-              </a:lnSpc>
-              <a:buClr>
-                <a:srgbClr val="000000"/>
-              </a:buClr>
-              <a:buFont typeface="Arial"/>
-              <a:buChar char="•"/>
-            </a:pPr>
-            <a:r>
-              <a:rPr lang="en-US" sz="2800" spc="-1" strike="noStrike">
-                <a:solidFill>
-                  <a:srgbClr val="000000"/>
-                </a:solidFill>
-                <a:uFill>
-                  <a:solidFill>
-                    <a:srgbClr val="ffffff"/>
-                  </a:solidFill>
-                </a:uFill>
-                <a:latin typeface="Calibri"/>
-                <a:ea typeface="DejaVu Sans"/>
-              </a:rPr>
-              <a:t>第一，写别人能看懂得代码且容易看懂的代码</a:t>
-            </a:r>
-            <a:endParaRPr lang="en-US" sz="1800" spc="-1" strike="noStrike">
-              <a:solidFill>
-                <a:srgbClr val="000000"/>
-              </a:solidFill>
-              <a:uFill>
-                <a:solidFill>
-                  <a:srgbClr val="ffffff"/>
-                </a:solidFill>
-              </a:uFill>
-              <a:latin typeface="Arial"/>
-            </a:endParaRPr>
-          </a:p>
-          <a:p>
-            <a:pPr marL="228600" indent="-227520">
-              <a:lnSpc>
-                <a:spcPct val="90000"/>
-              </a:lnSpc>
-              <a:buClr>
-                <a:srgbClr val="000000"/>
-              </a:buClr>
-              <a:buFont typeface="Arial"/>
-              <a:buChar char="•"/>
-            </a:pPr>
-            <a:r>
-              <a:rPr lang="en-US" sz="2800" spc="-1" strike="noStrike">
-                <a:solidFill>
-                  <a:srgbClr val="000000"/>
-                </a:solidFill>
-                <a:uFill>
-                  <a:solidFill>
-                    <a:srgbClr val="ffffff"/>
-                  </a:solidFill>
-                </a:uFill>
-                <a:latin typeface="Calibri"/>
-                <a:ea typeface="DejaVu Sans"/>
-              </a:rPr>
-              <a:t>第二，写可以扩展的代码（松耦合）</a:t>
-            </a:r>
-            <a:endParaRPr lang="en-US" sz="1800" spc="-1" strike="noStrike">
-              <a:solidFill>
-                <a:srgbClr val="000000"/>
-              </a:solidFill>
-              <a:uFill>
-                <a:solidFill>
-                  <a:srgbClr val="ffffff"/>
-                </a:solidFill>
-              </a:uFill>
-              <a:latin typeface="Arial"/>
-            </a:endParaRPr>
-          </a:p>
-          <a:p>
-            <a:pPr marL="228600" indent="-227520">
-              <a:lnSpc>
-                <a:spcPct val="90000"/>
-              </a:lnSpc>
-              <a:buClr>
-                <a:srgbClr val="000000"/>
-              </a:buClr>
-              <a:buFont typeface="Arial"/>
-              <a:buChar char="•"/>
-            </a:pPr>
-            <a:r>
-              <a:rPr lang="en-US" sz="2800" spc="-1" strike="noStrike">
-                <a:solidFill>
-                  <a:srgbClr val="000000"/>
-                </a:solidFill>
-                <a:uFill>
-                  <a:solidFill>
-                    <a:srgbClr val="ffffff"/>
-                  </a:solidFill>
-                </a:uFill>
-                <a:latin typeface="Calibri"/>
-                <a:ea typeface="DejaVu Sans"/>
-              </a:rPr>
-              <a:t>第三，写可以测试的代码</a:t>
-            </a:r>
-            <a:endParaRPr lang="en-US" sz="1800" spc="-1" strike="noStrike">
-              <a:solidFill>
-                <a:srgbClr val="000000"/>
-              </a:solidFill>
-              <a:uFill>
-                <a:solidFill>
-                  <a:srgbClr val="ffffff"/>
-                </a:solidFill>
-              </a:uFill>
-              <a:latin typeface="Arial"/>
-            </a:endParaRPr>
-          </a:p>
-          <a:p>
-            <a:pPr marL="228600" indent="-227520">
-              <a:lnSpc>
-                <a:spcPct val="90000"/>
-              </a:lnSpc>
-              <a:buClr>
-                <a:srgbClr val="000000"/>
-              </a:buClr>
-              <a:buFont typeface="Arial"/>
-              <a:buChar char="•"/>
-            </a:pPr>
-            <a:r>
-              <a:rPr lang="en-US" sz="2800" spc="-1" strike="noStrike">
-                <a:solidFill>
-                  <a:srgbClr val="000000"/>
-                </a:solidFill>
-                <a:uFill>
-                  <a:solidFill>
-                    <a:srgbClr val="ffffff"/>
-                  </a:solidFill>
-                </a:uFill>
-                <a:latin typeface="Calibri"/>
-                <a:ea typeface="DejaVu Sans"/>
-              </a:rPr>
-              <a:t>第四，</a:t>
-            </a:r>
-            <a:r>
-              <a:rPr lang="en-US" sz="2800" spc="-1" strike="noStrike">
-                <a:solidFill>
-                  <a:srgbClr val="000000"/>
-                </a:solidFill>
-                <a:uFill>
-                  <a:solidFill>
-                    <a:srgbClr val="ffffff"/>
-                  </a:solidFill>
-                </a:uFill>
-                <a:latin typeface="Calibri"/>
-                <a:ea typeface="DejaVu Sans"/>
-              </a:rPr>
-              <a:t>DRY</a:t>
-            </a:r>
-            <a:r>
-              <a:rPr lang="en-US" sz="2800" spc="-1" strike="noStrike">
-                <a:solidFill>
-                  <a:srgbClr val="000000"/>
-                </a:solidFill>
-                <a:uFill>
-                  <a:solidFill>
-                    <a:srgbClr val="ffffff"/>
-                  </a:solidFill>
-                </a:uFill>
-                <a:latin typeface="Calibri"/>
-                <a:ea typeface="DejaVu Sans"/>
-              </a:rPr>
-              <a:t>原则</a:t>
-            </a:r>
-            <a:r>
-              <a:rPr lang="en-US" sz="2800" spc="-1" strike="noStrike">
-                <a:solidFill>
-                  <a:srgbClr val="000000"/>
-                </a:solidFill>
-                <a:uFill>
-                  <a:solidFill>
-                    <a:srgbClr val="ffffff"/>
-                  </a:solidFill>
-                </a:uFill>
-                <a:latin typeface="Calibri"/>
-                <a:ea typeface="DejaVu Sans"/>
-              </a:rPr>
-              <a:t>(don’t repeat yourself)</a:t>
-            </a:r>
-            <a:endParaRPr lang="en-US" sz="1800" spc="-1" strike="noStrike">
-              <a:solidFill>
-                <a:srgbClr val="000000"/>
-              </a:solidFill>
-              <a:uFill>
-                <a:solidFill>
-                  <a:srgbClr val="ffffff"/>
-                </a:solidFill>
-              </a:uFill>
-              <a:latin typeface="Arial"/>
-            </a:endParaRPr>
-          </a:p>
-          <a:p>
-            <a:pPr marL="228600" indent="-227520">
-              <a:lnSpc>
-                <a:spcPct val="90000"/>
-              </a:lnSpc>
-              <a:buClr>
-                <a:srgbClr val="000000"/>
-              </a:buClr>
-              <a:buFont typeface="Arial"/>
-              <a:buChar char="•"/>
-            </a:pPr>
-            <a:r>
-              <a:rPr lang="en-US" sz="2800" spc="-1" strike="noStrike">
-                <a:solidFill>
-                  <a:srgbClr val="000000"/>
-                </a:solidFill>
-                <a:uFill>
-                  <a:solidFill>
-                    <a:srgbClr val="ffffff"/>
-                  </a:solidFill>
-                </a:uFill>
-                <a:latin typeface="Calibri"/>
-                <a:ea typeface="DejaVu Sans"/>
-              </a:rPr>
-              <a:t>第五，</a:t>
-            </a:r>
-            <a:r>
-              <a:rPr lang="en-US" sz="2800" spc="-1" strike="noStrike">
-                <a:solidFill>
-                  <a:srgbClr val="000000"/>
-                </a:solidFill>
-                <a:uFill>
-                  <a:solidFill>
-                    <a:srgbClr val="ffffff"/>
-                  </a:solidFill>
-                </a:uFill>
-                <a:latin typeface="Calibri"/>
-                <a:ea typeface="DejaVu Sans"/>
-              </a:rPr>
-              <a:t>TED</a:t>
-            </a:r>
-            <a:r>
-              <a:rPr lang="en-US" sz="2800" spc="-1" strike="noStrike">
-                <a:solidFill>
-                  <a:srgbClr val="000000"/>
-                </a:solidFill>
-                <a:uFill>
-                  <a:solidFill>
-                    <a:srgbClr val="ffffff"/>
-                  </a:solidFill>
-                </a:uFill>
-                <a:latin typeface="Calibri"/>
-                <a:ea typeface="DejaVu Sans"/>
-              </a:rPr>
-              <a:t>原则</a:t>
-            </a:r>
-            <a:r>
-              <a:rPr lang="en-US" sz="2800" spc="-1" strike="noStrike">
-                <a:solidFill>
-                  <a:srgbClr val="000000"/>
-                </a:solidFill>
-                <a:uFill>
-                  <a:solidFill>
-                    <a:srgbClr val="ffffff"/>
-                  </a:solidFill>
-                </a:uFill>
-                <a:latin typeface="Calibri"/>
-                <a:ea typeface="DejaVu Sans"/>
-              </a:rPr>
-              <a:t>(Terse, Expressive, Do one thing)</a:t>
-            </a:r>
-            <a:endParaRPr lang="en-US" sz="1800" spc="-1" strike="noStrike">
-              <a:solidFill>
-                <a:srgbClr val="000000"/>
-              </a:solidFill>
-              <a:uFill>
-                <a:solidFill>
-                  <a:srgbClr val="ffffff"/>
-                </a:solidFill>
-              </a:uFill>
-              <a:latin typeface="Arial"/>
-            </a:endParaRPr>
-          </a:p>
-        </p:txBody>
-      </p:sp>
-      <p:pic>
-        <p:nvPicPr>
-          <p:cNvPr id="107" name="内容占位符 3" descr=""/>
-          <p:cNvPicPr/>
-          <p:nvPr/>
-        </p:nvPicPr>
-        <p:blipFill>
-          <a:blip r:embed="rId1"/>
-          <a:stretch/>
-        </p:blipFill>
-        <p:spPr>
-          <a:xfrm>
-            <a:off x="552240" y="423000"/>
-            <a:ext cx="1470240" cy="1470240"/>
-          </a:xfrm>
-          <a:prstGeom prst="rect">
-            <a:avLst/>
-          </a:prstGeom>
-          <a:ln>
-            <a:noFill/>
-          </a:ln>
-          <a:effectLst>
-            <a:reflection algn="bl" dir="5400000" dist="50800" endPos="65000" rotWithShape="0" stA="26000" sy="-100000"/>
-            <a:softEdge rad="0"/>
-          </a:effectLst>
-        </p:spPr>
-      </p:pic>
     </p:spTree>
   </p:cSld>
   <p:timing>
@@ -5539,7 +7091,7 @@
       </p:grpSpPr>
       <p:sp>
         <p:nvSpPr>
-          <p:cNvPr id="108" name="CustomShape 1"/>
+          <p:cNvPr id="147" name="CustomShape 1"/>
           <p:cNvSpPr/>
           <p:nvPr/>
         </p:nvSpPr>
@@ -5646,7 +7198,7 @@
       </p:sp>
       <p:pic>
         <p:nvPicPr>
-          <p:cNvPr id="109" name="内容占位符 3" descr=""/>
+          <p:cNvPr id="148" name="内容占位符 3" descr=""/>
           <p:cNvPicPr/>
           <p:nvPr/>
         </p:nvPicPr>
@@ -5673,7 +7225,7 @@
       </p:pic>
       <p:sp>
         <p:nvSpPr>
-          <p:cNvPr id="110" name="CustomShape 2"/>
+          <p:cNvPr id="149" name="CustomShape 2"/>
           <p:cNvSpPr/>
           <p:nvPr/>
         </p:nvSpPr>
@@ -5699,7 +7251,7 @@
       </p:sp>
       <p:sp>
         <p:nvSpPr>
-          <p:cNvPr id="111" name="CustomShape 3"/>
+          <p:cNvPr id="150" name="CustomShape 3"/>
           <p:cNvSpPr/>
           <p:nvPr/>
         </p:nvSpPr>
@@ -5921,13 +7473,13 @@
       </p:grpSpPr>
       <p:sp>
         <p:nvSpPr>
-          <p:cNvPr id="112" name="CustomShape 1"/>
+          <p:cNvPr id="151" name="CustomShape 1"/>
           <p:cNvSpPr/>
           <p:nvPr/>
         </p:nvSpPr>
         <p:spPr>
           <a:xfrm>
-            <a:off x="1676520" y="359640"/>
+            <a:off x="2144520" y="423000"/>
             <a:ext cx="10514520" cy="1324440"/>
           </a:xfrm>
           <a:prstGeom prst="rect">
@@ -5965,52 +7517,7 @@
                 <a:latin typeface="Calibri Light"/>
                 <a:ea typeface="DejaVu Sans"/>
               </a:rPr>
-              <a:t>Python </a:t>
-            </a:r>
-            <a:r>
-              <a:rPr lang="en-US" sz="4400" spc="-1" strike="noStrike">
-                <a:solidFill>
-                  <a:srgbClr val="000000"/>
-                </a:solidFill>
-                <a:uFill>
-                  <a:solidFill>
-                    <a:srgbClr val="ffffff"/>
-                  </a:solidFill>
-                </a:uFill>
-                <a:latin typeface="Calibri Light"/>
-                <a:ea typeface="DejaVu Sans"/>
-              </a:rPr>
-              <a:t>的 </a:t>
-            </a:r>
-            <a:r>
-              <a:rPr lang="en-US" sz="4400" spc="-1" strike="noStrike">
-                <a:solidFill>
-                  <a:srgbClr val="000000"/>
-                </a:solidFill>
-                <a:uFill>
-                  <a:solidFill>
-                    <a:srgbClr val="ffffff"/>
-                  </a:solidFill>
-                </a:uFill>
-                <a:latin typeface="Calibri Light"/>
-                <a:ea typeface="DejaVu Sans"/>
-              </a:rPr>
-              <a:t>PEP8</a:t>
-            </a:r>
-            <a:r>
-              <a:rPr lang="en-US" sz="4400" spc="-1" strike="noStrike">
-                <a:solidFill>
-                  <a:srgbClr val="000000"/>
-                </a:solidFill>
-                <a:uFill>
-                  <a:solidFill>
-                    <a:srgbClr val="ffffff"/>
-                  </a:solidFill>
-                </a:uFill>
-                <a:latin typeface="Calibri Light"/>
-                <a:ea typeface="DejaVu Sans"/>
-              </a:rPr>
-              <a:t>规范</a:t>
+              <a:t>为什么要遵守代码规范</a:t>
             </a:r>
             <a:endParaRPr lang="en-US" sz="1800" spc="-1" strike="noStrike">
               <a:solidFill>
@@ -6028,14 +7535,14 @@
       </p:sp>
       <p:sp>
         <p:nvSpPr>
-          <p:cNvPr id="113" name="CustomShape 2"/>
+          <p:cNvPr id="152" name="CustomShape 2"/>
           <p:cNvSpPr/>
           <p:nvPr/>
         </p:nvSpPr>
         <p:spPr>
           <a:xfrm>
             <a:off x="838080" y="1825560"/>
-            <a:ext cx="10514520" cy="4350240"/>
+            <a:ext cx="10514520" cy="4494240"/>
           </a:xfrm>
           <a:prstGeom prst="rect">
             <a:avLst/>
@@ -6077,7 +7584,22 @@
                 <a:latin typeface="Calibri"/>
                 <a:ea typeface="DejaVu Sans"/>
               </a:rPr>
-              <a:t>一 代码编排</a:t>
+              <a:t>”</a:t>
+            </a:r>
+            <a:r>
+              <a:rPr lang="en-US" sz="2800" spc="-1" strike="noStrike">
+                <a:solidFill>
+                  <a:srgbClr val="000000"/>
+                </a:solidFill>
+                <a:uFill>
+                  <a:solidFill>
+                    <a:srgbClr val="ffffff"/>
+                  </a:solidFill>
+                </a:uFill>
+                <a:latin typeface="Calibri"/>
+                <a:ea typeface="DejaVu Sans"/>
+              </a:rPr>
+              <a:t>代码是写给人看的，机器顺便可以运行而已”这个观点应该是写代码的基本原则。</a:t>
             </a:r>
             <a:endParaRPr lang="en-US" sz="1800" spc="-1" strike="noStrike">
               <a:solidFill>
@@ -6092,9 +7614,9 @@
             </a:endParaRPr>
           </a:p>
           <a:p>
-            <a:pPr lvl="1" marL="685800" indent="-227520">
+            <a:pPr marL="228600" indent="-227520">
               <a:lnSpc>
-                <a:spcPct val="100000"/>
+                <a:spcPct val="90000"/>
               </a:lnSpc>
               <a:buClr>
                 <a:srgbClr val="000000"/>
@@ -6103,124 +7625,79 @@
               <a:buChar char="•"/>
             </a:pPr>
             <a:r>
-              <a:rPr lang="en-US" sz="2400" spc="-1" strike="noStrike">
-                <a:solidFill>
-                  <a:srgbClr val="000000"/>
-                </a:solidFill>
-                <a:uFill>
-                  <a:solidFill>
-                    <a:srgbClr val="ffffff"/>
-                  </a:solidFill>
-                </a:uFill>
-                <a:latin typeface="Calibri"/>
-                <a:ea typeface="DejaVu Sans"/>
-              </a:rPr>
-              <a:t>1 </a:t>
-            </a:r>
-            <a:r>
-              <a:rPr lang="en-US" sz="2400" spc="-1" strike="noStrike">
-                <a:solidFill>
-                  <a:srgbClr val="000000"/>
-                </a:solidFill>
-                <a:uFill>
-                  <a:solidFill>
-                    <a:srgbClr val="ffffff"/>
-                  </a:solidFill>
-                </a:uFill>
-                <a:latin typeface="Calibri"/>
-                <a:ea typeface="DejaVu Sans"/>
-              </a:rPr>
-              <a:t>缩进。</a:t>
-            </a:r>
-            <a:r>
-              <a:rPr lang="en-US" sz="2400" spc="-1" strike="noStrike">
-                <a:solidFill>
-                  <a:srgbClr val="000000"/>
-                </a:solidFill>
-                <a:uFill>
-                  <a:solidFill>
-                    <a:srgbClr val="ffffff"/>
-                  </a:solidFill>
-                </a:uFill>
-                <a:latin typeface="Calibri"/>
-                <a:ea typeface="DejaVu Sans"/>
-              </a:rPr>
-              <a:t>4</a:t>
-            </a:r>
-            <a:r>
-              <a:rPr lang="en-US" sz="2400" spc="-1" strike="noStrike">
-                <a:solidFill>
-                  <a:srgbClr val="000000"/>
-                </a:solidFill>
-                <a:uFill>
-                  <a:solidFill>
-                    <a:srgbClr val="ffffff"/>
-                  </a:solidFill>
-                </a:uFill>
-                <a:latin typeface="Calibri"/>
-                <a:ea typeface="DejaVu Sans"/>
-              </a:rPr>
-              <a:t>个空格的缩进（编辑器都可以完成此功能），不使用</a:t>
-            </a:r>
-            <a:r>
-              <a:rPr lang="en-US" sz="2400" spc="-1" strike="noStrike">
-                <a:solidFill>
-                  <a:srgbClr val="000000"/>
-                </a:solidFill>
-                <a:uFill>
-                  <a:solidFill>
-                    <a:srgbClr val="ffffff"/>
-                  </a:solidFill>
-                </a:uFill>
-                <a:latin typeface="Calibri"/>
-                <a:ea typeface="DejaVu Sans"/>
-              </a:rPr>
-              <a:t>Tap</a:t>
-            </a:r>
-            <a:r>
-              <a:rPr lang="en-US" sz="2400" spc="-1" strike="noStrike">
-                <a:solidFill>
-                  <a:srgbClr val="000000"/>
-                </a:solidFill>
-                <a:uFill>
-                  <a:solidFill>
-                    <a:srgbClr val="ffffff"/>
-                  </a:solidFill>
-                </a:uFill>
-                <a:latin typeface="Calibri"/>
-                <a:ea typeface="DejaVu Sans"/>
-              </a:rPr>
-              <a:t>，更不能混合使用</a:t>
-            </a:r>
-            <a:r>
-              <a:rPr lang="en-US" sz="2400" spc="-1" strike="noStrike">
-                <a:solidFill>
-                  <a:srgbClr val="000000"/>
-                </a:solidFill>
-                <a:uFill>
-                  <a:solidFill>
-                    <a:srgbClr val="ffffff"/>
-                  </a:solidFill>
-                </a:uFill>
-                <a:latin typeface="Calibri"/>
-                <a:ea typeface="DejaVu Sans"/>
-              </a:rPr>
-              <a:t>Tap</a:t>
-            </a:r>
-            <a:r>
-              <a:rPr lang="en-US" sz="2400" spc="-1" strike="noStrike">
-                <a:solidFill>
-                  <a:srgbClr val="000000"/>
-                </a:solidFill>
-                <a:uFill>
-                  <a:solidFill>
-                    <a:srgbClr val="ffffff"/>
-                  </a:solidFill>
-                </a:uFill>
-                <a:latin typeface="Calibri"/>
-                <a:ea typeface="DejaVu Sans"/>
-              </a:rPr>
-              <a:t>和空格。</a:t>
+              <a:rPr lang="en-US" sz="2800" spc="-1" strike="noStrike">
+                <a:solidFill>
+                  <a:srgbClr val="000000"/>
+                </a:solidFill>
+                <a:uFill>
+                  <a:solidFill>
+                    <a:srgbClr val="ffffff"/>
+                  </a:solidFill>
+                </a:uFill>
+                <a:latin typeface="Calibri"/>
+                <a:ea typeface="DejaVu Sans"/>
+              </a:rPr>
+              <a:t>代码好坏程度 </a:t>
+            </a:r>
+            <a:r>
+              <a:rPr lang="en-US" sz="2800" spc="-1" strike="noStrike">
+                <a:solidFill>
+                  <a:srgbClr val="000000"/>
+                </a:solidFill>
+                <a:uFill>
+                  <a:solidFill>
+                    <a:srgbClr val="ffffff"/>
+                  </a:solidFill>
+                </a:uFill>
+                <a:latin typeface="Calibri"/>
+                <a:ea typeface="DejaVu Sans"/>
+              </a:rPr>
+              <a:t>= </a:t>
+            </a:r>
+            <a:r>
+              <a:rPr lang="en-US" sz="2800" spc="-1" strike="noStrike">
+                <a:solidFill>
+                  <a:srgbClr val="000000"/>
+                </a:solidFill>
+                <a:uFill>
+                  <a:solidFill>
+                    <a:srgbClr val="ffffff"/>
+                  </a:solidFill>
+                </a:uFill>
+                <a:latin typeface="Calibri"/>
+                <a:ea typeface="DejaVu Sans"/>
+              </a:rPr>
+              <a:t>代码重构的时间 </a:t>
+            </a:r>
+            <a:r>
+              <a:rPr lang="en-US" sz="2800" spc="-1" strike="noStrike">
+                <a:solidFill>
+                  <a:srgbClr val="000000"/>
+                </a:solidFill>
+                <a:uFill>
+                  <a:solidFill>
+                    <a:srgbClr val="ffffff"/>
+                  </a:solidFill>
+                </a:uFill>
+                <a:latin typeface="Calibri"/>
+                <a:ea typeface="DejaVu Sans"/>
+              </a:rPr>
+              <a:t>* </a:t>
+            </a:r>
+            <a:r>
+              <a:rPr lang="en-US" sz="2800" spc="-1" strike="noStrike">
+                <a:solidFill>
+                  <a:srgbClr val="000000"/>
+                </a:solidFill>
+                <a:uFill>
+                  <a:solidFill>
+                    <a:srgbClr val="ffffff"/>
+                  </a:solidFill>
+                </a:uFill>
+                <a:latin typeface="Calibri"/>
+                <a:ea typeface="DejaVu Sans"/>
+              </a:rPr>
+              <a:t>代码重构时骂街的次数</a:t>
             </a:r>
             <a:endParaRPr lang="en-US" sz="1800" spc="-1" strike="noStrike">
               <a:solidFill>
@@ -6235,75 +7712,48 @@
             </a:endParaRPr>
           </a:p>
           <a:p>
-            <a:pPr lvl="1" marL="685800" indent="-227520">
+            <a:pPr>
               <a:lnSpc>
-                <a:spcPct val="100000"/>
+                <a:spcPct val="90000"/>
+              </a:lnSpc>
+            </a:pPr>
+            <a:endParaRPr lang="en-US" sz="1800" spc="-1" strike="noStrike">
+              <a:solidFill>
+                <a:srgbClr val="000000"/>
+              </a:solidFill>
+              <a:uFill>
+                <a:solidFill>
+                  <a:srgbClr val="ffffff"/>
+                </a:solidFill>
+              </a:uFill>
+              <a:latin typeface="Arial"/>
+            </a:endParaRPr>
+          </a:p>
+          <a:p>
+            <a:pPr marL="228600" indent="-227520">
+              <a:lnSpc>
+                <a:spcPct val="90000"/>
               </a:lnSpc>
               <a:buClr>
-                <a:srgbClr val="ff0000"/>
+                <a:srgbClr val="000000"/>
               </a:buClr>
               <a:buFont typeface="Arial"/>
               <a:buChar char="•"/>
             </a:pPr>
             <a:r>
-              <a:rPr lang="en-US" sz="2400" spc="-1" strike="noStrike">
-                <a:solidFill>
-                  <a:srgbClr val="ff0000"/>
-                </a:solidFill>
-                <a:uFill>
-                  <a:solidFill>
-                    <a:srgbClr val="ffffff"/>
-                  </a:solidFill>
-                </a:uFill>
-                <a:latin typeface="Calibri"/>
-                <a:ea typeface="DejaVu Sans"/>
-              </a:rPr>
-              <a:t>2 </a:t>
-            </a:r>
-            <a:r>
-              <a:rPr lang="en-US" sz="2400" spc="-1" strike="noStrike">
-                <a:solidFill>
-                  <a:srgbClr val="ff0000"/>
-                </a:solidFill>
-                <a:uFill>
-                  <a:solidFill>
-                    <a:srgbClr val="ffffff"/>
-                  </a:solidFill>
-                </a:uFill>
-                <a:latin typeface="Calibri"/>
-                <a:ea typeface="DejaVu Sans"/>
-              </a:rPr>
-              <a:t>每行最大长度</a:t>
-            </a:r>
-            <a:r>
-              <a:rPr lang="en-US" sz="2400" spc="-1" strike="noStrike">
-                <a:solidFill>
-                  <a:srgbClr val="ff0000"/>
-                </a:solidFill>
-                <a:uFill>
-                  <a:solidFill>
-                    <a:srgbClr val="ffffff"/>
-                  </a:solidFill>
-                </a:uFill>
-                <a:latin typeface="Calibri"/>
-                <a:ea typeface="DejaVu Sans"/>
-              </a:rPr>
-              <a:t>79</a:t>
-            </a:r>
-            <a:r>
-              <a:rPr lang="en-US" sz="2400" spc="-1" strike="noStrike">
-                <a:solidFill>
-                  <a:srgbClr val="ff0000"/>
-                </a:solidFill>
-                <a:uFill>
-                  <a:solidFill>
-                    <a:srgbClr val="ffffff"/>
-                  </a:solidFill>
-                </a:uFill>
-                <a:latin typeface="Calibri"/>
-                <a:ea typeface="DejaVu Sans"/>
-              </a:rPr>
-              <a:t>（换行可以使用反斜杠，最好使用圆括号。换行点要在操作符的后边敲回车）</a:t>
+              <a:rPr lang="en-US" sz="2800" spc="-1" strike="noStrike">
+                <a:solidFill>
+                  <a:srgbClr val="000000"/>
+                </a:solidFill>
+                <a:uFill>
+                  <a:solidFill>
+                    <a:srgbClr val="ffffff"/>
+                  </a:solidFill>
+                </a:uFill>
+                <a:latin typeface="Calibri"/>
+                <a:ea typeface="DejaVu Sans"/>
+              </a:rPr>
+              <a:t>第一，写别人能看懂得代码且容易看懂的代码</a:t>
             </a:r>
             <a:endParaRPr lang="en-US" sz="1800" spc="-1" strike="noStrike">
               <a:solidFill>
@@ -6318,9 +7768,9 @@
             </a:endParaRPr>
           </a:p>
           <a:p>
-            <a:pPr lvl="1" marL="685800" indent="-227520">
+            <a:pPr marL="228600" indent="-227520">
               <a:lnSpc>
-                <a:spcPct val="100000"/>
+                <a:spcPct val="90000"/>
               </a:lnSpc>
               <a:buClr>
                 <a:srgbClr val="000000"/>
@@ -6329,64 +7779,223 @@
               <a:buChar char="•"/>
             </a:pPr>
             <a:r>
-              <a:rPr lang="en-US" sz="2400" spc="-1" strike="noStrike">
-                <a:solidFill>
-                  <a:srgbClr val="000000"/>
-                </a:solidFill>
-                <a:uFill>
-                  <a:solidFill>
-                    <a:srgbClr val="ffffff"/>
-                  </a:solidFill>
-                </a:uFill>
-                <a:latin typeface="Calibri"/>
-                <a:ea typeface="DejaVu Sans"/>
-              </a:rPr>
-              <a:t>3 </a:t>
-            </a:r>
-            <a:r>
-              <a:rPr lang="en-US" sz="2400" spc="-1" strike="noStrike">
-                <a:solidFill>
-                  <a:srgbClr val="000000"/>
-                </a:solidFill>
-                <a:uFill>
-                  <a:solidFill>
-                    <a:srgbClr val="ffffff"/>
-                  </a:solidFill>
-                </a:uFill>
-                <a:latin typeface="Calibri"/>
-                <a:ea typeface="DejaVu Sans"/>
-              </a:rPr>
-              <a:t>类和</a:t>
-            </a:r>
-            <a:r>
-              <a:rPr lang="en-US" sz="2400" spc="-1" strike="noStrike">
-                <a:solidFill>
-                  <a:srgbClr val="000000"/>
-                </a:solidFill>
-                <a:uFill>
-                  <a:solidFill>
-                    <a:srgbClr val="ffffff"/>
-                  </a:solidFill>
-                </a:uFill>
-                <a:latin typeface="Calibri"/>
-                <a:ea typeface="DejaVu Sans"/>
-              </a:rPr>
-              <a:t>top-level</a:t>
-            </a:r>
-            <a:r>
-              <a:rPr lang="en-US" sz="2400" spc="-1" strike="noStrike">
-                <a:solidFill>
-                  <a:srgbClr val="000000"/>
-                </a:solidFill>
-                <a:uFill>
-                  <a:solidFill>
-                    <a:srgbClr val="ffffff"/>
-                  </a:solidFill>
-                </a:uFill>
-                <a:latin typeface="Calibri"/>
-                <a:ea typeface="DejaVu Sans"/>
-              </a:rPr>
-              <a:t>函数定义之间空两行；类中的方法定义之间空一行；函数内逻辑无关段落之间空一行；其他地方尽量不要再空行。</a:t>
+              <a:rPr lang="en-US" sz="2800" spc="-1" strike="noStrike">
+                <a:solidFill>
+                  <a:srgbClr val="000000"/>
+                </a:solidFill>
+                <a:uFill>
+                  <a:solidFill>
+                    <a:srgbClr val="ffffff"/>
+                  </a:solidFill>
+                </a:uFill>
+                <a:latin typeface="Calibri"/>
+                <a:ea typeface="DejaVu Sans"/>
+              </a:rPr>
+              <a:t>第二，写可以扩展的代码（松耦合）</a:t>
+            </a:r>
+            <a:endParaRPr lang="en-US" sz="1800" spc="-1" strike="noStrike">
+              <a:solidFill>
+                <a:srgbClr val="000000"/>
+              </a:solidFill>
+              <a:uFill>
+                <a:solidFill>
+                  <a:srgbClr val="ffffff"/>
+                </a:solidFill>
+              </a:uFill>
+              <a:latin typeface="Arial"/>
+            </a:endParaRPr>
+          </a:p>
+          <a:p>
+            <a:pPr marL="228600" indent="-227520">
+              <a:lnSpc>
+                <a:spcPct val="90000"/>
+              </a:lnSpc>
+              <a:buClr>
+                <a:srgbClr val="000000"/>
+              </a:buClr>
+              <a:buFont typeface="Arial"/>
+              <a:buChar char="•"/>
+            </a:pPr>
+            <a:r>
+              <a:rPr lang="en-US" sz="2800" spc="-1" strike="noStrike">
+                <a:solidFill>
+                  <a:srgbClr val="000000"/>
+                </a:solidFill>
+                <a:uFill>
+                  <a:solidFill>
+                    <a:srgbClr val="ffffff"/>
+                  </a:solidFill>
+                </a:uFill>
+                <a:latin typeface="Calibri"/>
+                <a:ea typeface="DejaVu Sans"/>
+              </a:rPr>
+              <a:t>第三，写可以测试的代码</a:t>
+            </a:r>
+            <a:endParaRPr lang="en-US" sz="1800" spc="-1" strike="noStrike">
+              <a:solidFill>
+                <a:srgbClr val="000000"/>
+              </a:solidFill>
+              <a:uFill>
+                <a:solidFill>
+                  <a:srgbClr val="ffffff"/>
+                </a:solidFill>
+              </a:uFill>
+              <a:latin typeface="Arial"/>
+            </a:endParaRPr>
+          </a:p>
+          <a:p>
+            <a:pPr marL="228600" indent="-227520">
+              <a:lnSpc>
+                <a:spcPct val="90000"/>
+              </a:lnSpc>
+              <a:buClr>
+                <a:srgbClr val="000000"/>
+              </a:buClr>
+              <a:buFont typeface="Arial"/>
+              <a:buChar char="•"/>
+            </a:pPr>
+            <a:r>
+              <a:rPr lang="en-US" sz="2800" spc="-1" strike="noStrike">
+                <a:solidFill>
+                  <a:srgbClr val="000000"/>
+                </a:solidFill>
+                <a:uFill>
+                  <a:solidFill>
+                    <a:srgbClr val="ffffff"/>
+                  </a:solidFill>
+                </a:uFill>
+                <a:latin typeface="Calibri"/>
+                <a:ea typeface="DejaVu Sans"/>
+              </a:rPr>
+              <a:t>第四，</a:t>
+            </a:r>
+            <a:r>
+              <a:rPr lang="en-US" sz="2800" spc="-1" strike="noStrike">
+                <a:solidFill>
+                  <a:srgbClr val="000000"/>
+                </a:solidFill>
+                <a:uFill>
+                  <a:solidFill>
+                    <a:srgbClr val="ffffff"/>
+                  </a:solidFill>
+                </a:uFill>
+                <a:latin typeface="Calibri"/>
+                <a:ea typeface="DejaVu Sans"/>
+              </a:rPr>
+              <a:t>DRY</a:t>
+            </a:r>
+            <a:r>
+              <a:rPr lang="en-US" sz="2800" spc="-1" strike="noStrike">
+                <a:solidFill>
+                  <a:srgbClr val="000000"/>
+                </a:solidFill>
+                <a:uFill>
+                  <a:solidFill>
+                    <a:srgbClr val="ffffff"/>
+                  </a:solidFill>
+                </a:uFill>
+                <a:latin typeface="Calibri"/>
+                <a:ea typeface="DejaVu Sans"/>
+              </a:rPr>
+              <a:t>原则</a:t>
+            </a:r>
+            <a:r>
+              <a:rPr lang="en-US" sz="2800" spc="-1" strike="noStrike">
+                <a:solidFill>
+                  <a:srgbClr val="000000"/>
+                </a:solidFill>
+                <a:uFill>
+                  <a:solidFill>
+                    <a:srgbClr val="ffffff"/>
+                  </a:solidFill>
+                </a:uFill>
+                <a:latin typeface="Calibri"/>
+                <a:ea typeface="DejaVu Sans"/>
+              </a:rPr>
+              <a:t>(don’t repeat yourself)</a:t>
+            </a:r>
+            <a:endParaRPr lang="en-US" sz="1800" spc="-1" strike="noStrike">
+              <a:solidFill>
+                <a:srgbClr val="000000"/>
+              </a:solidFill>
+              <a:uFill>
+                <a:solidFill>
+                  <a:srgbClr val="ffffff"/>
+                </a:solidFill>
+              </a:uFill>
+              <a:latin typeface="Arial"/>
+            </a:endParaRPr>
+          </a:p>
+          <a:p>
+            <a:pPr marL="228600" indent="-227520">
+              <a:lnSpc>
+                <a:spcPct val="90000"/>
+              </a:lnSpc>
+              <a:buClr>
+                <a:srgbClr val="000000"/>
+              </a:buClr>
+              <a:buFont typeface="Arial"/>
+              <a:buChar char="•"/>
+            </a:pPr>
+            <a:r>
+              <a:rPr lang="en-US" sz="2800" spc="-1" strike="noStrike">
+                <a:solidFill>
+                  <a:srgbClr val="000000"/>
+                </a:solidFill>
+                <a:uFill>
+                  <a:solidFill>
+                    <a:srgbClr val="ffffff"/>
+                  </a:solidFill>
+                </a:uFill>
+                <a:latin typeface="Calibri"/>
+                <a:ea typeface="DejaVu Sans"/>
+              </a:rPr>
+              <a:t>第五，</a:t>
+            </a:r>
+            <a:r>
+              <a:rPr lang="en-US" sz="2800" spc="-1" strike="noStrike">
+                <a:solidFill>
+                  <a:srgbClr val="000000"/>
+                </a:solidFill>
+                <a:uFill>
+                  <a:solidFill>
+                    <a:srgbClr val="ffffff"/>
+                  </a:solidFill>
+                </a:uFill>
+                <a:latin typeface="Calibri"/>
+                <a:ea typeface="DejaVu Sans"/>
+              </a:rPr>
+              <a:t>TED</a:t>
+            </a:r>
+            <a:r>
+              <a:rPr lang="en-US" sz="2800" spc="-1" strike="noStrike">
+                <a:solidFill>
+                  <a:srgbClr val="000000"/>
+                </a:solidFill>
+                <a:uFill>
+                  <a:solidFill>
+                    <a:srgbClr val="ffffff"/>
+                  </a:solidFill>
+                </a:uFill>
+                <a:latin typeface="Calibri"/>
+                <a:ea typeface="DejaVu Sans"/>
+              </a:rPr>
+              <a:t>原则</a:t>
+            </a:r>
+            <a:r>
+              <a:rPr lang="en-US" sz="2800" spc="-1" strike="noStrike">
+                <a:solidFill>
+                  <a:srgbClr val="000000"/>
+                </a:solidFill>
+                <a:uFill>
+                  <a:solidFill>
+                    <a:srgbClr val="ffffff"/>
+                  </a:solidFill>
+                </a:uFill>
+                <a:latin typeface="Calibri"/>
+                <a:ea typeface="DejaVu Sans"/>
+              </a:rPr>
+              <a:t>(Terse, Expressive, Do one thing)</a:t>
             </a:r>
             <a:endParaRPr lang="en-US" sz="1800" spc="-1" strike="noStrike">
               <a:solidFill>
@@ -6404,7 +8013,7 @@
       </p:sp>
       <p:pic>
         <p:nvPicPr>
-          <p:cNvPr id="114" name="内容占位符 3" descr=""/>
+          <p:cNvPr id="153" name="内容占位符 3" descr=""/>
           <p:cNvPicPr/>
           <p:nvPr/>
         </p:nvPicPr>
@@ -6414,7 +8023,7 @@
         </p:blipFill>
         <p:spPr>
           <a:xfrm>
-            <a:off x="102600" y="213840"/>
+            <a:off x="552240" y="423000"/>
             <a:ext cx="1470240" cy="1470240"/>
           </a:xfrm>
           <a:prstGeom prst="rect">
@@ -6480,7 +8089,7 @@
       </p:grpSpPr>
       <p:sp>
         <p:nvSpPr>
-          <p:cNvPr id="115" name="CustomShape 1"/>
+          <p:cNvPr id="154" name="CustomShape 1"/>
           <p:cNvSpPr/>
           <p:nvPr/>
         </p:nvSpPr>
@@ -6587,7 +8196,7 @@
       </p:sp>
       <p:sp>
         <p:nvSpPr>
-          <p:cNvPr id="116" name="CustomShape 2"/>
+          <p:cNvPr id="155" name="CustomShape 2"/>
           <p:cNvSpPr/>
           <p:nvPr/>
         </p:nvSpPr>
@@ -6636,7 +8245,7 @@
                 <a:latin typeface="Calibri"/>
                 <a:ea typeface="DejaVu Sans"/>
               </a:rPr>
-              <a:t>二 文档编排</a:t>
+              <a:t>一 代码编排</a:t>
             </a:r>
             <a:endParaRPr lang="en-US" sz="1800" spc="-1" strike="noStrike">
               <a:solidFill>
@@ -6689,7 +8298,7 @@
                 <a:latin typeface="Calibri"/>
                 <a:ea typeface="DejaVu Sans"/>
               </a:rPr>
-              <a:t>模块内容的顺序：模块说明和</a:t>
+              <a:t>缩进。</a:t>
             </a:r>
             <a:r>
               <a:rPr lang="en-US" sz="2400" spc="-1" strike="noStrike">
@@ -6704,7 +8313,7 @@
                 <a:latin typeface="Calibri"/>
                 <a:ea typeface="DejaVu Sans"/>
               </a:rPr>
-              <a:t>docstring—import—globals&amp;constants—</a:t>
+              <a:t>4</a:t>
             </a:r>
             <a:r>
               <a:rPr lang="en-US" sz="2400" spc="-1" strike="noStrike">
@@ -6719,7 +8328,7 @@
                 <a:latin typeface="Calibri"/>
                 <a:ea typeface="DejaVu Sans"/>
               </a:rPr>
-              <a:t>其他定义。其中</a:t>
+              <a:t>个空格的缩进（编辑器都可以完成此功能），不使用</a:t>
             </a:r>
             <a:r>
               <a:rPr lang="en-US" sz="2400" spc="-1" strike="noStrike">
@@ -6734,7 +8343,7 @@
                 <a:latin typeface="Calibri"/>
                 <a:ea typeface="DejaVu Sans"/>
               </a:rPr>
-              <a:t>import</a:t>
+              <a:t>Tap</a:t>
             </a:r>
             <a:r>
               <a:rPr lang="en-US" sz="2400" spc="-1" strike="noStrike">
@@ -6749,31 +8358,8 @@
                 <a:latin typeface="Calibri"/>
                 <a:ea typeface="DejaVu Sans"/>
               </a:rPr>
-              <a:t>部分，又按标准、三方和自己编写顺序依次排放，之间空一行。</a:t>
-            </a:r>
-            <a:endParaRPr lang="en-US" sz="1800" spc="-1" strike="noStrike">
-              <a:solidFill>
-                <a:srgbClr val="000000"/>
-              </a:solidFill>
-              <a:uFill>
-                <a:solidFill>
-                  <a:srgbClr val="ffffff"/>
-                </a:solidFill>
-              </a:uFill>
-              <a:latin typeface="Arial"/>
-            </a:endParaRPr>
-          </a:p>
-          <a:p>
-            <a:pPr lvl="1" marL="685800" indent="-227520">
-              <a:lnSpc>
-                <a:spcPct val="100000"/>
-              </a:lnSpc>
-              <a:buClr>
-                <a:srgbClr val="000000"/>
-              </a:buClr>
-              <a:buFont typeface="Arial"/>
-              <a:buChar char="•"/>
-            </a:pPr>
+              <a:t>，更不能混合使用</a:t>
+            </a:r>
             <a:r>
               <a:rPr lang="en-US" sz="2400" spc="-1" strike="noStrike">
                 <a:solidFill>
@@ -6787,7 +8373,7 @@
                 <a:latin typeface="Calibri"/>
                 <a:ea typeface="DejaVu Sans"/>
               </a:rPr>
-              <a:t>2 </a:t>
+              <a:t>Tap</a:t>
             </a:r>
             <a:r>
               <a:rPr lang="en-US" sz="2400" spc="-1" strike="noStrike">
@@ -6802,67 +8388,7 @@
                 <a:latin typeface="Calibri"/>
                 <a:ea typeface="DejaVu Sans"/>
               </a:rPr>
-              <a:t>不要在一句</a:t>
-            </a:r>
-            <a:r>
-              <a:rPr lang="en-US" sz="2400" spc="-1" strike="noStrike">
-                <a:solidFill>
-                  <a:srgbClr val="000000"/>
-                </a:solidFill>
-                <a:uFill>
-                  <a:solidFill>
-                    <a:srgbClr val="ffffff"/>
-                  </a:solidFill>
-                </a:uFill>
-                <a:latin typeface="Calibri"/>
-                <a:ea typeface="DejaVu Sans"/>
-              </a:rPr>
-              <a:t>import</a:t>
-            </a:r>
-            <a:r>
-              <a:rPr lang="en-US" sz="2400" spc="-1" strike="noStrike">
-                <a:solidFill>
-                  <a:srgbClr val="000000"/>
-                </a:solidFill>
-                <a:uFill>
-                  <a:solidFill>
-                    <a:srgbClr val="ffffff"/>
-                  </a:solidFill>
-                </a:uFill>
-                <a:latin typeface="Calibri"/>
-                <a:ea typeface="DejaVu Sans"/>
-              </a:rPr>
-              <a:t>中多个库，比如</a:t>
-            </a:r>
-            <a:r>
-              <a:rPr lang="en-US" sz="2400" spc="-1" strike="noStrike">
-                <a:solidFill>
-                  <a:srgbClr val="000000"/>
-                </a:solidFill>
-                <a:uFill>
-                  <a:solidFill>
-                    <a:srgbClr val="ffffff"/>
-                  </a:solidFill>
-                </a:uFill>
-                <a:latin typeface="Calibri"/>
-                <a:ea typeface="DejaVu Sans"/>
-              </a:rPr>
-              <a:t>import os, sys</a:t>
-            </a:r>
-            <a:r>
-              <a:rPr lang="en-US" sz="2400" spc="-1" strike="noStrike">
-                <a:solidFill>
-                  <a:srgbClr val="000000"/>
-                </a:solidFill>
-                <a:uFill>
-                  <a:solidFill>
-                    <a:srgbClr val="ffffff"/>
-                  </a:solidFill>
-                </a:uFill>
-                <a:latin typeface="Calibri"/>
-                <a:ea typeface="DejaVu Sans"/>
-              </a:rPr>
-              <a:t>不推荐。</a:t>
+              <a:t>和空格。</a:t>
             </a:r>
             <a:endParaRPr lang="en-US" sz="1800" spc="-1" strike="noStrike">
               <a:solidFill>
@@ -6900,112 +8426,135 @@
                 <a:latin typeface="Calibri"/>
                 <a:ea typeface="DejaVu Sans"/>
               </a:rPr>
+              <a:t>2 </a:t>
+            </a:r>
+            <a:r>
+              <a:rPr lang="en-US" sz="2400" spc="-1" strike="noStrike">
+                <a:solidFill>
+                  <a:srgbClr val="ff0000"/>
+                </a:solidFill>
+                <a:uFill>
+                  <a:solidFill>
+                    <a:srgbClr val="ffffff"/>
+                  </a:solidFill>
+                </a:uFill>
+                <a:latin typeface="Calibri"/>
+                <a:ea typeface="DejaVu Sans"/>
+              </a:rPr>
+              <a:t>每行最大长度</a:t>
+            </a:r>
+            <a:r>
+              <a:rPr lang="en-US" sz="2400" spc="-1" strike="noStrike">
+                <a:solidFill>
+                  <a:srgbClr val="ff0000"/>
+                </a:solidFill>
+                <a:uFill>
+                  <a:solidFill>
+                    <a:srgbClr val="ffffff"/>
+                  </a:solidFill>
+                </a:uFill>
+                <a:latin typeface="Calibri"/>
+                <a:ea typeface="DejaVu Sans"/>
+              </a:rPr>
+              <a:t>79</a:t>
+            </a:r>
+            <a:r>
+              <a:rPr lang="en-US" sz="2400" spc="-1" strike="noStrike">
+                <a:solidFill>
+                  <a:srgbClr val="ff0000"/>
+                </a:solidFill>
+                <a:uFill>
+                  <a:solidFill>
+                    <a:srgbClr val="ffffff"/>
+                  </a:solidFill>
+                </a:uFill>
+                <a:latin typeface="Calibri"/>
+                <a:ea typeface="DejaVu Sans"/>
+              </a:rPr>
+              <a:t>（换行可以使用反斜杠，最好使用圆括号。换行点要在操作符的后边敲回车）</a:t>
+            </a:r>
+            <a:endParaRPr lang="en-US" sz="1800" spc="-1" strike="noStrike">
+              <a:solidFill>
+                <a:srgbClr val="000000"/>
+              </a:solidFill>
+              <a:uFill>
+                <a:solidFill>
+                  <a:srgbClr val="ffffff"/>
+                </a:solidFill>
+              </a:uFill>
+              <a:latin typeface="Arial"/>
+            </a:endParaRPr>
+          </a:p>
+          <a:p>
+            <a:pPr lvl="1" marL="685800" indent="-227520">
+              <a:lnSpc>
+                <a:spcPct val="100000"/>
+              </a:lnSpc>
+              <a:buClr>
+                <a:srgbClr val="000000"/>
+              </a:buClr>
+              <a:buFont typeface="Arial"/>
+              <a:buChar char="•"/>
+            </a:pPr>
+            <a:r>
+              <a:rPr lang="en-US" sz="2400" spc="-1" strike="noStrike">
+                <a:solidFill>
+                  <a:srgbClr val="000000"/>
+                </a:solidFill>
+                <a:uFill>
+                  <a:solidFill>
+                    <a:srgbClr val="ffffff"/>
+                  </a:solidFill>
+                </a:uFill>
+                <a:latin typeface="Calibri"/>
+                <a:ea typeface="DejaVu Sans"/>
+              </a:rPr>
               <a:t>3 </a:t>
             </a:r>
             <a:r>
               <a:rPr lang="en-US" sz="2400" spc="-1" strike="noStrike">
                 <a:solidFill>
-                  <a:srgbClr val="ff0000"/>
-                </a:solidFill>
-                <a:uFill>
-                  <a:solidFill>
-                    <a:srgbClr val="ffffff"/>
-                  </a:solidFill>
-                </a:uFill>
-                <a:latin typeface="Calibri"/>
-                <a:ea typeface="DejaVu Sans"/>
-              </a:rPr>
-              <a:t>如果采用</a:t>
+                  <a:srgbClr val="000000"/>
+                </a:solidFill>
+                <a:uFill>
+                  <a:solidFill>
+                    <a:srgbClr val="ffffff"/>
+                  </a:solidFill>
+                </a:uFill>
+                <a:latin typeface="Calibri"/>
+                <a:ea typeface="DejaVu Sans"/>
+              </a:rPr>
+              <a:t>类和</a:t>
             </a:r>
             <a:r>
               <a:rPr lang="en-US" sz="2400" spc="-1" strike="noStrike">
                 <a:solidFill>
-                  <a:srgbClr val="ff0000"/>
-                </a:solidFill>
-                <a:uFill>
-                  <a:solidFill>
-                    <a:srgbClr val="ffffff"/>
-                  </a:solidFill>
-                </a:uFill>
-                <a:latin typeface="Calibri"/>
-                <a:ea typeface="DejaVu Sans"/>
-              </a:rPr>
-              <a:t>from XX import XX</a:t>
+                  <a:srgbClr val="000000"/>
+                </a:solidFill>
+                <a:uFill>
+                  <a:solidFill>
+                    <a:srgbClr val="ffffff"/>
+                  </a:solidFill>
+                </a:uFill>
+                <a:latin typeface="Calibri"/>
+                <a:ea typeface="DejaVu Sans"/>
+              </a:rPr>
+              <a:t>top-level</a:t>
             </a:r>
             <a:r>
               <a:rPr lang="en-US" sz="2400" spc="-1" strike="noStrike">
                 <a:solidFill>
-                  <a:srgbClr val="ff0000"/>
-                </a:solidFill>
-                <a:uFill>
-                  <a:solidFill>
-                    <a:srgbClr val="ffffff"/>
-                  </a:solidFill>
-                </a:uFill>
-                <a:latin typeface="Calibri"/>
-                <a:ea typeface="DejaVu Sans"/>
-              </a:rPr>
-              <a:t>引用库，可以省略‘</a:t>
-            </a:r>
-            <a:r>
-              <a:rPr lang="en-US" sz="2400" spc="-1" strike="noStrike">
-                <a:solidFill>
-                  <a:srgbClr val="ff0000"/>
-                </a:solidFill>
-                <a:uFill>
-                  <a:solidFill>
-                    <a:srgbClr val="ffffff"/>
-                  </a:solidFill>
-                </a:uFill>
-                <a:latin typeface="Calibri"/>
-                <a:ea typeface="DejaVu Sans"/>
-              </a:rPr>
-              <a:t>module.’</a:t>
-            </a:r>
-            <a:r>
-              <a:rPr lang="en-US" sz="2400" spc="-1" strike="noStrike">
-                <a:solidFill>
-                  <a:srgbClr val="ff0000"/>
-                </a:solidFill>
-                <a:uFill>
-                  <a:solidFill>
-                    <a:srgbClr val="ffffff"/>
-                  </a:solidFill>
-                </a:uFill>
-                <a:latin typeface="Calibri"/>
-                <a:ea typeface="DejaVu Sans"/>
-              </a:rPr>
-              <a:t>，都是可能出现命名冲突，这时就要采用</a:t>
-            </a:r>
-            <a:r>
-              <a:rPr lang="en-US" sz="2400" spc="-1" strike="noStrike">
-                <a:solidFill>
-                  <a:srgbClr val="ff0000"/>
-                </a:solidFill>
-                <a:uFill>
-                  <a:solidFill>
-                    <a:srgbClr val="ffffff"/>
-                  </a:solidFill>
-                </a:uFill>
-                <a:latin typeface="Calibri"/>
-                <a:ea typeface="DejaVu Sans"/>
-              </a:rPr>
-              <a:t>import XX</a:t>
-            </a:r>
-            <a:r>
-              <a:rPr lang="en-US" sz="2400" spc="-1" strike="noStrike">
-                <a:solidFill>
-                  <a:srgbClr val="ff0000"/>
-                </a:solidFill>
-                <a:uFill>
-                  <a:solidFill>
-                    <a:srgbClr val="ffffff"/>
-                  </a:solidFill>
-                </a:uFill>
-                <a:latin typeface="Calibri"/>
-                <a:ea typeface="DejaVu Sans"/>
-              </a:rPr>
-              <a:t>。</a:t>
+                  <a:srgbClr val="000000"/>
+                </a:solidFill>
+                <a:uFill>
+                  <a:solidFill>
+                    <a:srgbClr val="ffffff"/>
+                  </a:solidFill>
+                </a:uFill>
+                <a:latin typeface="Calibri"/>
+                <a:ea typeface="DejaVu Sans"/>
+              </a:rPr>
+              <a:t>函数定义之间空两行；类中的方法定义之间空一行；函数内逻辑无关段落之间空一行；其他地方尽量不要再空行。</a:t>
             </a:r>
             <a:endParaRPr lang="en-US" sz="1800" spc="-1" strike="noStrike">
               <a:solidFill>
@@ -7023,7 +8572,7 @@
       </p:sp>
       <p:pic>
         <p:nvPicPr>
-          <p:cNvPr id="117" name="内容占位符 3" descr=""/>
+          <p:cNvPr id="156" name="内容占位符 3" descr=""/>
           <p:cNvPicPr/>
           <p:nvPr/>
         </p:nvPicPr>
@@ -7033,7 +8582,7 @@
         </p:blipFill>
         <p:spPr>
           <a:xfrm>
-            <a:off x="338400" y="286560"/>
+            <a:off x="102600" y="213840"/>
             <a:ext cx="1470240" cy="1470240"/>
           </a:xfrm>
           <a:prstGeom prst="rect">
@@ -7099,7 +8648,7 @@
       </p:grpSpPr>
       <p:sp>
         <p:nvSpPr>
-          <p:cNvPr id="118" name="CustomShape 1"/>
+          <p:cNvPr id="157" name="CustomShape 1"/>
           <p:cNvSpPr/>
           <p:nvPr/>
         </p:nvSpPr>
@@ -7206,14 +8755,14 @@
       </p:sp>
       <p:sp>
         <p:nvSpPr>
-          <p:cNvPr id="119" name="CustomShape 2"/>
+          <p:cNvPr id="158" name="CustomShape 2"/>
           <p:cNvSpPr/>
           <p:nvPr/>
         </p:nvSpPr>
         <p:spPr>
           <a:xfrm>
-            <a:off x="736560" y="1830960"/>
-            <a:ext cx="10514520" cy="4909680"/>
+            <a:off x="838080" y="1825560"/>
+            <a:ext cx="10514520" cy="4350240"/>
           </a:xfrm>
           <a:prstGeom prst="rect">
             <a:avLst/>
@@ -7255,7 +8804,7 @@
                 <a:latin typeface="Calibri"/>
                 <a:ea typeface="DejaVu Sans"/>
               </a:rPr>
-              <a:t>三 空格的使用</a:t>
+              <a:t>二 文档编排</a:t>
             </a:r>
             <a:endParaRPr lang="en-US" sz="1800" spc="-1" strike="noStrike">
               <a:solidFill>
@@ -7293,7 +8842,7 @@
                 <a:latin typeface="Calibri"/>
                 <a:ea typeface="DejaVu Sans"/>
               </a:rPr>
-              <a:t>        </a:t>
+              <a:t>1 </a:t>
             </a:r>
             <a:r>
               <a:rPr lang="en-US" sz="2400" spc="-1" strike="noStrike">
@@ -7308,7 +8857,67 @@
                 <a:latin typeface="Calibri"/>
                 <a:ea typeface="DejaVu Sans"/>
               </a:rPr>
-              <a:t>总体原则，避免不必要的空格。</a:t>
+              <a:t>模块内容的顺序：模块说明和</a:t>
+            </a:r>
+            <a:r>
+              <a:rPr lang="en-US" sz="2400" spc="-1" strike="noStrike">
+                <a:solidFill>
+                  <a:srgbClr val="000000"/>
+                </a:solidFill>
+                <a:uFill>
+                  <a:solidFill>
+                    <a:srgbClr val="ffffff"/>
+                  </a:solidFill>
+                </a:uFill>
+                <a:latin typeface="Calibri"/>
+                <a:ea typeface="DejaVu Sans"/>
+              </a:rPr>
+              <a:t>docstring—import—globals&amp;constants—</a:t>
+            </a:r>
+            <a:r>
+              <a:rPr lang="en-US" sz="2400" spc="-1" strike="noStrike">
+                <a:solidFill>
+                  <a:srgbClr val="000000"/>
+                </a:solidFill>
+                <a:uFill>
+                  <a:solidFill>
+                    <a:srgbClr val="ffffff"/>
+                  </a:solidFill>
+                </a:uFill>
+                <a:latin typeface="Calibri"/>
+                <a:ea typeface="DejaVu Sans"/>
+              </a:rPr>
+              <a:t>其他定义。其中</a:t>
+            </a:r>
+            <a:r>
+              <a:rPr lang="en-US" sz="2400" spc="-1" strike="noStrike">
+                <a:solidFill>
+                  <a:srgbClr val="000000"/>
+                </a:solidFill>
+                <a:uFill>
+                  <a:solidFill>
+                    <a:srgbClr val="ffffff"/>
+                  </a:solidFill>
+                </a:uFill>
+                <a:latin typeface="Calibri"/>
+                <a:ea typeface="DejaVu Sans"/>
+              </a:rPr>
+              <a:t>import</a:t>
+            </a:r>
+            <a:r>
+              <a:rPr lang="en-US" sz="2400" spc="-1" strike="noStrike">
+                <a:solidFill>
+                  <a:srgbClr val="000000"/>
+                </a:solidFill>
+                <a:uFill>
+                  <a:solidFill>
+                    <a:srgbClr val="ffffff"/>
+                  </a:solidFill>
+                </a:uFill>
+                <a:latin typeface="Calibri"/>
+                <a:ea typeface="DejaVu Sans"/>
+              </a:rPr>
+              <a:t>部分，又按标准、三方和自己编写顺序依次排放，之间空一行。</a:t>
             </a:r>
             <a:endParaRPr lang="en-US" sz="1800" spc="-1" strike="noStrike">
               <a:solidFill>
@@ -7328,7 +8937,7 @@
                 <a:spcPct val="100000"/>
               </a:lnSpc>
               <a:buClr>
-                <a:srgbClr val="000000"/>
+                <a:srgbClr val="ff0000"/>
               </a:buClr>
               <a:buFont typeface="Arial"/>
               <a:buChar char="•"/>
@@ -7346,7 +8955,7 @@
                 <a:latin typeface="Calibri"/>
                 <a:ea typeface="DejaVu Sans"/>
               </a:rPr>
-              <a:t>1 </a:t>
+              <a:t>2 </a:t>
             </a:r>
             <a:r>
               <a:rPr lang="en-US" sz="2400" spc="-1" strike="noStrike">
@@ -7361,31 +8970,8 @@
                 <a:latin typeface="Calibri"/>
                 <a:ea typeface="DejaVu Sans"/>
               </a:rPr>
-              <a:t>各种右括号前不要加空格。</a:t>
-            </a:r>
-            <a:endParaRPr lang="en-US" sz="1800" spc="-1" strike="noStrike">
-              <a:solidFill>
-                <a:srgbClr val="000000"/>
-              </a:solidFill>
-              <a:uFill>
-                <a:solidFill>
-                  <a:srgbClr val="ffffff"/>
-                </a:solidFill>
-              </a:uFill>
-              <a:latin typeface="Arial"/>
-            </a:endParaRPr>
-          </a:p>
-          <a:p>
-            <a:pPr lvl="1" marL="685800" indent="-227520">
-              <a:lnSpc>
-                <a:spcPct val="100000"/>
-              </a:lnSpc>
-              <a:buClr>
-                <a:srgbClr val="000000"/>
-              </a:buClr>
-              <a:buFont typeface="Arial"/>
-              <a:buChar char="•"/>
-            </a:pPr>
+              <a:t>不要在一句</a:t>
+            </a:r>
             <a:r>
               <a:rPr lang="en-US" sz="2400" spc="-1" strike="noStrike">
                 <a:solidFill>
@@ -7399,7 +8985,7 @@
                 <a:latin typeface="Calibri"/>
                 <a:ea typeface="DejaVu Sans"/>
               </a:rPr>
-              <a:t>2 </a:t>
+              <a:t>import</a:t>
             </a:r>
             <a:r>
               <a:rPr lang="en-US" sz="2400" spc="-1" strike="noStrike">
@@ -7414,31 +9000,8 @@
                 <a:latin typeface="Calibri"/>
                 <a:ea typeface="DejaVu Sans"/>
               </a:rPr>
-              <a:t>逗号、冒号、分号前不要加空格，后面要加空格。</a:t>
-            </a:r>
-            <a:endParaRPr lang="en-US" sz="1800" spc="-1" strike="noStrike">
-              <a:solidFill>
-                <a:srgbClr val="000000"/>
-              </a:solidFill>
-              <a:uFill>
-                <a:solidFill>
-                  <a:srgbClr val="ffffff"/>
-                </a:solidFill>
-              </a:uFill>
-              <a:latin typeface="Arial"/>
-            </a:endParaRPr>
-          </a:p>
-          <a:p>
-            <a:pPr lvl="1" marL="685800" indent="-227520">
-              <a:lnSpc>
-                <a:spcPct val="100000"/>
-              </a:lnSpc>
-              <a:buClr>
-                <a:srgbClr val="000000"/>
-              </a:buClr>
-              <a:buFont typeface="Arial"/>
-              <a:buChar char="•"/>
-            </a:pPr>
+              <a:t>中多个库，比如</a:t>
+            </a:r>
             <a:r>
               <a:rPr lang="en-US" sz="2400" spc="-1" strike="noStrike">
                 <a:solidFill>
@@ -7452,7 +9015,7 @@
                 <a:latin typeface="Calibri"/>
                 <a:ea typeface="DejaVu Sans"/>
               </a:rPr>
-              <a:t>3 </a:t>
+              <a:t>import os, sys</a:t>
             </a:r>
             <a:r>
               <a:rPr lang="en-US" sz="2400" spc="-1" strike="noStrike">
@@ -7467,166 +9030,7 @@
                 <a:latin typeface="Calibri"/>
                 <a:ea typeface="DejaVu Sans"/>
               </a:rPr>
-              <a:t>操作符左右各加一个空格，不要为了对齐增加空格。</a:t>
-            </a:r>
-            <a:endParaRPr lang="en-US" sz="1800" spc="-1" strike="noStrike">
-              <a:solidFill>
-                <a:srgbClr val="000000"/>
-              </a:solidFill>
-              <a:uFill>
-                <a:solidFill>
-                  <a:srgbClr val="ffffff"/>
-                </a:solidFill>
-              </a:uFill>
-              <a:latin typeface="Arial"/>
-            </a:endParaRPr>
-          </a:p>
-          <a:p>
-            <a:pPr lvl="1" marL="685800" indent="-227520">
-              <a:lnSpc>
-                <a:spcPct val="100000"/>
-              </a:lnSpc>
-              <a:buClr>
-                <a:srgbClr val="000000"/>
-              </a:buClr>
-              <a:buFont typeface="Arial"/>
-              <a:buChar char="•"/>
-            </a:pPr>
-            <a:r>
-              <a:rPr lang="en-US" sz="2400" spc="-1" strike="noStrike">
-                <a:solidFill>
-                  <a:srgbClr val="000000"/>
-                </a:solidFill>
-                <a:uFill>
-                  <a:solidFill>
-                    <a:srgbClr val="ffffff"/>
-                  </a:solidFill>
-                </a:uFill>
-                <a:latin typeface="Calibri"/>
-                <a:ea typeface="DejaVu Sans"/>
-              </a:rPr>
-              <a:t>4 </a:t>
-            </a:r>
-            <a:r>
-              <a:rPr lang="en-US" sz="2400" spc="-1" strike="noStrike">
-                <a:solidFill>
-                  <a:srgbClr val="000000"/>
-                </a:solidFill>
-                <a:uFill>
-                  <a:solidFill>
-                    <a:srgbClr val="ffffff"/>
-                  </a:solidFill>
-                </a:uFill>
-                <a:latin typeface="Calibri"/>
-                <a:ea typeface="DejaVu Sans"/>
-              </a:rPr>
-              <a:t>函数默认参数使用的赋值符左右省略空格。</a:t>
-            </a:r>
-            <a:endParaRPr lang="en-US" sz="1800" spc="-1" strike="noStrike">
-              <a:solidFill>
-                <a:srgbClr val="000000"/>
-              </a:solidFill>
-              <a:uFill>
-                <a:solidFill>
-                  <a:srgbClr val="ffffff"/>
-                </a:solidFill>
-              </a:uFill>
-              <a:latin typeface="Arial"/>
-            </a:endParaRPr>
-          </a:p>
-          <a:p>
-            <a:pPr lvl="1" marL="685800" indent="-227520">
-              <a:lnSpc>
-                <a:spcPct val="100000"/>
-              </a:lnSpc>
-              <a:buClr>
-                <a:srgbClr val="000000"/>
-              </a:buClr>
-              <a:buFont typeface="Arial"/>
-              <a:buChar char="•"/>
-            </a:pPr>
-            <a:r>
-              <a:rPr lang="en-US" sz="2400" spc="-1" strike="noStrike">
-                <a:solidFill>
-                  <a:srgbClr val="000000"/>
-                </a:solidFill>
-                <a:uFill>
-                  <a:solidFill>
-                    <a:srgbClr val="ffffff"/>
-                  </a:solidFill>
-                </a:uFill>
-                <a:latin typeface="Calibri"/>
-                <a:ea typeface="DejaVu Sans"/>
-              </a:rPr>
-              <a:t>5 </a:t>
-            </a:r>
-            <a:r>
-              <a:rPr lang="en-US" sz="2400" spc="-1" strike="noStrike">
-                <a:solidFill>
-                  <a:srgbClr val="000000"/>
-                </a:solidFill>
-                <a:uFill>
-                  <a:solidFill>
-                    <a:srgbClr val="ffffff"/>
-                  </a:solidFill>
-                </a:uFill>
-                <a:latin typeface="Calibri"/>
-                <a:ea typeface="DejaVu Sans"/>
-              </a:rPr>
-              <a:t>不要将多句语句写在同一行，尽管使用‘；’允许。</a:t>
-            </a:r>
-            <a:endParaRPr lang="en-US" sz="1800" spc="-1" strike="noStrike">
-              <a:solidFill>
-                <a:srgbClr val="000000"/>
-              </a:solidFill>
-              <a:uFill>
-                <a:solidFill>
-                  <a:srgbClr val="ffffff"/>
-                </a:solidFill>
-              </a:uFill>
-              <a:latin typeface="Arial"/>
-            </a:endParaRPr>
-          </a:p>
-          <a:p>
-            <a:pPr lvl="1" marL="685800" indent="-227520">
-              <a:lnSpc>
-                <a:spcPct val="100000"/>
-              </a:lnSpc>
-              <a:buClr>
-                <a:srgbClr val="000000"/>
-              </a:buClr>
-              <a:buFont typeface="Arial"/>
-              <a:buChar char="•"/>
-            </a:pPr>
-            <a:r>
-              <a:rPr lang="en-US" sz="2400" spc="-1" strike="noStrike">
-                <a:solidFill>
-                  <a:srgbClr val="000000"/>
-                </a:solidFill>
-                <a:uFill>
-                  <a:solidFill>
-                    <a:srgbClr val="ffffff"/>
-                  </a:solidFill>
-                </a:uFill>
-                <a:latin typeface="Calibri"/>
-                <a:ea typeface="DejaVu Sans"/>
-              </a:rPr>
-              <a:t>6 if/for/while</a:t>
-            </a:r>
-            <a:r>
-              <a:rPr lang="en-US" sz="2400" spc="-1" strike="noStrike">
-                <a:solidFill>
-                  <a:srgbClr val="000000"/>
-                </a:solidFill>
-                <a:uFill>
-                  <a:solidFill>
-                    <a:srgbClr val="ffffff"/>
-                  </a:solidFill>
-                </a:uFill>
-                <a:latin typeface="Calibri"/>
-                <a:ea typeface="DejaVu Sans"/>
-              </a:rPr>
-              <a:t>语句中，即使执行语句只有一句，也必须另起一行。</a:t>
+              <a:t>不推荐。</a:t>
             </a:r>
             <a:endParaRPr lang="en-US" sz="1800" spc="-1" strike="noStrike">
               <a:solidFill>
@@ -7644,7 +9048,7 @@
       </p:sp>
       <p:pic>
         <p:nvPicPr>
-          <p:cNvPr id="120" name="内容占位符 3" descr=""/>
+          <p:cNvPr id="159" name="内容占位符 3" descr=""/>
           <p:cNvPicPr/>
           <p:nvPr/>
         </p:nvPicPr>
@@ -7720,7 +9124,7 @@
       </p:grpSpPr>
       <p:sp>
         <p:nvSpPr>
-          <p:cNvPr id="121" name="CustomShape 1"/>
+          <p:cNvPr id="160" name="CustomShape 1"/>
           <p:cNvSpPr/>
           <p:nvPr/>
         </p:nvSpPr>
@@ -7827,7 +9231,7 @@
       </p:sp>
       <p:sp>
         <p:nvSpPr>
-          <p:cNvPr id="122" name="CustomShape 2"/>
+          <p:cNvPr id="161" name="CustomShape 2"/>
           <p:cNvSpPr/>
           <p:nvPr/>
         </p:nvSpPr>
@@ -7876,7 +9280,7 @@
                 <a:latin typeface="Calibri"/>
                 <a:ea typeface="DejaVu Sans"/>
               </a:rPr>
-              <a:t>四 编码建议</a:t>
+              <a:t>三 空格的使用</a:t>
             </a:r>
             <a:endParaRPr lang="en-US" sz="1800" spc="-1" strike="noStrike">
               <a:solidFill>
@@ -7914,7 +9318,7 @@
                 <a:latin typeface="Calibri"/>
                 <a:ea typeface="DejaVu Sans"/>
               </a:rPr>
-              <a:t>1 </a:t>
+              <a:t>        </a:t>
             </a:r>
             <a:r>
               <a:rPr lang="en-US" sz="2400" spc="-1" strike="noStrike">
@@ -7929,127 +9333,7 @@
                 <a:latin typeface="Calibri"/>
                 <a:ea typeface="DejaVu Sans"/>
               </a:rPr>
-              <a:t>尽可能使用‘</a:t>
-            </a:r>
-            <a:r>
-              <a:rPr lang="en-US" sz="2400" spc="-1" strike="noStrike">
-                <a:solidFill>
-                  <a:srgbClr val="000000"/>
-                </a:solidFill>
-                <a:uFill>
-                  <a:solidFill>
-                    <a:srgbClr val="ffffff"/>
-                  </a:solidFill>
-                </a:uFill>
-                <a:latin typeface="Calibri"/>
-                <a:ea typeface="DejaVu Sans"/>
-              </a:rPr>
-              <a:t>is’‘is not’</a:t>
-            </a:r>
-            <a:r>
-              <a:rPr lang="en-US" sz="2400" spc="-1" strike="noStrike">
-                <a:solidFill>
-                  <a:srgbClr val="000000"/>
-                </a:solidFill>
-                <a:uFill>
-                  <a:solidFill>
-                    <a:srgbClr val="ffffff"/>
-                  </a:solidFill>
-                </a:uFill>
-                <a:latin typeface="Calibri"/>
-                <a:ea typeface="DejaVu Sans"/>
-              </a:rPr>
-              <a:t>取代‘</a:t>
-            </a:r>
-            <a:r>
-              <a:rPr lang="en-US" sz="2400" spc="-1" strike="noStrike">
-                <a:solidFill>
-                  <a:srgbClr val="000000"/>
-                </a:solidFill>
-                <a:uFill>
-                  <a:solidFill>
-                    <a:srgbClr val="ffffff"/>
-                  </a:solidFill>
-                </a:uFill>
-                <a:latin typeface="Calibri"/>
-                <a:ea typeface="DejaVu Sans"/>
-              </a:rPr>
-              <a:t>==’</a:t>
-            </a:r>
-            <a:r>
-              <a:rPr lang="en-US" sz="2400" spc="-1" strike="noStrike">
-                <a:solidFill>
-                  <a:srgbClr val="000000"/>
-                </a:solidFill>
-                <a:uFill>
-                  <a:solidFill>
-                    <a:srgbClr val="ffffff"/>
-                  </a:solidFill>
-                </a:uFill>
-                <a:latin typeface="Calibri"/>
-                <a:ea typeface="DejaVu Sans"/>
-              </a:rPr>
-              <a:t>，比如</a:t>
-            </a:r>
-            <a:r>
-              <a:rPr lang="en-US" sz="2400" spc="-1" strike="noStrike">
-                <a:solidFill>
-                  <a:srgbClr val="000000"/>
-                </a:solidFill>
-                <a:uFill>
-                  <a:solidFill>
-                    <a:srgbClr val="ffffff"/>
-                  </a:solidFill>
-                </a:uFill>
-                <a:latin typeface="Calibri"/>
-                <a:ea typeface="DejaVu Sans"/>
-              </a:rPr>
-              <a:t>if x is not None </a:t>
-            </a:r>
-            <a:r>
-              <a:rPr lang="en-US" sz="2400" spc="-1" strike="noStrike">
-                <a:solidFill>
-                  <a:srgbClr val="000000"/>
-                </a:solidFill>
-                <a:uFill>
-                  <a:solidFill>
-                    <a:srgbClr val="ffffff"/>
-                  </a:solidFill>
-                </a:uFill>
-                <a:latin typeface="Calibri"/>
-                <a:ea typeface="DejaVu Sans"/>
-              </a:rPr>
-              <a:t>要优于</a:t>
-            </a:r>
-            <a:r>
-              <a:rPr lang="en-US" sz="2400" spc="-1" strike="noStrike">
-                <a:solidFill>
-                  <a:srgbClr val="000000"/>
-                </a:solidFill>
-                <a:uFill>
-                  <a:solidFill>
-                    <a:srgbClr val="ffffff"/>
-                  </a:solidFill>
-                </a:uFill>
-                <a:latin typeface="Calibri"/>
-                <a:ea typeface="DejaVu Sans"/>
-              </a:rPr>
-              <a:t>if x</a:t>
-            </a:r>
-            <a:r>
-              <a:rPr lang="en-US" sz="2400" spc="-1" strike="noStrike">
-                <a:solidFill>
-                  <a:srgbClr val="000000"/>
-                </a:solidFill>
-                <a:uFill>
-                  <a:solidFill>
-                    <a:srgbClr val="ffffff"/>
-                  </a:solidFill>
-                </a:uFill>
-                <a:latin typeface="Calibri"/>
-                <a:ea typeface="DejaVu Sans"/>
-              </a:rPr>
-              <a:t>。</a:t>
+              <a:t>总体原则，避免不必要的空格。</a:t>
             </a:r>
             <a:endParaRPr lang="en-US" sz="1800" spc="-1" strike="noStrike">
               <a:solidFill>
@@ -8087,7 +9371,7 @@
                 <a:latin typeface="Calibri"/>
                 <a:ea typeface="DejaVu Sans"/>
               </a:rPr>
-              <a:t>2 </a:t>
+              <a:t>1 </a:t>
             </a:r>
             <a:r>
               <a:rPr lang="en-US" sz="2400" spc="-1" strike="noStrike">
@@ -8102,37 +9386,7 @@
                 <a:latin typeface="Calibri"/>
                 <a:ea typeface="DejaVu Sans"/>
               </a:rPr>
-              <a:t>使用基于类的异常，每个模块或包都有自己的异常类，此异常类继承自</a:t>
-            </a:r>
-            <a:r>
-              <a:rPr lang="en-US" sz="2400" spc="-1" strike="noStrike">
-                <a:solidFill>
-                  <a:srgbClr val="000000"/>
-                </a:solidFill>
-                <a:uFill>
-                  <a:solidFill>
-                    <a:srgbClr val="ffffff"/>
-                  </a:solidFill>
-                </a:uFill>
-                <a:latin typeface="Calibri"/>
-                <a:ea typeface="DejaVu Sans"/>
-              </a:rPr>
-              <a:t>BaseException</a:t>
-            </a:r>
-            <a:r>
-              <a:rPr lang="en-US" sz="2400" spc="-1" strike="noStrike">
-                <a:solidFill>
-                  <a:srgbClr val="000000"/>
-                </a:solidFill>
-                <a:uFill>
-                  <a:solidFill>
-                    <a:srgbClr val="ffffff"/>
-                  </a:solidFill>
-                </a:uFill>
-                <a:latin typeface="Calibri"/>
-                <a:ea typeface="DejaVu Sans"/>
-              </a:rPr>
-              <a:t>。</a:t>
+              <a:t>各种右括号前不要加空格。</a:t>
             </a:r>
             <a:endParaRPr lang="en-US" sz="1800" spc="-1" strike="noStrike">
               <a:solidFill>
@@ -8170,7 +9424,7 @@
                 <a:latin typeface="Calibri"/>
                 <a:ea typeface="DejaVu Sans"/>
               </a:rPr>
-              <a:t>3 </a:t>
+              <a:t>2 </a:t>
             </a:r>
             <a:r>
               <a:rPr lang="en-US" sz="2400" spc="-1" strike="noStrike">
@@ -8185,97 +9439,7 @@
                 <a:latin typeface="Calibri"/>
                 <a:ea typeface="DejaVu Sans"/>
               </a:rPr>
-              <a:t>异常中不要使用裸露的</a:t>
-            </a:r>
-            <a:r>
-              <a:rPr lang="en-US" sz="2400" spc="-1" strike="noStrike">
-                <a:solidFill>
-                  <a:srgbClr val="000000"/>
-                </a:solidFill>
-                <a:uFill>
-                  <a:solidFill>
-                    <a:srgbClr val="ffffff"/>
-                  </a:solidFill>
-                </a:uFill>
-                <a:latin typeface="Calibri"/>
-                <a:ea typeface="DejaVu Sans"/>
-              </a:rPr>
-              <a:t>except</a:t>
-            </a:r>
-            <a:r>
-              <a:rPr lang="en-US" sz="2400" spc="-1" strike="noStrike">
-                <a:solidFill>
-                  <a:srgbClr val="000000"/>
-                </a:solidFill>
-                <a:uFill>
-                  <a:solidFill>
-                    <a:srgbClr val="ffffff"/>
-                  </a:solidFill>
-                </a:uFill>
-                <a:latin typeface="Calibri"/>
-                <a:ea typeface="DejaVu Sans"/>
-              </a:rPr>
-              <a:t>，</a:t>
-            </a:r>
-            <a:r>
-              <a:rPr lang="en-US" sz="2400" spc="-1" strike="noStrike">
-                <a:solidFill>
-                  <a:srgbClr val="000000"/>
-                </a:solidFill>
-                <a:uFill>
-                  <a:solidFill>
-                    <a:srgbClr val="ffffff"/>
-                  </a:solidFill>
-                </a:uFill>
-                <a:latin typeface="Calibri"/>
-                <a:ea typeface="DejaVu Sans"/>
-              </a:rPr>
-              <a:t>except</a:t>
-            </a:r>
-            <a:r>
-              <a:rPr lang="en-US" sz="2400" spc="-1" strike="noStrike">
-                <a:solidFill>
-                  <a:srgbClr val="000000"/>
-                </a:solidFill>
-                <a:uFill>
-                  <a:solidFill>
-                    <a:srgbClr val="ffffff"/>
-                  </a:solidFill>
-                </a:uFill>
-                <a:latin typeface="Calibri"/>
-                <a:ea typeface="DejaVu Sans"/>
-              </a:rPr>
-              <a:t>后跟具体的</a:t>
-            </a:r>
-            <a:r>
-              <a:rPr lang="en-US" sz="2400" spc="-1" strike="noStrike">
-                <a:solidFill>
-                  <a:srgbClr val="000000"/>
-                </a:solidFill>
-                <a:uFill>
-                  <a:solidFill>
-                    <a:srgbClr val="ffffff"/>
-                  </a:solidFill>
-                </a:uFill>
-                <a:latin typeface="Calibri"/>
-                <a:ea typeface="DejaVu Sans"/>
-              </a:rPr>
-              <a:t>exceptions</a:t>
-            </a:r>
-            <a:r>
-              <a:rPr lang="en-US" sz="2400" spc="-1" strike="noStrike">
-                <a:solidFill>
-                  <a:srgbClr val="000000"/>
-                </a:solidFill>
-                <a:uFill>
-                  <a:solidFill>
-                    <a:srgbClr val="ffffff"/>
-                  </a:solidFill>
-                </a:uFill>
-                <a:latin typeface="Calibri"/>
-                <a:ea typeface="DejaVu Sans"/>
-              </a:rPr>
-              <a:t>。</a:t>
+              <a:t>逗号、冒号、分号前不要加空格，后面要加空格。</a:t>
             </a:r>
             <a:endParaRPr lang="en-US" sz="1800" spc="-1" strike="noStrike">
               <a:solidFill>
@@ -8313,6 +9477,59 @@
                 <a:latin typeface="Calibri"/>
                 <a:ea typeface="DejaVu Sans"/>
               </a:rPr>
+              <a:t>3 </a:t>
+            </a:r>
+            <a:r>
+              <a:rPr lang="en-US" sz="2400" spc="-1" strike="noStrike">
+                <a:solidFill>
+                  <a:srgbClr val="000000"/>
+                </a:solidFill>
+                <a:uFill>
+                  <a:solidFill>
+                    <a:srgbClr val="ffffff"/>
+                  </a:solidFill>
+                </a:uFill>
+                <a:latin typeface="Calibri"/>
+                <a:ea typeface="DejaVu Sans"/>
+              </a:rPr>
+              <a:t>操作符左右各加一个空格，不要为了对齐增加空格。</a:t>
+            </a:r>
+            <a:endParaRPr lang="en-US" sz="1800" spc="-1" strike="noStrike">
+              <a:solidFill>
+                <a:srgbClr val="000000"/>
+              </a:solidFill>
+              <a:uFill>
+                <a:solidFill>
+                  <a:srgbClr val="ffffff"/>
+                </a:solidFill>
+              </a:uFill>
+              <a:latin typeface="Arial"/>
+            </a:endParaRPr>
+          </a:p>
+          <a:p>
+            <a:pPr lvl="1" marL="685800" indent="-227520">
+              <a:lnSpc>
+                <a:spcPct val="100000"/>
+              </a:lnSpc>
+              <a:buClr>
+                <a:srgbClr val="000000"/>
+              </a:buClr>
+              <a:buFont typeface="Arial"/>
+              <a:buChar char="•"/>
+            </a:pPr>
+            <a:r>
+              <a:rPr lang="en-US" sz="2400" spc="-1" strike="noStrike">
+                <a:solidFill>
+                  <a:srgbClr val="000000"/>
+                </a:solidFill>
+                <a:uFill>
+                  <a:solidFill>
+                    <a:srgbClr val="ffffff"/>
+                  </a:solidFill>
+                </a:uFill>
+                <a:latin typeface="Calibri"/>
+                <a:ea typeface="DejaVu Sans"/>
+              </a:rPr>
               <a:t>4 </a:t>
             </a:r>
             <a:r>
@@ -8328,8 +9545,31 @@
                 <a:latin typeface="Calibri"/>
                 <a:ea typeface="DejaVu Sans"/>
               </a:rPr>
-              <a:t>异常中</a:t>
-            </a:r>
+              <a:t>函数默认参数使用的赋值符左右省略空格。</a:t>
+            </a:r>
+            <a:endParaRPr lang="en-US" sz="1800" spc="-1" strike="noStrike">
+              <a:solidFill>
+                <a:srgbClr val="000000"/>
+              </a:solidFill>
+              <a:uFill>
+                <a:solidFill>
+                  <a:srgbClr val="ffffff"/>
+                </a:solidFill>
+              </a:uFill>
+              <a:latin typeface="Arial"/>
+            </a:endParaRPr>
+          </a:p>
+          <a:p>
+            <a:pPr lvl="1" marL="685800" indent="-227520">
+              <a:lnSpc>
+                <a:spcPct val="100000"/>
+              </a:lnSpc>
+              <a:buClr>
+                <a:srgbClr val="000000"/>
+              </a:buClr>
+              <a:buFont typeface="Arial"/>
+              <a:buChar char="•"/>
+            </a:pPr>
             <a:r>
               <a:rPr lang="en-US" sz="2400" spc="-1" strike="noStrike">
                 <a:solidFill>
@@ -8343,7 +9583,7 @@
                 <a:latin typeface="Calibri"/>
                 <a:ea typeface="DejaVu Sans"/>
               </a:rPr>
-              <a:t>try</a:t>
+              <a:t>5 </a:t>
             </a:r>
             <a:r>
               <a:rPr lang="en-US" sz="2400" spc="-1" strike="noStrike">
@@ -8358,7 +9598,60 @@
                 <a:latin typeface="Calibri"/>
                 <a:ea typeface="DejaVu Sans"/>
               </a:rPr>
-              <a:t>的代码尽可能少。</a:t>
+              <a:t>不要将多句语句写在同一行，尽管使用‘；’允许。</a:t>
+            </a:r>
+            <a:endParaRPr lang="en-US" sz="1800" spc="-1" strike="noStrike">
+              <a:solidFill>
+                <a:srgbClr val="000000"/>
+              </a:solidFill>
+              <a:uFill>
+                <a:solidFill>
+                  <a:srgbClr val="ffffff"/>
+                </a:solidFill>
+              </a:uFill>
+              <a:latin typeface="Arial"/>
+            </a:endParaRPr>
+          </a:p>
+          <a:p>
+            <a:pPr lvl="1" marL="685800" indent="-227520">
+              <a:lnSpc>
+                <a:spcPct val="100000"/>
+              </a:lnSpc>
+              <a:buClr>
+                <a:srgbClr val="000000"/>
+              </a:buClr>
+              <a:buFont typeface="Arial"/>
+              <a:buChar char="•"/>
+            </a:pPr>
+            <a:r>
+              <a:rPr lang="en-US" sz="2400" spc="-1" strike="noStrike">
+                <a:solidFill>
+                  <a:srgbClr val="000000"/>
+                </a:solidFill>
+                <a:uFill>
+                  <a:solidFill>
+                    <a:srgbClr val="ffffff"/>
+                  </a:solidFill>
+                </a:uFill>
+                <a:latin typeface="Calibri"/>
+                <a:ea typeface="DejaVu Sans"/>
+              </a:rPr>
+              <a:t>6 if/for/while</a:t>
+            </a:r>
+            <a:r>
+              <a:rPr lang="en-US" sz="2400" spc="-1" strike="noStrike">
+                <a:solidFill>
+                  <a:srgbClr val="000000"/>
+                </a:solidFill>
+                <a:uFill>
+                  <a:solidFill>
+                    <a:srgbClr val="ffffff"/>
+                  </a:solidFill>
+                </a:uFill>
+                <a:latin typeface="Calibri"/>
+                <a:ea typeface="DejaVu Sans"/>
+              </a:rPr>
+              <a:t>语句中，即使执行语句只有一句，也必须另起一行。</a:t>
             </a:r>
             <a:endParaRPr lang="en-US" sz="1800" spc="-1" strike="noStrike">
               <a:solidFill>
@@ -8376,7 +9669,7 @@
       </p:sp>
       <p:pic>
         <p:nvPicPr>
-          <p:cNvPr id="123" name="内容占位符 3" descr=""/>
+          <p:cNvPr id="162" name="内容占位符 3" descr=""/>
           <p:cNvPicPr/>
           <p:nvPr/>
         </p:nvPicPr>
@@ -8452,7 +9745,7 @@
       </p:grpSpPr>
       <p:sp>
         <p:nvSpPr>
-          <p:cNvPr id="124" name="CustomShape 1"/>
+          <p:cNvPr id="163" name="CustomShape 1"/>
           <p:cNvSpPr/>
           <p:nvPr/>
         </p:nvSpPr>
@@ -8511,7 +9804,37 @@
                 <a:latin typeface="Calibri Light"/>
                 <a:ea typeface="DejaVu Sans"/>
               </a:rPr>
-              <a:t>的命名规范</a:t>
+              <a:t>的 </a:t>
+            </a:r>
+            <a:r>
+              <a:rPr lang="en-US" sz="4400" spc="-1" strike="noStrike">
+                <a:solidFill>
+                  <a:srgbClr val="000000"/>
+                </a:solidFill>
+                <a:uFill>
+                  <a:solidFill>
+                    <a:srgbClr val="ffffff"/>
+                  </a:solidFill>
+                </a:uFill>
+                <a:latin typeface="Calibri Light"/>
+                <a:ea typeface="DejaVu Sans"/>
+              </a:rPr>
+              <a:t>PEP8</a:t>
+            </a:r>
+            <a:r>
+              <a:rPr lang="en-US" sz="4400" spc="-1" strike="noStrike">
+                <a:solidFill>
+                  <a:srgbClr val="000000"/>
+                </a:solidFill>
+                <a:uFill>
+                  <a:solidFill>
+                    <a:srgbClr val="ffffff"/>
+                  </a:solidFill>
+                </a:uFill>
+                <a:latin typeface="Calibri Light"/>
+                <a:ea typeface="DejaVu Sans"/>
+              </a:rPr>
+              <a:t>规范</a:t>
             </a:r>
             <a:endParaRPr lang="en-US" sz="1800" spc="-1" strike="noStrike">
               <a:solidFill>
@@ -8529,7 +9852,7 @@
       </p:sp>
       <p:sp>
         <p:nvSpPr>
-          <p:cNvPr id="125" name="CustomShape 2"/>
+          <p:cNvPr id="164" name="CustomShape 2"/>
           <p:cNvSpPr/>
           <p:nvPr/>
         </p:nvSpPr>
@@ -8578,7 +9901,7 @@
                 <a:latin typeface="Calibri"/>
                 <a:ea typeface="DejaVu Sans"/>
               </a:rPr>
-              <a:t>命名规范</a:t>
+              <a:t>四 编码建议</a:t>
             </a:r>
             <a:endParaRPr lang="en-US" sz="1800" spc="-1" strike="noStrike">
               <a:solidFill>
@@ -8604,34 +9927,154 @@
               <a:buChar char="•"/>
             </a:pPr>
             <a:r>
-              <a:rPr b="1" lang="en-US" sz="2400" spc="-1" strike="noStrike">
-                <a:solidFill>
-                  <a:srgbClr val="000000"/>
-                </a:solidFill>
-                <a:uFill>
-                  <a:solidFill>
-                    <a:srgbClr val="ffffff"/>
-                  </a:solidFill>
-                </a:uFill>
-                <a:latin typeface="Calibri"/>
-                <a:ea typeface="DejaVu Sans"/>
-              </a:rPr>
-              <a:t>普通函数 </a:t>
-            </a:r>
-            <a:r>
-              <a:rPr b="1" lang="en-US" sz="2400" spc="-1" strike="noStrike">
-                <a:solidFill>
-                  <a:srgbClr val="000000"/>
-                </a:solidFill>
-                <a:uFill>
-                  <a:solidFill>
-                    <a:srgbClr val="ffffff"/>
-                  </a:solidFill>
-                </a:uFill>
-                <a:latin typeface="Calibri"/>
-                <a:ea typeface="DejaVu Sans"/>
-              </a:rPr>
-              <a:t>count_number()</a:t>
+              <a:rPr lang="en-US" sz="2400" spc="-1" strike="noStrike">
+                <a:solidFill>
+                  <a:srgbClr val="000000"/>
+                </a:solidFill>
+                <a:uFill>
+                  <a:solidFill>
+                    <a:srgbClr val="ffffff"/>
+                  </a:solidFill>
+                </a:uFill>
+                <a:latin typeface="Calibri"/>
+                <a:ea typeface="DejaVu Sans"/>
+              </a:rPr>
+              <a:t>1 </a:t>
+            </a:r>
+            <a:r>
+              <a:rPr lang="en-US" sz="2400" spc="-1" strike="noStrike">
+                <a:solidFill>
+                  <a:srgbClr val="000000"/>
+                </a:solidFill>
+                <a:uFill>
+                  <a:solidFill>
+                    <a:srgbClr val="ffffff"/>
+                  </a:solidFill>
+                </a:uFill>
+                <a:latin typeface="Calibri"/>
+                <a:ea typeface="DejaVu Sans"/>
+              </a:rPr>
+              <a:t>尽可能使用‘</a:t>
+            </a:r>
+            <a:r>
+              <a:rPr lang="en-US" sz="2400" spc="-1" strike="noStrike">
+                <a:solidFill>
+                  <a:srgbClr val="000000"/>
+                </a:solidFill>
+                <a:uFill>
+                  <a:solidFill>
+                    <a:srgbClr val="ffffff"/>
+                  </a:solidFill>
+                </a:uFill>
+                <a:latin typeface="Calibri"/>
+                <a:ea typeface="DejaVu Sans"/>
+              </a:rPr>
+              <a:t>is’‘is not’</a:t>
+            </a:r>
+            <a:r>
+              <a:rPr lang="en-US" sz="2400" spc="-1" strike="noStrike">
+                <a:solidFill>
+                  <a:srgbClr val="000000"/>
+                </a:solidFill>
+                <a:uFill>
+                  <a:solidFill>
+                    <a:srgbClr val="ffffff"/>
+                  </a:solidFill>
+                </a:uFill>
+                <a:latin typeface="Calibri"/>
+                <a:ea typeface="DejaVu Sans"/>
+              </a:rPr>
+              <a:t>取代‘</a:t>
+            </a:r>
+            <a:r>
+              <a:rPr lang="en-US" sz="2400" spc="-1" strike="noStrike">
+                <a:solidFill>
+                  <a:srgbClr val="000000"/>
+                </a:solidFill>
+                <a:uFill>
+                  <a:solidFill>
+                    <a:srgbClr val="ffffff"/>
+                  </a:solidFill>
+                </a:uFill>
+                <a:latin typeface="Calibri"/>
+                <a:ea typeface="DejaVu Sans"/>
+              </a:rPr>
+              <a:t>==’</a:t>
+            </a:r>
+            <a:r>
+              <a:rPr lang="en-US" sz="2400" spc="-1" strike="noStrike">
+                <a:solidFill>
+                  <a:srgbClr val="000000"/>
+                </a:solidFill>
+                <a:uFill>
+                  <a:solidFill>
+                    <a:srgbClr val="ffffff"/>
+                  </a:solidFill>
+                </a:uFill>
+                <a:latin typeface="Calibri"/>
+                <a:ea typeface="DejaVu Sans"/>
+              </a:rPr>
+              <a:t>，比如</a:t>
+            </a:r>
+            <a:r>
+              <a:rPr lang="en-US" sz="2400" spc="-1" strike="noStrike">
+                <a:solidFill>
+                  <a:srgbClr val="000000"/>
+                </a:solidFill>
+                <a:uFill>
+                  <a:solidFill>
+                    <a:srgbClr val="ffffff"/>
+                  </a:solidFill>
+                </a:uFill>
+                <a:latin typeface="Calibri"/>
+                <a:ea typeface="DejaVu Sans"/>
+              </a:rPr>
+              <a:t>if x is not None </a:t>
+            </a:r>
+            <a:r>
+              <a:rPr lang="en-US" sz="2400" spc="-1" strike="noStrike">
+                <a:solidFill>
+                  <a:srgbClr val="000000"/>
+                </a:solidFill>
+                <a:uFill>
+                  <a:solidFill>
+                    <a:srgbClr val="ffffff"/>
+                  </a:solidFill>
+                </a:uFill>
+                <a:latin typeface="Calibri"/>
+                <a:ea typeface="DejaVu Sans"/>
+              </a:rPr>
+              <a:t>要优于</a:t>
+            </a:r>
+            <a:r>
+              <a:rPr lang="en-US" sz="2400" spc="-1" strike="noStrike">
+                <a:solidFill>
+                  <a:srgbClr val="000000"/>
+                </a:solidFill>
+                <a:uFill>
+                  <a:solidFill>
+                    <a:srgbClr val="ffffff"/>
+                  </a:solidFill>
+                </a:uFill>
+                <a:latin typeface="Calibri"/>
+                <a:ea typeface="DejaVu Sans"/>
+              </a:rPr>
+              <a:t>if x</a:t>
+            </a:r>
+            <a:r>
+              <a:rPr lang="en-US" sz="2400" spc="-1" strike="noStrike">
+                <a:solidFill>
+                  <a:srgbClr val="000000"/>
+                </a:solidFill>
+                <a:uFill>
+                  <a:solidFill>
+                    <a:srgbClr val="ffffff"/>
+                  </a:solidFill>
+                </a:uFill>
+                <a:latin typeface="Calibri"/>
+                <a:ea typeface="DejaVu Sans"/>
+              </a:rPr>
+              <a:t>。</a:t>
             </a:r>
             <a:endParaRPr lang="en-US" sz="1800" spc="-1" strike="noStrike">
               <a:solidFill>
@@ -8657,21 +10100,6 @@
               <a:buChar char="•"/>
             </a:pPr>
             <a:r>
-              <a:rPr b="1" lang="en-US" sz="2400" spc="-1" strike="noStrike">
-                <a:solidFill>
-                  <a:srgbClr val="000000"/>
-                </a:solidFill>
-                <a:uFill>
-                  <a:solidFill>
-                    <a:srgbClr val="ffffff"/>
-                  </a:solidFill>
-                </a:uFill>
-                <a:latin typeface="Calibri"/>
-                <a:ea typeface="DejaVu Sans"/>
-              </a:rPr>
-              <a:t>私有函数</a:t>
-            </a:r>
-            <a:r>
               <a:rPr lang="en-US" sz="2400" spc="-1" strike="noStrike">
                 <a:solidFill>
                   <a:srgbClr val="000000"/>
@@ -8684,7 +10112,7 @@
                 <a:latin typeface="Calibri"/>
                 <a:ea typeface="DejaVu Sans"/>
               </a:rPr>
-              <a:t>(</a:t>
+              <a:t>2 </a:t>
             </a:r>
             <a:r>
               <a:rPr lang="en-US" sz="2400" spc="-1" strike="noStrike">
@@ -8699,7 +10127,7 @@
                 <a:latin typeface="Calibri"/>
                 <a:ea typeface="DejaVu Sans"/>
               </a:rPr>
-              <a:t>外部访问会报错） </a:t>
+              <a:t>异常中不要使用裸露的</a:t>
             </a:r>
             <a:r>
               <a:rPr lang="en-US" sz="2400" spc="-1" strike="noStrike">
@@ -8714,7 +10142,82 @@
                 <a:latin typeface="Calibri"/>
                 <a:ea typeface="DejaVu Sans"/>
               </a:rPr>
-              <a:t>__get_name()</a:t>
+              <a:t>except</a:t>
+            </a:r>
+            <a:r>
+              <a:rPr lang="en-US" sz="2400" spc="-1" strike="noStrike">
+                <a:solidFill>
+                  <a:srgbClr val="000000"/>
+                </a:solidFill>
+                <a:uFill>
+                  <a:solidFill>
+                    <a:srgbClr val="ffffff"/>
+                  </a:solidFill>
+                </a:uFill>
+                <a:latin typeface="Calibri"/>
+                <a:ea typeface="DejaVu Sans"/>
+              </a:rPr>
+              <a:t>，</a:t>
+            </a:r>
+            <a:r>
+              <a:rPr lang="en-US" sz="2400" spc="-1" strike="noStrike">
+                <a:solidFill>
+                  <a:srgbClr val="000000"/>
+                </a:solidFill>
+                <a:uFill>
+                  <a:solidFill>
+                    <a:srgbClr val="ffffff"/>
+                  </a:solidFill>
+                </a:uFill>
+                <a:latin typeface="Calibri"/>
+                <a:ea typeface="DejaVu Sans"/>
+              </a:rPr>
+              <a:t>except</a:t>
+            </a:r>
+            <a:r>
+              <a:rPr lang="en-US" sz="2400" spc="-1" strike="noStrike">
+                <a:solidFill>
+                  <a:srgbClr val="000000"/>
+                </a:solidFill>
+                <a:uFill>
+                  <a:solidFill>
+                    <a:srgbClr val="ffffff"/>
+                  </a:solidFill>
+                </a:uFill>
+                <a:latin typeface="Calibri"/>
+                <a:ea typeface="DejaVu Sans"/>
+              </a:rPr>
+              <a:t>后跟具体的</a:t>
+            </a:r>
+            <a:r>
+              <a:rPr lang="en-US" sz="2400" spc="-1" strike="noStrike">
+                <a:solidFill>
+                  <a:srgbClr val="000000"/>
+                </a:solidFill>
+                <a:uFill>
+                  <a:solidFill>
+                    <a:srgbClr val="ffffff"/>
+                  </a:solidFill>
+                </a:uFill>
+                <a:latin typeface="Calibri"/>
+                <a:ea typeface="DejaVu Sans"/>
+              </a:rPr>
+              <a:t>exceptions</a:t>
+            </a:r>
+            <a:r>
+              <a:rPr lang="en-US" sz="2400" spc="-1" strike="noStrike">
+                <a:solidFill>
+                  <a:srgbClr val="000000"/>
+                </a:solidFill>
+                <a:uFill>
+                  <a:solidFill>
+                    <a:srgbClr val="ffffff"/>
+                  </a:solidFill>
+                </a:uFill>
+                <a:latin typeface="Calibri"/>
+                <a:ea typeface="DejaVu Sans"/>
+              </a:rPr>
+              <a:t>。</a:t>
             </a:r>
             <a:endParaRPr lang="en-US" sz="1800" spc="-1" strike="noStrike">
               <a:solidFill>
@@ -8740,21 +10243,6 @@
               <a:buChar char="•"/>
             </a:pPr>
             <a:r>
-              <a:rPr b="1" lang="en-US" sz="2400" spc="-1" strike="noStrike">
-                <a:solidFill>
-                  <a:srgbClr val="000000"/>
-                </a:solidFill>
-                <a:uFill>
-                  <a:solidFill>
-                    <a:srgbClr val="ffffff"/>
-                  </a:solidFill>
-                </a:uFill>
-                <a:latin typeface="Calibri"/>
-                <a:ea typeface="DejaVu Sans"/>
-              </a:rPr>
-              <a:t>内部实现函数 </a:t>
-            </a:r>
-            <a:r>
               <a:rPr lang="en-US" sz="2400" spc="-1" strike="noStrike">
                 <a:solidFill>
                   <a:srgbClr val="000000"/>
@@ -8767,310 +10255,52 @@
                 <a:latin typeface="Calibri"/>
                 <a:ea typeface="DejaVu Sans"/>
               </a:rPr>
-              <a:t>_function()</a:t>
-            </a:r>
-            <a:endParaRPr lang="en-US" sz="1800" spc="-1" strike="noStrike">
-              <a:solidFill>
-                <a:srgbClr val="000000"/>
-              </a:solidFill>
-              <a:uFill>
-                <a:solidFill>
-                  <a:srgbClr val="ffffff"/>
-                </a:solidFill>
-              </a:uFill>
-              <a:latin typeface="Arial"/>
-            </a:endParaRPr>
-          </a:p>
-          <a:p>
-            <a:pPr lvl="1" marL="685800" indent="-227520">
-              <a:lnSpc>
-                <a:spcPct val="100000"/>
-              </a:lnSpc>
-              <a:buClr>
-                <a:srgbClr val="000000"/>
-              </a:buClr>
-              <a:buFont typeface="Arial"/>
-              <a:buChar char="•"/>
-            </a:pPr>
-            <a:r>
-              <a:rPr b="1" lang="en-US" sz="2400" spc="-1" strike="noStrike">
-                <a:solidFill>
-                  <a:srgbClr val="000000"/>
-                </a:solidFill>
-                <a:uFill>
-                  <a:solidFill>
-                    <a:srgbClr val="ffffff"/>
-                  </a:solidFill>
-                </a:uFill>
-                <a:latin typeface="Calibri"/>
-                <a:ea typeface="DejaVu Sans"/>
-              </a:rPr>
-              <a:t>普通变量 </a:t>
-            </a:r>
-            <a:r>
-              <a:rPr b="1" lang="en-US" sz="2400" spc="-1" strike="noStrike">
-                <a:solidFill>
-                  <a:srgbClr val="000000"/>
-                </a:solidFill>
-                <a:uFill>
-                  <a:solidFill>
-                    <a:srgbClr val="ffffff"/>
-                  </a:solidFill>
-                </a:uFill>
-                <a:latin typeface="Calibri"/>
-                <a:ea typeface="DejaVu Sans"/>
-              </a:rPr>
-              <a:t>this_is_var</a:t>
-            </a:r>
-            <a:endParaRPr lang="en-US" sz="1800" spc="-1" strike="noStrike">
-              <a:solidFill>
-                <a:srgbClr val="000000"/>
-              </a:solidFill>
-              <a:uFill>
-                <a:solidFill>
-                  <a:srgbClr val="ffffff"/>
-                </a:solidFill>
-              </a:uFill>
-              <a:latin typeface="Arial"/>
-            </a:endParaRPr>
-          </a:p>
-          <a:p>
-            <a:pPr lvl="1" marL="685800" indent="-227520">
-              <a:lnSpc>
-                <a:spcPct val="100000"/>
-              </a:lnSpc>
-              <a:buClr>
-                <a:srgbClr val="000000"/>
-              </a:buClr>
-              <a:buFont typeface="Arial"/>
-              <a:buChar char="•"/>
-            </a:pPr>
-            <a:r>
-              <a:rPr b="1" lang="en-US" sz="2400" spc="-1" strike="noStrike">
-                <a:solidFill>
-                  <a:srgbClr val="000000"/>
-                </a:solidFill>
-                <a:uFill>
-                  <a:solidFill>
-                    <a:srgbClr val="ffffff"/>
-                  </a:solidFill>
-                </a:uFill>
-                <a:latin typeface="Calibri"/>
-                <a:ea typeface="DejaVu Sans"/>
-              </a:rPr>
-              <a:t>实例变量 </a:t>
-            </a:r>
-            <a:r>
-              <a:rPr b="1" lang="en-US" sz="2400" spc="-1" strike="noStrike">
-                <a:solidFill>
-                  <a:srgbClr val="000000"/>
-                </a:solidFill>
-                <a:uFill>
-                  <a:solidFill>
-                    <a:srgbClr val="ffffff"/>
-                  </a:solidFill>
-                </a:uFill>
-                <a:latin typeface="Calibri"/>
-                <a:ea typeface="DejaVu Sans"/>
-              </a:rPr>
-              <a:t>_this_is_instance_var</a:t>
-            </a:r>
-            <a:endParaRPr lang="en-US" sz="1800" spc="-1" strike="noStrike">
-              <a:solidFill>
-                <a:srgbClr val="000000"/>
-              </a:solidFill>
-              <a:uFill>
-                <a:solidFill>
-                  <a:srgbClr val="ffffff"/>
-                </a:solidFill>
-              </a:uFill>
-              <a:latin typeface="Arial"/>
-            </a:endParaRPr>
-          </a:p>
-          <a:p>
-            <a:pPr lvl="1" marL="685800" indent="-227520">
-              <a:lnSpc>
-                <a:spcPct val="100000"/>
-              </a:lnSpc>
-              <a:buClr>
-                <a:srgbClr val="000000"/>
-              </a:buClr>
-              <a:buFont typeface="Arial"/>
-              <a:buChar char="•"/>
-            </a:pPr>
-            <a:r>
-              <a:rPr b="1" lang="en-US" sz="2400" spc="-1" strike="noStrike">
-                <a:solidFill>
-                  <a:srgbClr val="000000"/>
-                </a:solidFill>
-                <a:uFill>
-                  <a:solidFill>
-                    <a:srgbClr val="ffffff"/>
-                  </a:solidFill>
-                </a:uFill>
-                <a:latin typeface="Calibri"/>
-                <a:ea typeface="DejaVu Sans"/>
-              </a:rPr>
-              <a:t>私有实例变量 </a:t>
-            </a:r>
-            <a:r>
-              <a:rPr b="1" lang="en-US" sz="2400" spc="-1" strike="noStrike">
-                <a:solidFill>
-                  <a:srgbClr val="000000"/>
-                </a:solidFill>
-                <a:uFill>
-                  <a:solidFill>
-                    <a:srgbClr val="ffffff"/>
-                  </a:solidFill>
-                </a:uFill>
-                <a:latin typeface="Calibri"/>
-                <a:ea typeface="DejaVu Sans"/>
-              </a:rPr>
-              <a:t>__dont_show_you</a:t>
-            </a:r>
-            <a:endParaRPr lang="en-US" sz="1800" spc="-1" strike="noStrike">
-              <a:solidFill>
-                <a:srgbClr val="000000"/>
-              </a:solidFill>
-              <a:uFill>
-                <a:solidFill>
-                  <a:srgbClr val="ffffff"/>
-                </a:solidFill>
-              </a:uFill>
-              <a:latin typeface="Arial"/>
-            </a:endParaRPr>
-          </a:p>
-          <a:p>
-            <a:pPr lvl="1" marL="685800" indent="-227520">
-              <a:lnSpc>
-                <a:spcPct val="100000"/>
-              </a:lnSpc>
-              <a:buClr>
-                <a:srgbClr val="000000"/>
-              </a:buClr>
-              <a:buFont typeface="Arial"/>
-              <a:buChar char="•"/>
-            </a:pPr>
-            <a:r>
-              <a:rPr b="1" lang="en-US" sz="2400" spc="-1" strike="noStrike">
-                <a:solidFill>
-                  <a:srgbClr val="000000"/>
-                </a:solidFill>
-                <a:uFill>
-                  <a:solidFill>
-                    <a:srgbClr val="ffffff"/>
-                  </a:solidFill>
-                </a:uFill>
-                <a:latin typeface="Calibri"/>
-                <a:ea typeface="DejaVu Sans"/>
-              </a:rPr>
-              <a:t>全局变量 </a:t>
-            </a:r>
-            <a:r>
-              <a:rPr b="1" lang="en-US" sz="2400" spc="-1" strike="noStrike">
-                <a:solidFill>
-                  <a:srgbClr val="000000"/>
-                </a:solidFill>
-                <a:uFill>
-                  <a:solidFill>
-                    <a:srgbClr val="ffffff"/>
-                  </a:solidFill>
-                </a:uFill>
-                <a:latin typeface="Calibri"/>
-                <a:ea typeface="DejaVu Sans"/>
-              </a:rPr>
-              <a:t>GLOBAL_VAR</a:t>
-            </a:r>
-            <a:endParaRPr lang="en-US" sz="1800" spc="-1" strike="noStrike">
-              <a:solidFill>
-                <a:srgbClr val="000000"/>
-              </a:solidFill>
-              <a:uFill>
-                <a:solidFill>
-                  <a:srgbClr val="ffffff"/>
-                </a:solidFill>
-              </a:uFill>
-              <a:latin typeface="Arial"/>
-            </a:endParaRPr>
-          </a:p>
-          <a:p>
-            <a:pPr lvl="1" marL="685800" indent="-227520">
-              <a:lnSpc>
-                <a:spcPct val="100000"/>
-              </a:lnSpc>
-              <a:buClr>
-                <a:srgbClr val="000000"/>
-              </a:buClr>
-              <a:buFont typeface="Arial"/>
-              <a:buChar char="•"/>
-            </a:pPr>
-            <a:r>
-              <a:rPr b="1" lang="en-US" sz="2400" spc="-1" strike="noStrike">
-                <a:solidFill>
-                  <a:srgbClr val="000000"/>
-                </a:solidFill>
-                <a:uFill>
-                  <a:solidFill>
-                    <a:srgbClr val="ffffff"/>
-                  </a:solidFill>
-                </a:uFill>
-                <a:latin typeface="Calibri"/>
-                <a:ea typeface="DejaVu Sans"/>
-              </a:rPr>
-              <a:t>类名 </a:t>
-            </a:r>
-            <a:r>
-              <a:rPr b="1" lang="en-US" sz="2400" spc="-1" strike="noStrike">
-                <a:solidFill>
-                  <a:srgbClr val="000000"/>
-                </a:solidFill>
-                <a:uFill>
-                  <a:solidFill>
-                    <a:srgbClr val="ffffff"/>
-                  </a:solidFill>
-                </a:uFill>
-                <a:latin typeface="Calibri"/>
-                <a:ea typeface="DejaVu Sans"/>
-              </a:rPr>
-              <a:t>ThisIsClass</a:t>
-            </a:r>
-            <a:endParaRPr lang="en-US" sz="1800" spc="-1" strike="noStrike">
-              <a:solidFill>
-                <a:srgbClr val="000000"/>
-              </a:solidFill>
-              <a:uFill>
-                <a:solidFill>
-                  <a:srgbClr val="ffffff"/>
-                </a:solidFill>
-              </a:uFill>
-              <a:latin typeface="Arial"/>
-            </a:endParaRPr>
-          </a:p>
-          <a:p>
-            <a:pPr marL="228600" indent="-227520">
-              <a:lnSpc>
-                <a:spcPct val="90000"/>
-              </a:lnSpc>
-              <a:buClr>
-                <a:srgbClr val="000000"/>
-              </a:buClr>
-              <a:buFont typeface="Arial"/>
-              <a:buChar char="•"/>
-            </a:pPr>
-            <a:r>
-              <a:rPr b="1" lang="en-US" sz="2800" spc="-1" strike="noStrike">
-                <a:solidFill>
-                  <a:srgbClr val="000000"/>
-                </a:solidFill>
-                <a:uFill>
-                  <a:solidFill>
-                    <a:srgbClr val="ffffff"/>
-                  </a:solidFill>
-                </a:uFill>
-                <a:latin typeface="Calibri"/>
-                <a:ea typeface="DejaVu Sans"/>
-              </a:rPr>
-              <a:t>好的命名</a:t>
+              <a:t>3 </a:t>
+            </a:r>
+            <a:r>
+              <a:rPr lang="en-US" sz="2400" spc="-1" strike="noStrike">
+                <a:solidFill>
+                  <a:srgbClr val="000000"/>
+                </a:solidFill>
+                <a:uFill>
+                  <a:solidFill>
+                    <a:srgbClr val="ffffff"/>
+                  </a:solidFill>
+                </a:uFill>
+                <a:latin typeface="Calibri"/>
+                <a:ea typeface="DejaVu Sans"/>
+              </a:rPr>
+              <a:t>异常中</a:t>
+            </a:r>
+            <a:r>
+              <a:rPr lang="en-US" sz="2400" spc="-1" strike="noStrike">
+                <a:solidFill>
+                  <a:srgbClr val="000000"/>
+                </a:solidFill>
+                <a:uFill>
+                  <a:solidFill>
+                    <a:srgbClr val="ffffff"/>
+                  </a:solidFill>
+                </a:uFill>
+                <a:latin typeface="Calibri"/>
+                <a:ea typeface="DejaVu Sans"/>
+              </a:rPr>
+              <a:t>try</a:t>
+            </a:r>
+            <a:r>
+              <a:rPr lang="en-US" sz="2400" spc="-1" strike="noStrike">
+                <a:solidFill>
+                  <a:srgbClr val="000000"/>
+                </a:solidFill>
+                <a:uFill>
+                  <a:solidFill>
+                    <a:srgbClr val="ffffff"/>
+                  </a:solidFill>
+                </a:uFill>
+                <a:latin typeface="Calibri"/>
+                <a:ea typeface="DejaVu Sans"/>
+              </a:rPr>
+              <a:t>的代码尽可能少。</a:t>
             </a:r>
             <a:endParaRPr lang="en-US" sz="1800" spc="-1" strike="noStrike">
               <a:solidFill>
@@ -9088,7 +10318,7 @@
       </p:sp>
       <p:pic>
         <p:nvPicPr>
-          <p:cNvPr id="126" name="内容占位符 3" descr=""/>
+          <p:cNvPr id="165" name="内容占位符 3" descr=""/>
           <p:cNvPicPr/>
           <p:nvPr/>
         </p:nvPicPr>
@@ -9164,7 +10394,7 @@
       </p:grpSpPr>
       <p:sp>
         <p:nvSpPr>
-          <p:cNvPr id="127" name="CustomShape 1"/>
+          <p:cNvPr id="166" name="CustomShape 1"/>
           <p:cNvSpPr/>
           <p:nvPr/>
         </p:nvSpPr>
@@ -9208,7 +10438,22 @@
                 <a:latin typeface="Calibri Light"/>
                 <a:ea typeface="DejaVu Sans"/>
               </a:rPr>
-              <a:t>一些有的没的</a:t>
+              <a:t>Python </a:t>
+            </a:r>
+            <a:r>
+              <a:rPr lang="en-US" sz="4400" spc="-1" strike="noStrike">
+                <a:solidFill>
+                  <a:srgbClr val="000000"/>
+                </a:solidFill>
+                <a:uFill>
+                  <a:solidFill>
+                    <a:srgbClr val="ffffff"/>
+                  </a:solidFill>
+                </a:uFill>
+                <a:latin typeface="Calibri Light"/>
+                <a:ea typeface="DejaVu Sans"/>
+              </a:rPr>
+              <a:t>的命名规范</a:t>
             </a:r>
             <a:endParaRPr lang="en-US" sz="1800" spc="-1" strike="noStrike">
               <a:solidFill>
@@ -9226,7 +10471,7 @@
       </p:sp>
       <p:sp>
         <p:nvSpPr>
-          <p:cNvPr id="128" name="CustomShape 2"/>
+          <p:cNvPr id="167" name="CustomShape 2"/>
           <p:cNvSpPr/>
           <p:nvPr/>
         </p:nvSpPr>
@@ -9275,22 +10520,7 @@
                 <a:latin typeface="Calibri"/>
                 <a:ea typeface="DejaVu Sans"/>
               </a:rPr>
-              <a:t>1.</a:t>
-            </a:r>
-            <a:r>
-              <a:rPr lang="en-US" sz="2800" spc="-1" strike="noStrike">
-                <a:solidFill>
-                  <a:srgbClr val="000000"/>
-                </a:solidFill>
-                <a:uFill>
-                  <a:solidFill>
-                    <a:srgbClr val="ffffff"/>
-                  </a:solidFill>
-                </a:uFill>
-                <a:latin typeface="Calibri"/>
-                <a:ea typeface="DejaVu Sans"/>
-              </a:rPr>
-              <a:t>拒绝注释，用代码来阐述注释</a:t>
+              <a:t>命名规范</a:t>
             </a:r>
             <a:endParaRPr lang="en-US" sz="1800" spc="-1" strike="noStrike">
               <a:solidFill>
@@ -9316,109 +10546,140 @@
               <a:buChar char="•"/>
             </a:pPr>
             <a:r>
-              <a:rPr lang="en-US" sz="2400" spc="-1" strike="noStrike">
-                <a:solidFill>
-                  <a:srgbClr val="000000"/>
-                </a:solidFill>
-                <a:uFill>
-                  <a:solidFill>
-                    <a:srgbClr val="ffffff"/>
-                  </a:solidFill>
-                </a:uFill>
-                <a:latin typeface="Calibri"/>
-                <a:ea typeface="DejaVu Sans"/>
-              </a:rPr>
-              <a:t>良好的代码命名完全可以替代注释的作用，如果你正在试图写一段注释，从某种角度来看，你正在试图写一段别人无法理解的代码。当你无法为你的方法起一个准确的名称时，很可能你的方法不止做了一件事，违反了</a:t>
-            </a:r>
-            <a:r>
-              <a:rPr lang="en-US" sz="2400" spc="-1" strike="noStrike">
-                <a:solidFill>
-                  <a:srgbClr val="000000"/>
-                </a:solidFill>
-                <a:uFill>
-                  <a:solidFill>
-                    <a:srgbClr val="ffffff"/>
-                  </a:solidFill>
-                </a:uFill>
-                <a:latin typeface="Calibri"/>
-                <a:ea typeface="DejaVu Sans"/>
-              </a:rPr>
-              <a:t>(Do one thing)</a:t>
-            </a:r>
-            <a:r>
-              <a:rPr lang="en-US" sz="2400" spc="-1" strike="noStrike">
-                <a:solidFill>
-                  <a:srgbClr val="000000"/>
-                </a:solidFill>
-                <a:uFill>
-                  <a:solidFill>
-                    <a:srgbClr val="ffffff"/>
-                  </a:solidFill>
-                </a:uFill>
-                <a:latin typeface="Calibri"/>
-                <a:ea typeface="DejaVu Sans"/>
-              </a:rPr>
-              <a:t>。特别是你想在方法名中加入 </a:t>
-            </a:r>
-            <a:r>
-              <a:rPr lang="en-US" sz="2400" spc="-1" strike="noStrike">
-                <a:solidFill>
-                  <a:srgbClr val="000000"/>
-                </a:solidFill>
-                <a:uFill>
-                  <a:solidFill>
-                    <a:srgbClr val="ffffff"/>
-                  </a:solidFill>
-                </a:uFill>
-                <a:latin typeface="Calibri"/>
-                <a:ea typeface="DejaVu Sans"/>
-              </a:rPr>
-              <a:t>And</a:t>
-            </a:r>
-            <a:r>
-              <a:rPr lang="en-US" sz="2400" spc="-1" strike="noStrike">
-                <a:solidFill>
-                  <a:srgbClr val="000000"/>
-                </a:solidFill>
-                <a:uFill>
-                  <a:solidFill>
-                    <a:srgbClr val="ffffff"/>
-                  </a:solidFill>
-                </a:uFill>
-                <a:latin typeface="Calibri"/>
-                <a:ea typeface="DejaVu Sans"/>
-              </a:rPr>
-              <a:t>，</a:t>
-            </a:r>
-            <a:r>
-              <a:rPr lang="en-US" sz="2400" spc="-1" strike="noStrike">
-                <a:solidFill>
-                  <a:srgbClr val="000000"/>
-                </a:solidFill>
-                <a:uFill>
-                  <a:solidFill>
-                    <a:srgbClr val="ffffff"/>
-                  </a:solidFill>
-                </a:uFill>
-                <a:latin typeface="Calibri"/>
-                <a:ea typeface="DejaVu Sans"/>
-              </a:rPr>
-              <a:t>Or</a:t>
-            </a:r>
-            <a:r>
-              <a:rPr lang="en-US" sz="2400" spc="-1" strike="noStrike">
-                <a:solidFill>
-                  <a:srgbClr val="000000"/>
-                </a:solidFill>
-                <a:uFill>
-                  <a:solidFill>
-                    <a:srgbClr val="ffffff"/>
-                  </a:solidFill>
-                </a:uFill>
-                <a:latin typeface="Calibri"/>
-                <a:ea typeface="DejaVu Sans"/>
-              </a:rPr>
-              <a:t>等词时</a:t>
+              <a:rPr b="1" lang="en-US" sz="2400" spc="-1" strike="noStrike">
+                <a:solidFill>
+                  <a:srgbClr val="000000"/>
+                </a:solidFill>
+                <a:uFill>
+                  <a:solidFill>
+                    <a:srgbClr val="ffffff"/>
+                  </a:solidFill>
+                </a:uFill>
+                <a:latin typeface="Calibri"/>
+                <a:ea typeface="DejaVu Sans"/>
+              </a:rPr>
+              <a:t>普通函数 </a:t>
+            </a:r>
+            <a:r>
+              <a:rPr b="1" lang="en-US" sz="2400" spc="-1" strike="noStrike">
+                <a:solidFill>
+                  <a:srgbClr val="000000"/>
+                </a:solidFill>
+                <a:uFill>
+                  <a:solidFill>
+                    <a:srgbClr val="ffffff"/>
+                  </a:solidFill>
+                </a:uFill>
+                <a:latin typeface="Calibri"/>
+                <a:ea typeface="DejaVu Sans"/>
+              </a:rPr>
+              <a:t>count_number()</a:t>
+            </a:r>
+            <a:endParaRPr lang="en-US" sz="1800" spc="-1" strike="noStrike">
+              <a:solidFill>
+                <a:srgbClr val="000000"/>
+              </a:solidFill>
+              <a:uFill>
+                <a:solidFill>
+                  <a:srgbClr val="ffffff"/>
+                </a:solidFill>
+              </a:uFill>
+              <a:latin typeface="Arial"/>
+            </a:endParaRPr>
+          </a:p>
+          <a:p>
+            <a:pPr lvl="1" marL="685800" indent="-227520">
+              <a:lnSpc>
+                <a:spcPct val="100000"/>
+              </a:lnSpc>
+              <a:buClr>
+                <a:srgbClr val="000000"/>
+              </a:buClr>
+              <a:buFont typeface="Arial"/>
+              <a:buChar char="•"/>
+            </a:pPr>
+            <a:r>
+              <a:rPr b="1" lang="en-US" sz="2400" spc="-1" strike="noStrike">
+                <a:solidFill>
+                  <a:srgbClr val="000000"/>
+                </a:solidFill>
+                <a:uFill>
+                  <a:solidFill>
+                    <a:srgbClr val="ffffff"/>
+                  </a:solidFill>
+                </a:uFill>
+                <a:latin typeface="Calibri"/>
+                <a:ea typeface="DejaVu Sans"/>
+              </a:rPr>
+              <a:t>普通变量 </a:t>
+            </a:r>
+            <a:r>
+              <a:rPr b="1" lang="en-US" sz="2400" spc="-1" strike="noStrike">
+                <a:solidFill>
+                  <a:srgbClr val="000000"/>
+                </a:solidFill>
+                <a:uFill>
+                  <a:solidFill>
+                    <a:srgbClr val="ffffff"/>
+                  </a:solidFill>
+                </a:uFill>
+                <a:latin typeface="Calibri"/>
+                <a:ea typeface="DejaVu Sans"/>
+              </a:rPr>
+              <a:t>this_is_var</a:t>
+            </a:r>
+            <a:endParaRPr lang="en-US" sz="1800" spc="-1" strike="noStrike">
+              <a:solidFill>
+                <a:srgbClr val="000000"/>
+              </a:solidFill>
+              <a:uFill>
+                <a:solidFill>
+                  <a:srgbClr val="ffffff"/>
+                </a:solidFill>
+              </a:uFill>
+              <a:latin typeface="Arial"/>
+            </a:endParaRPr>
+          </a:p>
+          <a:p>
+            <a:pPr lvl="1" marL="685800" indent="-227520">
+              <a:lnSpc>
+                <a:spcPct val="100000"/>
+              </a:lnSpc>
+              <a:buClr>
+                <a:srgbClr val="000000"/>
+              </a:buClr>
+              <a:buFont typeface="Arial"/>
+              <a:buChar char="•"/>
+            </a:pPr>
+            <a:r>
+              <a:rPr b="1" lang="en-US" sz="2400" spc="-1" strike="noStrike">
+                <a:solidFill>
+                  <a:srgbClr val="000000"/>
+                </a:solidFill>
+                <a:uFill>
+                  <a:solidFill>
+                    <a:srgbClr val="ffffff"/>
+                  </a:solidFill>
+                </a:uFill>
+                <a:latin typeface="Calibri"/>
+                <a:ea typeface="DejaVu Sans"/>
+              </a:rPr>
+              <a:t>全局变量 </a:t>
+            </a:r>
+            <a:r>
+              <a:rPr b="1" lang="en-US" sz="2400" spc="-1" strike="noStrike">
+                <a:solidFill>
+                  <a:srgbClr val="000000"/>
+                </a:solidFill>
+                <a:uFill>
+                  <a:solidFill>
+                    <a:srgbClr val="ffffff"/>
+                  </a:solidFill>
+                </a:uFill>
+                <a:latin typeface="Calibri"/>
+                <a:ea typeface="DejaVu Sans"/>
+              </a:rPr>
+              <a:t>GLOBAL_VAR</a:t>
             </a:r>
             <a:endParaRPr lang="en-US" sz="1800" spc="-1" strike="noStrike">
               <a:solidFill>
@@ -9444,254 +10705,19 @@
               <a:buChar char="•"/>
             </a:pPr>
             <a:r>
-              <a:rPr lang="en-US" sz="2800" spc="-1" strike="noStrike">
-                <a:solidFill>
-                  <a:srgbClr val="000000"/>
-                </a:solidFill>
-                <a:uFill>
-                  <a:solidFill>
-                    <a:srgbClr val="ffffff"/>
-                  </a:solidFill>
-                </a:uFill>
-                <a:latin typeface="Calibri"/>
-                <a:ea typeface="DejaVu Sans"/>
-              </a:rPr>
-              <a:t>拒绝魔数，拒绝挖坑</a:t>
-            </a:r>
-            <a:endParaRPr lang="en-US" sz="1800" spc="-1" strike="noStrike">
-              <a:solidFill>
-                <a:srgbClr val="000000"/>
-              </a:solidFill>
-              <a:uFill>
-                <a:solidFill>
-                  <a:srgbClr val="ffffff"/>
-                </a:solidFill>
-              </a:uFill>
-              <a:latin typeface="Arial"/>
-            </a:endParaRPr>
-          </a:p>
-          <a:p>
-            <a:pPr lvl="1" marL="685800" indent="-227520">
-              <a:lnSpc>
-                <a:spcPct val="100000"/>
-              </a:lnSpc>
-              <a:buClr>
-                <a:srgbClr val="000000"/>
-              </a:buClr>
-              <a:buFont typeface="Arial"/>
-              <a:buChar char="•"/>
-            </a:pPr>
-            <a:r>
-              <a:rPr lang="en-US" sz="2400" spc="-1" strike="noStrike">
-                <a:solidFill>
-                  <a:srgbClr val="000000"/>
-                </a:solidFill>
-                <a:uFill>
-                  <a:solidFill>
-                    <a:srgbClr val="ffffff"/>
-                  </a:solidFill>
-                </a:uFill>
-                <a:latin typeface="Calibri"/>
-                <a:ea typeface="DejaVu Sans"/>
-              </a:rPr>
-              <a:t>所谓魔数</a:t>
-            </a:r>
-            <a:r>
-              <a:rPr lang="en-US" sz="2400" spc="-1" strike="noStrike">
-                <a:solidFill>
-                  <a:srgbClr val="000000"/>
-                </a:solidFill>
-                <a:uFill>
-                  <a:solidFill>
-                    <a:srgbClr val="ffffff"/>
-                  </a:solidFill>
-                </a:uFill>
-                <a:latin typeface="Calibri"/>
-                <a:ea typeface="DejaVu Sans"/>
-              </a:rPr>
-              <a:t>(Magic number)</a:t>
-            </a:r>
-            <a:r>
-              <a:rPr lang="en-US" sz="2400" spc="-1" strike="noStrike">
-                <a:solidFill>
-                  <a:srgbClr val="000000"/>
-                </a:solidFill>
-                <a:uFill>
-                  <a:solidFill>
-                    <a:srgbClr val="ffffff"/>
-                  </a:solidFill>
-                </a:uFill>
-                <a:latin typeface="Calibri"/>
-                <a:ea typeface="DejaVu Sans"/>
-              </a:rPr>
-              <a:t>就是一个魔法数字，读者完全弄不明白你这个数字是什么，这样的代码平时见的多了</a:t>
-            </a:r>
-            <a:endParaRPr lang="en-US" sz="1800" spc="-1" strike="noStrike">
-              <a:solidFill>
-                <a:srgbClr val="000000"/>
-              </a:solidFill>
-              <a:uFill>
-                <a:solidFill>
-                  <a:srgbClr val="ffffff"/>
-                </a:solidFill>
-              </a:uFill>
-              <a:latin typeface="Arial"/>
-            </a:endParaRPr>
-          </a:p>
-          <a:p>
-            <a:pPr marL="228600" indent="-227520">
-              <a:lnSpc>
-                <a:spcPct val="90000"/>
-              </a:lnSpc>
-              <a:buClr>
-                <a:srgbClr val="000000"/>
-              </a:buClr>
-              <a:buFont typeface="Arial"/>
-              <a:buChar char="•"/>
-            </a:pPr>
-            <a:r>
-              <a:rPr lang="en-US" sz="2800" spc="-1" strike="noStrike">
-                <a:solidFill>
-                  <a:srgbClr val="000000"/>
-                </a:solidFill>
-                <a:uFill>
-                  <a:solidFill>
-                    <a:srgbClr val="ffffff"/>
-                  </a:solidFill>
-                </a:uFill>
-                <a:latin typeface="Calibri"/>
-                <a:ea typeface="DejaVu Sans"/>
-              </a:rPr>
-              <a:t>复杂的条件判断，和多重否定</a:t>
-            </a:r>
-            <a:endParaRPr lang="en-US" sz="1800" spc="-1" strike="noStrike">
-              <a:solidFill>
-                <a:srgbClr val="000000"/>
-              </a:solidFill>
-              <a:uFill>
-                <a:solidFill>
-                  <a:srgbClr val="ffffff"/>
-                </a:solidFill>
-              </a:uFill>
-              <a:latin typeface="Arial"/>
-            </a:endParaRPr>
-          </a:p>
-          <a:p>
-            <a:pPr marL="228600" indent="-227520">
-              <a:lnSpc>
-                <a:spcPct val="90000"/>
-              </a:lnSpc>
-              <a:buClr>
-                <a:srgbClr val="000000"/>
-              </a:buClr>
-              <a:buFont typeface="Arial"/>
-              <a:buChar char="•"/>
-            </a:pPr>
-            <a:r>
-              <a:rPr lang="en-US" sz="2800" spc="-1" strike="noStrike">
-                <a:solidFill>
-                  <a:srgbClr val="000000"/>
-                </a:solidFill>
-                <a:uFill>
-                  <a:solidFill>
-                    <a:srgbClr val="ffffff"/>
-                  </a:solidFill>
-                </a:uFill>
-                <a:latin typeface="Calibri"/>
-                <a:ea typeface="DejaVu Sans"/>
-              </a:rPr>
-              <a:t>拒绝大类，拒绝超长的函数</a:t>
-            </a:r>
-            <a:endParaRPr lang="en-US" sz="1800" spc="-1" strike="noStrike">
-              <a:solidFill>
-                <a:srgbClr val="000000"/>
-              </a:solidFill>
-              <a:uFill>
-                <a:solidFill>
-                  <a:srgbClr val="ffffff"/>
-                </a:solidFill>
-              </a:uFill>
-              <a:latin typeface="Arial"/>
-            </a:endParaRPr>
-          </a:p>
-          <a:p>
-            <a:pPr marL="228600" indent="-227520">
-              <a:lnSpc>
-                <a:spcPct val="90000"/>
-              </a:lnSpc>
-              <a:buClr>
-                <a:srgbClr val="000000"/>
-              </a:buClr>
-              <a:buFont typeface="Arial"/>
-              <a:buChar char="•"/>
-            </a:pPr>
-            <a:r>
-              <a:rPr lang="en-US" sz="2800" spc="-1" strike="noStrike">
-                <a:solidFill>
-                  <a:srgbClr val="000000"/>
-                </a:solidFill>
-                <a:uFill>
-                  <a:solidFill>
-                    <a:srgbClr val="ffffff"/>
-                  </a:solidFill>
-                </a:uFill>
-                <a:latin typeface="Calibri"/>
-                <a:ea typeface="DejaVu Sans"/>
-              </a:rPr>
-              <a:t>参数过多</a:t>
-            </a:r>
-            <a:endParaRPr lang="en-US" sz="1800" spc="-1" strike="noStrike">
-              <a:solidFill>
-                <a:srgbClr val="000000"/>
-              </a:solidFill>
-              <a:uFill>
-                <a:solidFill>
-                  <a:srgbClr val="ffffff"/>
-                </a:solidFill>
-              </a:uFill>
-              <a:latin typeface="Arial"/>
-            </a:endParaRPr>
-          </a:p>
-          <a:p>
-            <a:pPr marL="228600" indent="-227520">
-              <a:lnSpc>
-                <a:spcPct val="90000"/>
-              </a:lnSpc>
-              <a:buClr>
-                <a:srgbClr val="000000"/>
-              </a:buClr>
-              <a:buFont typeface="Arial"/>
-              <a:buChar char="•"/>
-            </a:pPr>
-            <a:r>
-              <a:rPr lang="en-US" sz="2800" spc="-1" strike="noStrike">
-                <a:solidFill>
-                  <a:srgbClr val="000000"/>
-                </a:solidFill>
-                <a:uFill>
-                  <a:solidFill>
-                    <a:srgbClr val="ffffff"/>
-                  </a:solidFill>
-                </a:uFill>
-                <a:latin typeface="Calibri"/>
-                <a:ea typeface="DejaVu Sans"/>
-              </a:rPr>
-              <a:t>充分利用好</a:t>
-            </a:r>
-            <a:r>
-              <a:rPr lang="en-US" sz="2800" spc="-1" strike="noStrike">
-                <a:solidFill>
-                  <a:srgbClr val="000000"/>
-                </a:solidFill>
-                <a:uFill>
-                  <a:solidFill>
-                    <a:srgbClr val="ffffff"/>
-                  </a:solidFill>
-                </a:uFill>
-                <a:latin typeface="Calibri"/>
-                <a:ea typeface="DejaVu Sans"/>
-              </a:rPr>
-              <a:t>IDE</a:t>
+              <a:rPr b="1" lang="en-US" sz="2800" spc="-1" strike="noStrike">
+                <a:solidFill>
+                  <a:srgbClr val="000000"/>
+                </a:solidFill>
+                <a:uFill>
+                  <a:solidFill>
+                    <a:srgbClr val="ffffff"/>
+                  </a:solidFill>
+                </a:uFill>
+                <a:latin typeface="Calibri"/>
+                <a:ea typeface="DejaVu Sans"/>
+              </a:rPr>
+              <a:t>好的命名</a:t>
             </a:r>
             <a:endParaRPr lang="en-US" sz="1800" spc="-1" strike="noStrike">
               <a:solidFill>
@@ -9709,7 +10735,7 @@
       </p:sp>
       <p:pic>
         <p:nvPicPr>
-          <p:cNvPr id="129" name="内容占位符 3" descr=""/>
+          <p:cNvPr id="168" name="内容占位符 3" descr=""/>
           <p:cNvPicPr/>
           <p:nvPr/>
         </p:nvPicPr>
@@ -9783,9 +10809,554 @@
           <a:chExt cx="0" cy="0"/>
         </a:xfrm>
       </p:grpSpPr>
+      <p:sp>
+        <p:nvSpPr>
+          <p:cNvPr id="169" name="CustomShape 1"/>
+          <p:cNvSpPr/>
+          <p:nvPr/>
+        </p:nvSpPr>
+        <p:spPr>
+          <a:xfrm>
+            <a:off x="1676520" y="359640"/>
+            <a:ext cx="10514520" cy="1324440"/>
+          </a:xfrm>
+          <a:prstGeom prst="rect">
+            <a:avLst/>
+          </a:prstGeom>
+          <a:noFill/>
+          <a:ln>
+            <a:noFill/>
+          </a:ln>
+        </p:spPr>
+        <p:style>
+          <a:lnRef idx="0"/>
+          <a:fillRef idx="0"/>
+          <a:effectRef idx="0"/>
+          <a:fontRef idx="minor"/>
+        </p:style>
+        <p:txBody>
+          <a:bodyPr lIns="90000" rIns="90000" tIns="45000" bIns="45000" anchor="ctr"/>
+          <a:p>
+            <a:pPr>
+              <a:lnSpc>
+                <a:spcPct val="90000"/>
+              </a:lnSpc>
+            </a:pPr>
+            <a:r>
+              <a:rPr lang="en-US" sz="4400" spc="-1" strike="noStrike">
+                <a:solidFill>
+                  <a:srgbClr val="000000"/>
+                </a:solidFill>
+                <a:uFill>
+                  <a:solidFill>
+                    <a:srgbClr val="ffffff"/>
+                  </a:solidFill>
+                </a:uFill>
+                <a:latin typeface="Calibri Light"/>
+                <a:ea typeface="DejaVu Sans"/>
+              </a:rPr>
+              <a:t>一些有的没的</a:t>
+            </a:r>
+            <a:endParaRPr lang="en-US" sz="1800" spc="-1" strike="noStrike">
+              <a:solidFill>
+                <a:srgbClr val="000000"/>
+              </a:solidFill>
+              <a:uFill>
+                <a:solidFill>
+                  <a:srgbClr val="ffffff"/>
+                </a:solidFill>
+              </a:uFill>
+              <a:latin typeface="Arial"/>
+            </a:endParaRPr>
+          </a:p>
+        </p:txBody>
+      </p:sp>
+      <p:sp>
+        <p:nvSpPr>
+          <p:cNvPr id="170" name="CustomShape 2"/>
+          <p:cNvSpPr/>
+          <p:nvPr/>
+        </p:nvSpPr>
+        <p:spPr>
+          <a:xfrm>
+            <a:off x="736560" y="1830960"/>
+            <a:ext cx="10514520" cy="4909680"/>
+          </a:xfrm>
+          <a:prstGeom prst="rect">
+            <a:avLst/>
+          </a:prstGeom>
+          <a:noFill/>
+          <a:ln>
+            <a:noFill/>
+          </a:ln>
+        </p:spPr>
+        <p:style>
+          <a:lnRef idx="0"/>
+          <a:fillRef idx="0"/>
+          <a:effectRef idx="0"/>
+          <a:fontRef idx="minor"/>
+        </p:style>
+        <p:txBody>
+          <a:bodyPr lIns="90000" rIns="90000" tIns="45000" bIns="45000"/>
+          <a:p>
+            <a:pPr marL="228600" indent="-227520">
+              <a:lnSpc>
+                <a:spcPct val="90000"/>
+              </a:lnSpc>
+              <a:buClr>
+                <a:srgbClr val="000000"/>
+              </a:buClr>
+              <a:buFont typeface="Arial"/>
+              <a:buChar char="•"/>
+            </a:pPr>
+            <a:r>
+              <a:rPr lang="en-US" sz="2800" spc="-1" strike="noStrike">
+                <a:solidFill>
+                  <a:srgbClr val="000000"/>
+                </a:solidFill>
+                <a:uFill>
+                  <a:solidFill>
+                    <a:srgbClr val="ffffff"/>
+                  </a:solidFill>
+                </a:uFill>
+                <a:latin typeface="Calibri"/>
+                <a:ea typeface="DejaVu Sans"/>
+              </a:rPr>
+              <a:t>1.</a:t>
+            </a:r>
+            <a:r>
+              <a:rPr lang="en-US" sz="2800" spc="-1" strike="noStrike">
+                <a:solidFill>
+                  <a:srgbClr val="000000"/>
+                </a:solidFill>
+                <a:uFill>
+                  <a:solidFill>
+                    <a:srgbClr val="ffffff"/>
+                  </a:solidFill>
+                </a:uFill>
+                <a:latin typeface="Calibri"/>
+                <a:ea typeface="DejaVu Sans"/>
+              </a:rPr>
+              <a:t>拒绝注释，用代码来阐述注释</a:t>
+            </a:r>
+            <a:endParaRPr lang="en-US" sz="1800" spc="-1" strike="noStrike">
+              <a:solidFill>
+                <a:srgbClr val="000000"/>
+              </a:solidFill>
+              <a:uFill>
+                <a:solidFill>
+                  <a:srgbClr val="ffffff"/>
+                </a:solidFill>
+              </a:uFill>
+              <a:latin typeface="Arial"/>
+            </a:endParaRPr>
+          </a:p>
+          <a:p>
+            <a:pPr lvl="1" marL="685800" indent="-227520">
+              <a:lnSpc>
+                <a:spcPct val="100000"/>
+              </a:lnSpc>
+              <a:buClr>
+                <a:srgbClr val="000000"/>
+              </a:buClr>
+              <a:buFont typeface="Arial"/>
+              <a:buChar char="•"/>
+            </a:pPr>
+            <a:r>
+              <a:rPr lang="en-US" sz="2400" spc="-1" strike="noStrike">
+                <a:solidFill>
+                  <a:srgbClr val="000000"/>
+                </a:solidFill>
+                <a:uFill>
+                  <a:solidFill>
+                    <a:srgbClr val="ffffff"/>
+                  </a:solidFill>
+                </a:uFill>
+                <a:latin typeface="Calibri"/>
+                <a:ea typeface="DejaVu Sans"/>
+              </a:rPr>
+              <a:t>良好的代码命名完全可以替代注释的作用，如果你正在试图写一段注释，从某种角度来看，你正在试图写一段别人无法理解的代码。当你无法为你的方法起一个准确的名称时，很可能你的方法不止做了一件事，违反了</a:t>
+            </a:r>
+            <a:r>
+              <a:rPr lang="en-US" sz="2400" spc="-1" strike="noStrike">
+                <a:solidFill>
+                  <a:srgbClr val="000000"/>
+                </a:solidFill>
+                <a:uFill>
+                  <a:solidFill>
+                    <a:srgbClr val="ffffff"/>
+                  </a:solidFill>
+                </a:uFill>
+                <a:latin typeface="Calibri"/>
+                <a:ea typeface="DejaVu Sans"/>
+              </a:rPr>
+              <a:t>(Do one thing)</a:t>
+            </a:r>
+            <a:r>
+              <a:rPr lang="en-US" sz="2400" spc="-1" strike="noStrike">
+                <a:solidFill>
+                  <a:srgbClr val="000000"/>
+                </a:solidFill>
+                <a:uFill>
+                  <a:solidFill>
+                    <a:srgbClr val="ffffff"/>
+                  </a:solidFill>
+                </a:uFill>
+                <a:latin typeface="Calibri"/>
+                <a:ea typeface="DejaVu Sans"/>
+              </a:rPr>
+              <a:t>。特别是你想在方法名中加入 </a:t>
+            </a:r>
+            <a:r>
+              <a:rPr lang="en-US" sz="2400" spc="-1" strike="noStrike">
+                <a:solidFill>
+                  <a:srgbClr val="000000"/>
+                </a:solidFill>
+                <a:uFill>
+                  <a:solidFill>
+                    <a:srgbClr val="ffffff"/>
+                  </a:solidFill>
+                </a:uFill>
+                <a:latin typeface="Calibri"/>
+                <a:ea typeface="DejaVu Sans"/>
+              </a:rPr>
+              <a:t>And</a:t>
+            </a:r>
+            <a:r>
+              <a:rPr lang="en-US" sz="2400" spc="-1" strike="noStrike">
+                <a:solidFill>
+                  <a:srgbClr val="000000"/>
+                </a:solidFill>
+                <a:uFill>
+                  <a:solidFill>
+                    <a:srgbClr val="ffffff"/>
+                  </a:solidFill>
+                </a:uFill>
+                <a:latin typeface="Calibri"/>
+                <a:ea typeface="DejaVu Sans"/>
+              </a:rPr>
+              <a:t>，</a:t>
+            </a:r>
+            <a:r>
+              <a:rPr lang="en-US" sz="2400" spc="-1" strike="noStrike">
+                <a:solidFill>
+                  <a:srgbClr val="000000"/>
+                </a:solidFill>
+                <a:uFill>
+                  <a:solidFill>
+                    <a:srgbClr val="ffffff"/>
+                  </a:solidFill>
+                </a:uFill>
+                <a:latin typeface="Calibri"/>
+                <a:ea typeface="DejaVu Sans"/>
+              </a:rPr>
+              <a:t>Or</a:t>
+            </a:r>
+            <a:r>
+              <a:rPr lang="en-US" sz="2400" spc="-1" strike="noStrike">
+                <a:solidFill>
+                  <a:srgbClr val="000000"/>
+                </a:solidFill>
+                <a:uFill>
+                  <a:solidFill>
+                    <a:srgbClr val="ffffff"/>
+                  </a:solidFill>
+                </a:uFill>
+                <a:latin typeface="Calibri"/>
+                <a:ea typeface="DejaVu Sans"/>
+              </a:rPr>
+              <a:t>等词时</a:t>
+            </a:r>
+            <a:endParaRPr lang="en-US" sz="1800" spc="-1" strike="noStrike">
+              <a:solidFill>
+                <a:srgbClr val="000000"/>
+              </a:solidFill>
+              <a:uFill>
+                <a:solidFill>
+                  <a:srgbClr val="ffffff"/>
+                </a:solidFill>
+              </a:uFill>
+              <a:latin typeface="Arial"/>
+            </a:endParaRPr>
+          </a:p>
+          <a:p>
+            <a:pPr marL="228600" indent="-227520">
+              <a:lnSpc>
+                <a:spcPct val="90000"/>
+              </a:lnSpc>
+              <a:buClr>
+                <a:srgbClr val="000000"/>
+              </a:buClr>
+              <a:buFont typeface="Arial"/>
+              <a:buChar char="•"/>
+            </a:pPr>
+            <a:r>
+              <a:rPr lang="en-US" sz="2800" spc="-1" strike="noStrike">
+                <a:solidFill>
+                  <a:srgbClr val="000000"/>
+                </a:solidFill>
+                <a:uFill>
+                  <a:solidFill>
+                    <a:srgbClr val="ffffff"/>
+                  </a:solidFill>
+                </a:uFill>
+                <a:latin typeface="Calibri"/>
+                <a:ea typeface="DejaVu Sans"/>
+              </a:rPr>
+              <a:t>拒绝魔数，拒绝挖坑</a:t>
+            </a:r>
+            <a:endParaRPr lang="en-US" sz="1800" spc="-1" strike="noStrike">
+              <a:solidFill>
+                <a:srgbClr val="000000"/>
+              </a:solidFill>
+              <a:uFill>
+                <a:solidFill>
+                  <a:srgbClr val="ffffff"/>
+                </a:solidFill>
+              </a:uFill>
+              <a:latin typeface="Arial"/>
+            </a:endParaRPr>
+          </a:p>
+          <a:p>
+            <a:pPr lvl="1" marL="685800" indent="-227520">
+              <a:lnSpc>
+                <a:spcPct val="100000"/>
+              </a:lnSpc>
+              <a:buClr>
+                <a:srgbClr val="000000"/>
+              </a:buClr>
+              <a:buFont typeface="Arial"/>
+              <a:buChar char="•"/>
+            </a:pPr>
+            <a:r>
+              <a:rPr lang="en-US" sz="2400" spc="-1" strike="noStrike">
+                <a:solidFill>
+                  <a:srgbClr val="000000"/>
+                </a:solidFill>
+                <a:uFill>
+                  <a:solidFill>
+                    <a:srgbClr val="ffffff"/>
+                  </a:solidFill>
+                </a:uFill>
+                <a:latin typeface="Calibri"/>
+                <a:ea typeface="DejaVu Sans"/>
+              </a:rPr>
+              <a:t>所谓魔数</a:t>
+            </a:r>
+            <a:r>
+              <a:rPr lang="en-US" sz="2400" spc="-1" strike="noStrike">
+                <a:solidFill>
+                  <a:srgbClr val="000000"/>
+                </a:solidFill>
+                <a:uFill>
+                  <a:solidFill>
+                    <a:srgbClr val="ffffff"/>
+                  </a:solidFill>
+                </a:uFill>
+                <a:latin typeface="Calibri"/>
+                <a:ea typeface="DejaVu Sans"/>
+              </a:rPr>
+              <a:t>(Magic number)</a:t>
+            </a:r>
+            <a:r>
+              <a:rPr lang="en-US" sz="2400" spc="-1" strike="noStrike">
+                <a:solidFill>
+                  <a:srgbClr val="000000"/>
+                </a:solidFill>
+                <a:uFill>
+                  <a:solidFill>
+                    <a:srgbClr val="ffffff"/>
+                  </a:solidFill>
+                </a:uFill>
+                <a:latin typeface="Calibri"/>
+                <a:ea typeface="DejaVu Sans"/>
+              </a:rPr>
+              <a:t>就是一个魔法数字，读者完全弄不明白你这个数字是什么，这样的代码平时见的多了</a:t>
+            </a:r>
+            <a:endParaRPr lang="en-US" sz="1800" spc="-1" strike="noStrike">
+              <a:solidFill>
+                <a:srgbClr val="000000"/>
+              </a:solidFill>
+              <a:uFill>
+                <a:solidFill>
+                  <a:srgbClr val="ffffff"/>
+                </a:solidFill>
+              </a:uFill>
+              <a:latin typeface="Arial"/>
+            </a:endParaRPr>
+          </a:p>
+          <a:p>
+            <a:pPr marL="228600" indent="-227520">
+              <a:lnSpc>
+                <a:spcPct val="90000"/>
+              </a:lnSpc>
+              <a:buClr>
+                <a:srgbClr val="000000"/>
+              </a:buClr>
+              <a:buFont typeface="Arial"/>
+              <a:buChar char="•"/>
+            </a:pPr>
+            <a:r>
+              <a:rPr lang="en-US" sz="2800" spc="-1" strike="noStrike">
+                <a:solidFill>
+                  <a:srgbClr val="000000"/>
+                </a:solidFill>
+                <a:uFill>
+                  <a:solidFill>
+                    <a:srgbClr val="ffffff"/>
+                  </a:solidFill>
+                </a:uFill>
+                <a:latin typeface="Calibri"/>
+                <a:ea typeface="DejaVu Sans"/>
+              </a:rPr>
+              <a:t>复杂的条件判断，和多重否定</a:t>
+            </a:r>
+            <a:endParaRPr lang="en-US" sz="1800" spc="-1" strike="noStrike">
+              <a:solidFill>
+                <a:srgbClr val="000000"/>
+              </a:solidFill>
+              <a:uFill>
+                <a:solidFill>
+                  <a:srgbClr val="ffffff"/>
+                </a:solidFill>
+              </a:uFill>
+              <a:latin typeface="Arial"/>
+            </a:endParaRPr>
+          </a:p>
+          <a:p>
+            <a:pPr marL="228600" indent="-227520">
+              <a:lnSpc>
+                <a:spcPct val="90000"/>
+              </a:lnSpc>
+              <a:buClr>
+                <a:srgbClr val="000000"/>
+              </a:buClr>
+              <a:buFont typeface="Arial"/>
+              <a:buChar char="•"/>
+            </a:pPr>
+            <a:r>
+              <a:rPr lang="en-US" sz="2800" spc="-1" strike="noStrike">
+                <a:solidFill>
+                  <a:srgbClr val="000000"/>
+                </a:solidFill>
+                <a:uFill>
+                  <a:solidFill>
+                    <a:srgbClr val="ffffff"/>
+                  </a:solidFill>
+                </a:uFill>
+                <a:latin typeface="Calibri"/>
+                <a:ea typeface="DejaVu Sans"/>
+              </a:rPr>
+              <a:t>拒绝大类，拒绝超长的函数</a:t>
+            </a:r>
+            <a:endParaRPr lang="en-US" sz="1800" spc="-1" strike="noStrike">
+              <a:solidFill>
+                <a:srgbClr val="000000"/>
+              </a:solidFill>
+              <a:uFill>
+                <a:solidFill>
+                  <a:srgbClr val="ffffff"/>
+                </a:solidFill>
+              </a:uFill>
+              <a:latin typeface="Arial"/>
+            </a:endParaRPr>
+          </a:p>
+          <a:p>
+            <a:pPr marL="228600" indent="-227520">
+              <a:lnSpc>
+                <a:spcPct val="90000"/>
+              </a:lnSpc>
+              <a:buClr>
+                <a:srgbClr val="000000"/>
+              </a:buClr>
+              <a:buFont typeface="Arial"/>
+              <a:buChar char="•"/>
+            </a:pPr>
+            <a:r>
+              <a:rPr lang="en-US" sz="2800" spc="-1" strike="noStrike">
+                <a:solidFill>
+                  <a:srgbClr val="000000"/>
+                </a:solidFill>
+                <a:uFill>
+                  <a:solidFill>
+                    <a:srgbClr val="ffffff"/>
+                  </a:solidFill>
+                </a:uFill>
+                <a:latin typeface="Calibri"/>
+                <a:ea typeface="DejaVu Sans"/>
+              </a:rPr>
+              <a:t>参数过多</a:t>
+            </a:r>
+            <a:endParaRPr lang="en-US" sz="1800" spc="-1" strike="noStrike">
+              <a:solidFill>
+                <a:srgbClr val="000000"/>
+              </a:solidFill>
+              <a:uFill>
+                <a:solidFill>
+                  <a:srgbClr val="ffffff"/>
+                </a:solidFill>
+              </a:uFill>
+              <a:latin typeface="Arial"/>
+            </a:endParaRPr>
+          </a:p>
+          <a:p>
+            <a:pPr marL="228600" indent="-227520">
+              <a:lnSpc>
+                <a:spcPct val="90000"/>
+              </a:lnSpc>
+              <a:buClr>
+                <a:srgbClr val="000000"/>
+              </a:buClr>
+              <a:buFont typeface="Arial"/>
+              <a:buChar char="•"/>
+            </a:pPr>
+            <a:r>
+              <a:rPr lang="en-US" sz="2800" spc="-1" strike="noStrike">
+                <a:solidFill>
+                  <a:srgbClr val="000000"/>
+                </a:solidFill>
+                <a:uFill>
+                  <a:solidFill>
+                    <a:srgbClr val="ffffff"/>
+                  </a:solidFill>
+                </a:uFill>
+                <a:latin typeface="Calibri"/>
+                <a:ea typeface="DejaVu Sans"/>
+              </a:rPr>
+              <a:t>充分利用好</a:t>
+            </a:r>
+            <a:r>
+              <a:rPr lang="en-US" sz="2800" spc="-1" strike="noStrike">
+                <a:solidFill>
+                  <a:srgbClr val="000000"/>
+                </a:solidFill>
+                <a:uFill>
+                  <a:solidFill>
+                    <a:srgbClr val="ffffff"/>
+                  </a:solidFill>
+                </a:uFill>
+                <a:latin typeface="Calibri"/>
+                <a:ea typeface="DejaVu Sans"/>
+              </a:rPr>
+              <a:t>IDE</a:t>
+            </a:r>
+            <a:endParaRPr lang="en-US" sz="1800" spc="-1" strike="noStrike">
+              <a:solidFill>
+                <a:srgbClr val="000000"/>
+              </a:solidFill>
+              <a:uFill>
+                <a:solidFill>
+                  <a:srgbClr val="ffffff"/>
+                </a:solidFill>
+              </a:uFill>
+              <a:latin typeface="Arial"/>
+            </a:endParaRPr>
+          </a:p>
+        </p:txBody>
+      </p:sp>
       <p:pic>
         <p:nvPicPr>
-          <p:cNvPr id="130" name="图片 1" descr=""/>
+          <p:cNvPr id="171" name="内容占位符 3" descr=""/>
           <p:cNvPicPr/>
           <p:nvPr/>
         </p:nvPicPr>
@@ -9795,8 +11366,8 @@
         </p:blipFill>
         <p:spPr>
           <a:xfrm>
-            <a:off x="0" y="7560"/>
-            <a:ext cx="12229920" cy="6849360"/>
+            <a:off x="338400" y="286560"/>
+            <a:ext cx="1470240" cy="1470240"/>
           </a:xfrm>
           <a:prstGeom prst="rect">
             <a:avLst/>
@@ -9804,11 +11375,87 @@
           <a:ln>
             <a:noFill/>
           </a:ln>
+          <a:effectLst>
+            <a:reflection algn="bl" dir="5400000" dist="50800" endPos="65000" rotWithShape="0" stA="26000" sy="-100000"/>
+            <a:softEdge rad="0"/>
+          </a:effectLst>
+        </p:spPr>
+      </p:pic>
+    </p:spTree>
+  </p:cSld>
+  <p:timing>
+    <p:tnLst>
+      <p:par>
+        <p:cTn id="57" dur="indefinite" restart="never" nodeType="tmRoot">
+          <p:childTnLst>
+            <p:seq>
+              <p:cTn id="58" nodeType="mainSeq"/>
+              <p:prevCondLst>
+                <p:cond delay="0" evt="onPrev">
+                  <p:tgtEl>
+                    <p:sldTgt/>
+                  </p:tgtEl>
+                </p:cond>
+              </p:prevCondLst>
+              <p:nextCondLst>
+                <p:cond delay="0" evt="onNext">
+                  <p:tgtEl>
+                    <p:sldTgt/>
+                  </p:tgtEl>
+                </p:cond>
+              </p:nextCondLst>
+            </p:seq>
+          </p:childTnLst>
+        </p:cTn>
+      </p:par>
+    </p:tnLst>
+  </p:timing>
+</p:sld>
+</file>
+
+<file path=ppt/slides/slide19.xml><?xml version="1.0" encoding="utf-8"?>
+<p:sld xmlns:a="http://schemas.openxmlformats.org/drawingml/2006/main" xmlns:p="http://schemas.openxmlformats.org/presentationml/2006/main" xmlns:r="http://schemas.openxmlformats.org/officeDocument/2006/relationships">
+  <p:cSld>
+    <p:spTree>
+      <p:nvGrpSpPr>
+        <p:cNvPr id="1" name=""/>
+        <p:cNvGrpSpPr/>
+        <p:nvPr/>
+      </p:nvGrpSpPr>
+      <p:grpSpPr>
+        <a:xfrm>
+          <a:off x="0" y="0"/>
+          <a:ext cx="0" cy="0"/>
+          <a:chOff x="0" y="0"/>
+          <a:chExt cx="0" cy="0"/>
+        </a:xfrm>
+      </p:grpSpPr>
+      <p:pic>
+        <p:nvPicPr>
+          <p:cNvPr id="172" name="图片 1" descr=""/>
+          <p:cNvPicPr/>
+          <p:nvPr/>
+        </p:nvPicPr>
+        <p:blipFill>
+          <a:blip r:embed="rId1"/>
+          <a:stretch/>
+        </p:blipFill>
+        <p:spPr>
+          <a:xfrm>
+            <a:off x="0" y="7560"/>
+            <a:ext cx="12229920" cy="6849360"/>
+          </a:xfrm>
+          <a:prstGeom prst="rect">
+            <a:avLst/>
+          </a:prstGeom>
+          <a:ln>
+            <a:noFill/>
+          </a:ln>
         </p:spPr>
       </p:pic>
       <p:sp>
         <p:nvSpPr>
-          <p:cNvPr id="131" name="CustomShape 1"/>
+          <p:cNvPr id="173" name="CustomShape 1"/>
           <p:cNvSpPr/>
           <p:nvPr/>
         </p:nvSpPr>
@@ -9846,7 +11493,7 @@
       </p:sp>
       <p:sp>
         <p:nvSpPr>
-          <p:cNvPr id="132" name="CustomShape 2"/>
+          <p:cNvPr id="174" name="CustomShape 2"/>
           <p:cNvSpPr/>
           <p:nvPr/>
         </p:nvSpPr>
@@ -9884,7 +11531,7 @@
       </p:sp>
       <p:sp>
         <p:nvSpPr>
-          <p:cNvPr id="133" name="CustomShape 3"/>
+          <p:cNvPr id="175" name="CustomShape 3"/>
           <p:cNvSpPr/>
           <p:nvPr/>
         </p:nvSpPr>
@@ -9946,7 +11593,7 @@
       </p:sp>
       <p:sp>
         <p:nvSpPr>
-          <p:cNvPr id="134" name="CustomShape 4"/>
+          <p:cNvPr id="176" name="CustomShape 4"/>
           <p:cNvSpPr/>
           <p:nvPr/>
         </p:nvSpPr>
@@ -10008,7 +11655,7 @@
       </p:sp>
       <p:sp>
         <p:nvSpPr>
-          <p:cNvPr id="135" name="CustomShape 5"/>
+          <p:cNvPr id="177" name="CustomShape 5"/>
           <p:cNvSpPr/>
           <p:nvPr/>
         </p:nvSpPr>
@@ -10109,10 +11756,10 @@
   <p:timing>
     <p:tnLst>
       <p:par>
-        <p:cTn id="57" dur="indefinite" restart="never" nodeType="tmRoot">
+        <p:cTn id="59" dur="indefinite" restart="never" nodeType="tmRoot">
           <p:childTnLst>
             <p:seq>
-              <p:cTn id="58" nodeType="mainSeq"/>
+              <p:cTn id="60" nodeType="mainSeq"/>
               <p:prevCondLst>
                 <p:cond delay="0" evt="onPrev">
                   <p:tgtEl>
@@ -10155,7 +11802,7 @@
       </p:grpSpPr>
       <p:pic>
         <p:nvPicPr>
-          <p:cNvPr id="82" name="图片 4" descr=""/>
+          <p:cNvPr id="121" name="图片 4" descr=""/>
           <p:cNvPicPr/>
           <p:nvPr/>
         </p:nvPicPr>
@@ -10183,14 +11830,14 @@
       </p:pic>
       <p:sp>
         <p:nvSpPr>
-          <p:cNvPr id="83" name="CustomShape 1"/>
+          <p:cNvPr id="122" name="CustomShape 1"/>
           <p:cNvSpPr/>
           <p:nvPr/>
         </p:nvSpPr>
         <p:spPr>
           <a:xfrm>
-            <a:off x="-928800" y="3958200"/>
-            <a:ext cx="7531920" cy="1719000"/>
+            <a:off x="-59400" y="3931920"/>
+            <a:ext cx="6003000" cy="1719000"/>
           </a:xfrm>
           <a:prstGeom prst="rect">
             <a:avLst/>
@@ -10221,7 +11868,7 @@
       </p:sp>
       <p:sp>
         <p:nvSpPr>
-          <p:cNvPr id="84" name="CustomShape 2"/>
+          <p:cNvPr id="123" name="CustomShape 2"/>
           <p:cNvSpPr/>
           <p:nvPr/>
         </p:nvSpPr>
@@ -10332,7 +11979,7 @@
       </p:grpSpPr>
       <p:pic>
         <p:nvPicPr>
-          <p:cNvPr id="85" name="Picture 6" descr=""/>
+          <p:cNvPr id="124" name="Picture 6" descr=""/>
           <p:cNvPicPr/>
           <p:nvPr/>
         </p:nvPicPr>
@@ -10355,7 +12002,7 @@
       </p:pic>
       <p:sp>
         <p:nvSpPr>
-          <p:cNvPr id="86" name="CustomShape 1"/>
+          <p:cNvPr id="125" name="CustomShape 1"/>
           <p:cNvSpPr/>
           <p:nvPr/>
         </p:nvSpPr>
@@ -10430,7 +12077,7 @@
       </p:grpSpPr>
       <p:sp>
         <p:nvSpPr>
-          <p:cNvPr id="87" name="CustomShape 1"/>
+          <p:cNvPr id="126" name="CustomShape 1"/>
           <p:cNvSpPr/>
           <p:nvPr/>
         </p:nvSpPr>
@@ -10492,7 +12139,7 @@
       </p:sp>
       <p:sp>
         <p:nvSpPr>
-          <p:cNvPr id="88" name="CustomShape 2"/>
+          <p:cNvPr id="127" name="CustomShape 2"/>
           <p:cNvSpPr/>
           <p:nvPr/>
         </p:nvSpPr>
@@ -10913,7 +12560,7 @@
       </p:sp>
       <p:pic>
         <p:nvPicPr>
-          <p:cNvPr id="89" name="内容占位符 3" descr=""/>
+          <p:cNvPr id="128" name="内容占位符 3" descr=""/>
           <p:cNvPicPr/>
           <p:nvPr/>
         </p:nvPicPr>
@@ -10989,7 +12636,7 @@
       </p:grpSpPr>
       <p:sp>
         <p:nvSpPr>
-          <p:cNvPr id="90" name="CustomShape 1"/>
+          <p:cNvPr id="129" name="CustomShape 1"/>
           <p:cNvSpPr/>
           <p:nvPr/>
         </p:nvSpPr>
@@ -11066,7 +12713,7 @@
       </p:sp>
       <p:sp>
         <p:nvSpPr>
-          <p:cNvPr id="91" name="CustomShape 2"/>
+          <p:cNvPr id="130" name="CustomShape 2"/>
           <p:cNvSpPr/>
           <p:nvPr/>
         </p:nvSpPr>
@@ -11617,7 +13264,7 @@
       </p:sp>
       <p:pic>
         <p:nvPicPr>
-          <p:cNvPr id="92" name="内容占位符 3" descr=""/>
+          <p:cNvPr id="131" name="内容占位符 3" descr=""/>
           <p:cNvPicPr/>
           <p:nvPr/>
         </p:nvPicPr>
@@ -11693,7 +13340,7 @@
       </p:grpSpPr>
       <p:sp>
         <p:nvSpPr>
-          <p:cNvPr id="93" name="CustomShape 1"/>
+          <p:cNvPr id="132" name="CustomShape 1"/>
           <p:cNvSpPr/>
           <p:nvPr/>
         </p:nvSpPr>
@@ -11770,7 +13417,7 @@
       </p:sp>
       <p:sp>
         <p:nvSpPr>
-          <p:cNvPr id="94" name="CustomShape 2"/>
+          <p:cNvPr id="133" name="CustomShape 2"/>
           <p:cNvSpPr/>
           <p:nvPr/>
         </p:nvSpPr>
@@ -12160,7 +13807,7 @@
       </p:sp>
       <p:pic>
         <p:nvPicPr>
-          <p:cNvPr id="95" name="内容占位符 3" descr=""/>
+          <p:cNvPr id="134" name="内容占位符 3" descr=""/>
           <p:cNvPicPr/>
           <p:nvPr/>
         </p:nvPicPr>
@@ -12234,82 +13881,16 @@
           <a:chExt cx="0" cy="0"/>
         </a:xfrm>
       </p:grpSpPr>
-      <p:pic>
-        <p:nvPicPr>
-          <p:cNvPr id="96" name="图片 4" descr=""/>
-          <p:cNvPicPr/>
-          <p:nvPr/>
-        </p:nvPicPr>
-        <p:blipFill>
-          <a:blip r:embed="rId1"/>
-          <a:srcRect l="35460" t="16766" r="0" b="18225"/>
-          <a:stretch/>
-        </p:blipFill>
-        <p:spPr>
-          <a:xfrm>
-            <a:off x="-59400" y="-48240"/>
-            <a:ext cx="6855480" cy="6905160"/>
-          </a:xfrm>
-          <a:prstGeom prst="rect">
-            <a:avLst/>
-          </a:prstGeom>
-          <a:ln>
-            <a:noFill/>
-          </a:ln>
-          <a:effectLst>
-            <a:reflection algn="bl" dir="5400000" dist="50800" endPos="65000" rotWithShape="0" stA="26000" sy="-100000"/>
-            <a:softEdge rad="0"/>
-          </a:effectLst>
-        </p:spPr>
-      </p:pic>
       <p:sp>
         <p:nvSpPr>
-          <p:cNvPr id="97" name="CustomShape 1"/>
+          <p:cNvPr id="135" name="CustomShape 1"/>
           <p:cNvSpPr/>
           <p:nvPr/>
         </p:nvSpPr>
         <p:spPr>
           <a:xfrm>
-            <a:off x="-928800" y="3958200"/>
-            <a:ext cx="7531920" cy="1719000"/>
-          </a:xfrm>
-          <a:prstGeom prst="rect">
-            <a:avLst/>
-          </a:prstGeom>
-          <a:solidFill>
-            <a:srgbClr val="523778">
-              <a:alpha val="90000"/>
-            </a:srgbClr>
-          </a:solidFill>
-          <a:ln>
-            <a:noFill/>
-          </a:ln>
-        </p:spPr>
-        <p:style>
-          <a:lnRef idx="2">
-            <a:schemeClr val="accent1">
-              <a:shade val="50000"/>
-            </a:schemeClr>
-          </a:lnRef>
-          <a:fillRef idx="1">
-            <a:schemeClr val="accent1"/>
-          </a:fillRef>
-          <a:effectRef idx="0">
-            <a:schemeClr val="accent1"/>
-          </a:effectRef>
-          <a:fontRef idx="minor"/>
-        </p:style>
-      </p:sp>
-      <p:sp>
-        <p:nvSpPr>
-          <p:cNvPr id="98" name="CustomShape 2"/>
-          <p:cNvSpPr/>
-          <p:nvPr/>
-        </p:nvSpPr>
-        <p:spPr>
-          <a:xfrm>
-            <a:off x="598680" y="4155480"/>
-            <a:ext cx="5590440" cy="1324440"/>
+            <a:off x="2023560" y="689400"/>
+            <a:ext cx="10514520" cy="1058400"/>
           </a:xfrm>
           <a:prstGeom prst="rect">
             <a:avLst/>
@@ -12334,19 +13915,34 @@
               </a:lnSpc>
             </a:pPr>
             <a:r>
-              <a:rPr lang="en-US" sz="5400" spc="-1" strike="noStrike">
-                <a:solidFill>
-                  <a:srgbClr val="ffffff"/>
-                </a:solidFill>
-                <a:uFill>
-                  <a:solidFill>
-                    <a:srgbClr val="ffffff"/>
-                  </a:solidFill>
-                </a:uFill>
-                <a:latin typeface="微软雅黑"/>
-                <a:ea typeface="微软雅黑"/>
-              </a:rPr>
-              <a:t>集成式开发环境</a:t>
+              <a:rPr b="1" lang="en-US" sz="4400" spc="-1" strike="noStrike">
+                <a:solidFill>
+                  <a:srgbClr val="000000"/>
+                </a:solidFill>
+                <a:uFill>
+                  <a:solidFill>
+                    <a:srgbClr val="ffffff"/>
+                  </a:solidFill>
+                </a:uFill>
+                <a:latin typeface="Calibri Light"/>
+                <a:ea typeface="DejaVu Sans"/>
+              </a:rPr>
+              <a:t>Python</a:t>
+            </a:r>
+            <a:r>
+              <a:rPr b="1" lang="en-US" sz="4400" spc="-1" strike="noStrike">
+                <a:solidFill>
+                  <a:srgbClr val="000000"/>
+                </a:solidFill>
+                <a:uFill>
+                  <a:solidFill>
+                    <a:srgbClr val="ffffff"/>
+                  </a:solidFill>
+                </a:uFill>
+                <a:latin typeface="Calibri Light"/>
+                <a:ea typeface="DejaVu Sans"/>
+              </a:rPr>
+              <a:t>运行</a:t>
             </a:r>
             <a:endParaRPr lang="en-US" sz="1800" spc="-1" strike="noStrike">
               <a:solidFill>
@@ -12362,6 +13958,470 @@
           </a:p>
         </p:txBody>
       </p:sp>
+      <p:sp>
+        <p:nvSpPr>
+          <p:cNvPr id="136" name="CustomShape 2"/>
+          <p:cNvSpPr/>
+          <p:nvPr/>
+        </p:nvSpPr>
+        <p:spPr>
+          <a:xfrm>
+            <a:off x="838080" y="1825560"/>
+            <a:ext cx="10514520" cy="4646520"/>
+          </a:xfrm>
+          <a:prstGeom prst="rect">
+            <a:avLst/>
+          </a:prstGeom>
+          <a:noFill/>
+          <a:ln>
+            <a:noFill/>
+          </a:ln>
+        </p:spPr>
+        <p:style>
+          <a:lnRef idx="0"/>
+          <a:fillRef idx="0"/>
+          <a:effectRef idx="0"/>
+          <a:fontRef idx="minor"/>
+        </p:style>
+        <p:txBody>
+          <a:bodyPr lIns="90000" rIns="90000" tIns="45000" bIns="45000"/>
+          <a:p>
+            <a:pPr marL="228600" indent="-227520">
+              <a:lnSpc>
+                <a:spcPct val="90000"/>
+              </a:lnSpc>
+              <a:buClr>
+                <a:srgbClr val="000000"/>
+              </a:buClr>
+              <a:buFont typeface="Arial"/>
+              <a:buChar char="•"/>
+            </a:pPr>
+            <a:r>
+              <a:rPr lang="en-US" sz="2800" spc="-1" strike="noStrike">
+                <a:solidFill>
+                  <a:srgbClr val="000000"/>
+                </a:solidFill>
+                <a:uFill>
+                  <a:solidFill>
+                    <a:srgbClr val="ffffff"/>
+                  </a:solidFill>
+                </a:uFill>
+                <a:latin typeface="Calibri"/>
+                <a:ea typeface="DejaVu Sans"/>
+              </a:rPr>
+              <a:t>Python </a:t>
+            </a:r>
+            <a:r>
+              <a:rPr lang="en-US" sz="2800" spc="-1" strike="noStrike">
+                <a:solidFill>
+                  <a:srgbClr val="000000"/>
+                </a:solidFill>
+                <a:uFill>
+                  <a:solidFill>
+                    <a:srgbClr val="ffffff"/>
+                  </a:solidFill>
+                </a:uFill>
+                <a:latin typeface="Calibri"/>
+                <a:ea typeface="DejaVu Sans"/>
+              </a:rPr>
+              <a:t>源代码，就是你写的那个玩意</a:t>
+            </a:r>
+            <a:endParaRPr lang="en-US" sz="1800" spc="-1" strike="noStrike">
+              <a:solidFill>
+                <a:srgbClr val="000000"/>
+              </a:solidFill>
+              <a:uFill>
+                <a:solidFill>
+                  <a:srgbClr val="ffffff"/>
+                </a:solidFill>
+              </a:uFill>
+              <a:latin typeface="Arial"/>
+            </a:endParaRPr>
+          </a:p>
+          <a:p>
+            <a:pPr marL="228600" indent="-227520">
+              <a:lnSpc>
+                <a:spcPct val="90000"/>
+              </a:lnSpc>
+              <a:buClr>
+                <a:srgbClr val="000000"/>
+              </a:buClr>
+              <a:buFont typeface="Arial"/>
+              <a:buChar char="•"/>
+            </a:pPr>
+            <a:r>
+              <a:rPr lang="en-US" sz="2800" spc="-1" strike="noStrike">
+                <a:solidFill>
+                  <a:srgbClr val="000000"/>
+                </a:solidFill>
+                <a:uFill>
+                  <a:solidFill>
+                    <a:srgbClr val="ffffff"/>
+                  </a:solidFill>
+                </a:uFill>
+                <a:latin typeface="Calibri"/>
+                <a:ea typeface="DejaVu Sans"/>
+              </a:rPr>
+              <a:t>Python </a:t>
+            </a:r>
+            <a:r>
+              <a:rPr lang="en-US" sz="2800" spc="-1" strike="noStrike">
+                <a:solidFill>
+                  <a:srgbClr val="000000"/>
+                </a:solidFill>
+                <a:uFill>
+                  <a:solidFill>
+                    <a:srgbClr val="ffffff"/>
+                  </a:solidFill>
+                </a:uFill>
+                <a:latin typeface="Calibri"/>
+                <a:ea typeface="DejaVu Sans"/>
+              </a:rPr>
+              <a:t>解释器编译成</a:t>
+            </a:r>
+            <a:r>
+              <a:rPr lang="en-US" sz="2800" spc="-1" strike="noStrike">
+                <a:solidFill>
+                  <a:srgbClr val="000000"/>
+                </a:solidFill>
+                <a:uFill>
+                  <a:solidFill>
+                    <a:srgbClr val="ffffff"/>
+                  </a:solidFill>
+                </a:uFill>
+                <a:latin typeface="Calibri"/>
+                <a:ea typeface="DejaVu Sans"/>
+              </a:rPr>
+              <a:t>.pyc</a:t>
+            </a:r>
+            <a:r>
+              <a:rPr lang="en-US" sz="2800" spc="-1" strike="noStrike">
+                <a:solidFill>
+                  <a:srgbClr val="000000"/>
+                </a:solidFill>
+                <a:uFill>
+                  <a:solidFill>
+                    <a:srgbClr val="ffffff"/>
+                  </a:solidFill>
+                </a:uFill>
+                <a:latin typeface="Calibri"/>
+                <a:ea typeface="DejaVu Sans"/>
+              </a:rPr>
+              <a:t>字节码</a:t>
+            </a:r>
+            <a:endParaRPr lang="en-US" sz="1800" spc="-1" strike="noStrike">
+              <a:solidFill>
+                <a:srgbClr val="000000"/>
+              </a:solidFill>
+              <a:uFill>
+                <a:solidFill>
+                  <a:srgbClr val="ffffff"/>
+                </a:solidFill>
+              </a:uFill>
+              <a:latin typeface="Arial"/>
+            </a:endParaRPr>
+          </a:p>
+          <a:p>
+            <a:pPr marL="228600" indent="-227520">
+              <a:lnSpc>
+                <a:spcPct val="90000"/>
+              </a:lnSpc>
+              <a:buClr>
+                <a:srgbClr val="000000"/>
+              </a:buClr>
+              <a:buFont typeface="Arial"/>
+              <a:buChar char="•"/>
+            </a:pPr>
+            <a:r>
+              <a:rPr lang="en-US" sz="2800" spc="-1" strike="noStrike">
+                <a:solidFill>
+                  <a:srgbClr val="000000"/>
+                </a:solidFill>
+                <a:uFill>
+                  <a:solidFill>
+                    <a:srgbClr val="ffffff"/>
+                  </a:solidFill>
+                </a:uFill>
+                <a:latin typeface="Calibri"/>
+                <a:ea typeface="DejaVu Sans"/>
+              </a:rPr>
+              <a:t>Python </a:t>
+            </a:r>
+            <a:r>
+              <a:rPr lang="en-US" sz="2800" spc="-1" strike="noStrike">
+                <a:solidFill>
+                  <a:srgbClr val="000000"/>
+                </a:solidFill>
+                <a:uFill>
+                  <a:solidFill>
+                    <a:srgbClr val="ffffff"/>
+                  </a:solidFill>
+                </a:uFill>
+                <a:latin typeface="Calibri"/>
+                <a:ea typeface="DejaVu Sans"/>
+              </a:rPr>
+              <a:t>虚拟机一行一行的读入</a:t>
+            </a:r>
+            <a:r>
+              <a:rPr lang="en-US" sz="2800" spc="-1" strike="noStrike">
+                <a:solidFill>
+                  <a:srgbClr val="000000"/>
+                </a:solidFill>
+                <a:uFill>
+                  <a:solidFill>
+                    <a:srgbClr val="ffffff"/>
+                  </a:solidFill>
+                </a:uFill>
+                <a:latin typeface="Calibri"/>
+                <a:ea typeface="DejaVu Sans"/>
+              </a:rPr>
+              <a:t>pyc</a:t>
+            </a:r>
+            <a:endParaRPr lang="en-US" sz="1800" spc="-1" strike="noStrike">
+              <a:solidFill>
+                <a:srgbClr val="000000"/>
+              </a:solidFill>
+              <a:uFill>
+                <a:solidFill>
+                  <a:srgbClr val="ffffff"/>
+                </a:solidFill>
+              </a:uFill>
+              <a:latin typeface="Arial"/>
+            </a:endParaRPr>
+          </a:p>
+          <a:p>
+            <a:pPr marL="228600" indent="-227520">
+              <a:lnSpc>
+                <a:spcPct val="90000"/>
+              </a:lnSpc>
+              <a:buClr>
+                <a:srgbClr val="000000"/>
+              </a:buClr>
+              <a:buFont typeface="Arial"/>
+              <a:buChar char="•"/>
+            </a:pPr>
+            <a:r>
+              <a:rPr lang="en-US" sz="2800" spc="-1" strike="noStrike">
+                <a:solidFill>
+                  <a:srgbClr val="000000"/>
+                </a:solidFill>
+                <a:uFill>
+                  <a:solidFill>
+                    <a:srgbClr val="ffffff"/>
+                  </a:solidFill>
+                </a:uFill>
+                <a:latin typeface="Calibri"/>
+                <a:ea typeface="DejaVu Sans"/>
+              </a:rPr>
+              <a:t>Python </a:t>
+            </a:r>
+            <a:r>
+              <a:rPr lang="en-US" sz="2800" spc="-1" strike="noStrike">
+                <a:solidFill>
+                  <a:srgbClr val="000000"/>
+                </a:solidFill>
+                <a:uFill>
+                  <a:solidFill>
+                    <a:srgbClr val="ffffff"/>
+                  </a:solidFill>
+                </a:uFill>
+                <a:latin typeface="Calibri"/>
+                <a:ea typeface="DejaVu Sans"/>
+              </a:rPr>
+              <a:t>虚拟机根据</a:t>
+            </a:r>
+            <a:r>
+              <a:rPr lang="en-US" sz="2800" spc="-1" strike="noStrike">
+                <a:solidFill>
+                  <a:srgbClr val="000000"/>
+                </a:solidFill>
+                <a:uFill>
+                  <a:solidFill>
+                    <a:srgbClr val="ffffff"/>
+                  </a:solidFill>
+                </a:uFill>
+                <a:latin typeface="Calibri"/>
+                <a:ea typeface="DejaVu Sans"/>
+              </a:rPr>
+              <a:t>pyc</a:t>
+            </a:r>
+            <a:r>
+              <a:rPr lang="en-US" sz="2800" spc="-1" strike="noStrike">
+                <a:solidFill>
+                  <a:srgbClr val="000000"/>
+                </a:solidFill>
+                <a:uFill>
+                  <a:solidFill>
+                    <a:srgbClr val="ffffff"/>
+                  </a:solidFill>
+                </a:uFill>
+                <a:latin typeface="Calibri"/>
+                <a:ea typeface="DejaVu Sans"/>
+              </a:rPr>
+              <a:t>里面的操作，调用相关的</a:t>
+            </a:r>
+            <a:r>
+              <a:rPr lang="en-US" sz="2800" spc="-1" strike="noStrike">
+                <a:solidFill>
+                  <a:srgbClr val="000000"/>
+                </a:solidFill>
+                <a:uFill>
+                  <a:solidFill>
+                    <a:srgbClr val="ffffff"/>
+                  </a:solidFill>
+                </a:uFill>
+                <a:latin typeface="Calibri"/>
+                <a:ea typeface="DejaVu Sans"/>
+              </a:rPr>
+              <a:t>c</a:t>
+            </a:r>
+            <a:r>
+              <a:rPr lang="en-US" sz="2800" spc="-1" strike="noStrike">
+                <a:solidFill>
+                  <a:srgbClr val="000000"/>
+                </a:solidFill>
+                <a:uFill>
+                  <a:solidFill>
+                    <a:srgbClr val="ffffff"/>
+                  </a:solidFill>
+                </a:uFill>
+                <a:latin typeface="Calibri"/>
+                <a:ea typeface="DejaVu Sans"/>
+              </a:rPr>
+              <a:t>语言程序</a:t>
+            </a:r>
+            <a:endParaRPr lang="en-US" sz="1800" spc="-1" strike="noStrike">
+              <a:solidFill>
+                <a:srgbClr val="000000"/>
+              </a:solidFill>
+              <a:uFill>
+                <a:solidFill>
+                  <a:srgbClr val="ffffff"/>
+                </a:solidFill>
+              </a:uFill>
+              <a:latin typeface="Arial"/>
+            </a:endParaRPr>
+          </a:p>
+          <a:p>
+            <a:pPr marL="228600" indent="-227520">
+              <a:lnSpc>
+                <a:spcPct val="90000"/>
+              </a:lnSpc>
+              <a:buClr>
+                <a:srgbClr val="000000"/>
+              </a:buClr>
+              <a:buFont typeface="Arial"/>
+              <a:buChar char="•"/>
+            </a:pPr>
+            <a:r>
+              <a:rPr lang="en-US" sz="2800" spc="-1" strike="noStrike">
+                <a:solidFill>
+                  <a:srgbClr val="000000"/>
+                </a:solidFill>
+                <a:uFill>
+                  <a:solidFill>
+                    <a:srgbClr val="ffffff"/>
+                  </a:solidFill>
+                </a:uFill>
+                <a:latin typeface="Calibri"/>
+                <a:ea typeface="DejaVu Sans"/>
+              </a:rPr>
+              <a:t>c</a:t>
+            </a:r>
+            <a:r>
+              <a:rPr lang="en-US" sz="2800" spc="-1" strike="noStrike">
+                <a:solidFill>
+                  <a:srgbClr val="000000"/>
+                </a:solidFill>
+                <a:uFill>
+                  <a:solidFill>
+                    <a:srgbClr val="ffffff"/>
+                  </a:solidFill>
+                </a:uFill>
+                <a:latin typeface="Calibri"/>
+                <a:ea typeface="DejaVu Sans"/>
+              </a:rPr>
+              <a:t>语言式已经编译好的可执行文件</a:t>
+            </a:r>
+            <a:endParaRPr lang="en-US" sz="1800" spc="-1" strike="noStrike">
+              <a:solidFill>
+                <a:srgbClr val="000000"/>
+              </a:solidFill>
+              <a:uFill>
+                <a:solidFill>
+                  <a:srgbClr val="ffffff"/>
+                </a:solidFill>
+              </a:uFill>
+              <a:latin typeface="Arial"/>
+            </a:endParaRPr>
+          </a:p>
+          <a:p>
+            <a:pPr marL="228600" indent="-227520">
+              <a:lnSpc>
+                <a:spcPct val="90000"/>
+              </a:lnSpc>
+              <a:buClr>
+                <a:srgbClr val="000000"/>
+              </a:buClr>
+              <a:buFont typeface="Arial"/>
+              <a:buChar char="•"/>
+            </a:pPr>
+            <a:r>
+              <a:rPr lang="en-US" sz="2800" spc="-1" strike="noStrike">
+                <a:solidFill>
+                  <a:srgbClr val="000000"/>
+                </a:solidFill>
+                <a:uFill>
+                  <a:solidFill>
+                    <a:srgbClr val="ffffff"/>
+                  </a:solidFill>
+                </a:uFill>
+                <a:latin typeface="Calibri"/>
+                <a:ea typeface="DejaVu Sans"/>
+              </a:rPr>
+              <a:t>运行拥有着远古洪荒之力的神奇的机器语言</a:t>
+            </a:r>
+            <a:endParaRPr lang="en-US" sz="1800" spc="-1" strike="noStrike">
+              <a:solidFill>
+                <a:srgbClr val="000000"/>
+              </a:solidFill>
+              <a:uFill>
+                <a:solidFill>
+                  <a:srgbClr val="ffffff"/>
+                </a:solidFill>
+              </a:uFill>
+              <a:latin typeface="Arial"/>
+            </a:endParaRPr>
+          </a:p>
+        </p:txBody>
+      </p:sp>
+      <p:pic>
+        <p:nvPicPr>
+          <p:cNvPr id="137" name="内容占位符 3" descr=""/>
+          <p:cNvPicPr/>
+          <p:nvPr/>
+        </p:nvPicPr>
+        <p:blipFill>
+          <a:blip r:embed="rId1"/>
+          <a:stretch/>
+        </p:blipFill>
+        <p:spPr>
+          <a:xfrm>
+            <a:off x="552240" y="423000"/>
+            <a:ext cx="1470240" cy="1470240"/>
+          </a:xfrm>
+          <a:prstGeom prst="rect">
+            <a:avLst/>
+          </a:prstGeom>
+          <a:ln>
+            <a:noFill/>
+          </a:ln>
+          <a:effectLst>
+            <a:reflection algn="bl" dir="5400000" dist="50800" endPos="65000" rotWithShape="0" stA="26000" sy="-100000"/>
+            <a:softEdge rad="0"/>
+          </a:effectLst>
+        </p:spPr>
+      </p:pic>
     </p:spTree>
   </p:cSld>
   <p:timing>
@@ -12411,16 +14471,82 @@
           <a:chExt cx="0" cy="0"/>
         </a:xfrm>
       </p:grpSpPr>
+      <p:pic>
+        <p:nvPicPr>
+          <p:cNvPr id="138" name="图片 4" descr=""/>
+          <p:cNvPicPr/>
+          <p:nvPr/>
+        </p:nvPicPr>
+        <p:blipFill>
+          <a:blip r:embed="rId1"/>
+          <a:srcRect l="35460" t="16766" r="0" b="18225"/>
+          <a:stretch/>
+        </p:blipFill>
+        <p:spPr>
+          <a:xfrm>
+            <a:off x="-59400" y="-48240"/>
+            <a:ext cx="6855480" cy="6905160"/>
+          </a:xfrm>
+          <a:prstGeom prst="rect">
+            <a:avLst/>
+          </a:prstGeom>
+          <a:ln>
+            <a:noFill/>
+          </a:ln>
+          <a:effectLst>
+            <a:reflection algn="bl" dir="5400000" dist="50800" endPos="65000" rotWithShape="0" stA="26000" sy="-100000"/>
+            <a:softEdge rad="0"/>
+          </a:effectLst>
+        </p:spPr>
+      </p:pic>
       <p:sp>
         <p:nvSpPr>
-          <p:cNvPr id="99" name="CustomShape 1"/>
+          <p:cNvPr id="139" name="CustomShape 1"/>
           <p:cNvSpPr/>
           <p:nvPr/>
         </p:nvSpPr>
         <p:spPr>
           <a:xfrm>
-            <a:off x="2144520" y="423000"/>
-            <a:ext cx="10514520" cy="1324440"/>
+            <a:off x="-125280" y="3931920"/>
+            <a:ext cx="6434640" cy="1719000"/>
+          </a:xfrm>
+          <a:prstGeom prst="rect">
+            <a:avLst/>
+          </a:prstGeom>
+          <a:solidFill>
+            <a:srgbClr val="523778">
+              <a:alpha val="90000"/>
+            </a:srgbClr>
+          </a:solidFill>
+          <a:ln>
+            <a:noFill/>
+          </a:ln>
+        </p:spPr>
+        <p:style>
+          <a:lnRef idx="2">
+            <a:schemeClr val="accent1">
+              <a:shade val="50000"/>
+            </a:schemeClr>
+          </a:lnRef>
+          <a:fillRef idx="1">
+            <a:schemeClr val="accent1"/>
+          </a:fillRef>
+          <a:effectRef idx="0">
+            <a:schemeClr val="accent1"/>
+          </a:effectRef>
+          <a:fontRef idx="minor"/>
+        </p:style>
+      </p:sp>
+      <p:sp>
+        <p:nvSpPr>
+          <p:cNvPr id="140" name="CustomShape 2"/>
+          <p:cNvSpPr/>
+          <p:nvPr/>
+        </p:nvSpPr>
+        <p:spPr>
+          <a:xfrm>
+            <a:off x="598680" y="4155480"/>
+            <a:ext cx="5590440" cy="1324440"/>
           </a:xfrm>
           <a:prstGeom prst="rect">
             <a:avLst/>
@@ -12439,67 +14565,26 @@
         <p:txBody>
           <a:bodyPr lIns="90000" rIns="90000" tIns="45000" bIns="45000" anchor="ctr"/>
           <a:p>
-            <a:endParaRPr lang="en-US" sz="1800" spc="-1" strike="noStrike">
-              <a:solidFill>
-                <a:srgbClr val="000000"/>
-              </a:solidFill>
-              <a:uFill>
-                <a:solidFill>
-                  <a:srgbClr val="ffffff"/>
-                </a:solidFill>
-              </a:uFill>
-              <a:latin typeface="Arial"/>
-            </a:endParaRPr>
-          </a:p>
-          <a:p>
-            <a:r>
-              <a:rPr i="1" lang="en-US" sz="4400" spc="-1" strike="noStrike">
-                <a:solidFill>
-                  <a:srgbClr val="000000"/>
-                </a:solidFill>
-                <a:uFill>
-                  <a:solidFill>
-                    <a:srgbClr val="ffffff"/>
-                  </a:solidFill>
-                </a:uFill>
-                <a:latin typeface="Calibri Light"/>
-                <a:ea typeface="DejaVu Sans"/>
-              </a:rPr>
-              <a:t>IDE : </a:t>
-            </a:r>
-            <a:r>
-              <a:rPr lang="en-US" sz="4400" spc="-1" strike="noStrike">
-                <a:solidFill>
-                  <a:srgbClr val="000000"/>
-                </a:solidFill>
-                <a:uFill>
-                  <a:solidFill>
-                    <a:srgbClr val="ffffff"/>
-                  </a:solidFill>
-                </a:uFill>
-                <a:latin typeface="Calibri Light"/>
-                <a:ea typeface="DejaVu Sans"/>
-              </a:rPr>
-              <a:t>Integrated Development Environment</a:t>
-            </a:r>
-            <a:endParaRPr lang="en-US" sz="1800" spc="-1" strike="noStrike">
-              <a:solidFill>
-                <a:srgbClr val="000000"/>
-              </a:solidFill>
-              <a:uFill>
-                <a:solidFill>
-                  <a:srgbClr val="ffffff"/>
-                </a:solidFill>
-              </a:uFill>
-              <a:latin typeface="Arial"/>
-            </a:endParaRPr>
-          </a:p>
-          <a:p>
             <a:pPr>
               <a:lnSpc>
                 <a:spcPct val="90000"/>
               </a:lnSpc>
             </a:pPr>
+            <a:r>
+              <a:rPr lang="en-US" sz="5400" spc="-1" strike="noStrike">
+                <a:solidFill>
+                  <a:srgbClr val="ffffff"/>
+                </a:solidFill>
+                <a:uFill>
+                  <a:solidFill>
+                    <a:srgbClr val="ffffff"/>
+                  </a:solidFill>
+                </a:uFill>
+                <a:latin typeface="微软雅黑"/>
+                <a:ea typeface="微软雅黑"/>
+              </a:rPr>
+              <a:t>集成式开发环境</a:t>
+            </a:r>
             <a:endParaRPr lang="en-US" sz="1800" spc="-1" strike="noStrike">
               <a:solidFill>
                 <a:srgbClr val="000000"/>
@@ -12514,388 +14599,6 @@
           </a:p>
         </p:txBody>
       </p:sp>
-      <p:sp>
-        <p:nvSpPr>
-          <p:cNvPr id="100" name="CustomShape 2"/>
-          <p:cNvSpPr/>
-          <p:nvPr/>
-        </p:nvSpPr>
-        <p:spPr>
-          <a:xfrm>
-            <a:off x="838080" y="1825560"/>
-            <a:ext cx="10514520" cy="4494240"/>
-          </a:xfrm>
-          <a:prstGeom prst="rect">
-            <a:avLst/>
-          </a:prstGeom>
-          <a:noFill/>
-          <a:ln>
-            <a:noFill/>
-          </a:ln>
-        </p:spPr>
-        <p:style>
-          <a:lnRef idx="0"/>
-          <a:fillRef idx="0"/>
-          <a:effectRef idx="0"/>
-          <a:fontRef idx="minor"/>
-        </p:style>
-        <p:txBody>
-          <a:bodyPr lIns="90000" rIns="90000" tIns="45000" bIns="45000"/>
-          <a:p>
-            <a:pPr marL="228600" indent="-227520">
-              <a:lnSpc>
-                <a:spcPct val="90000"/>
-              </a:lnSpc>
-              <a:buClr>
-                <a:srgbClr val="000000"/>
-              </a:buClr>
-              <a:buFont typeface="Arial"/>
-              <a:buChar char="•"/>
-            </a:pPr>
-            <a:r>
-              <a:rPr lang="en-US" sz="2800" spc="-1" strike="noStrike">
-                <a:solidFill>
-                  <a:srgbClr val="000000"/>
-                </a:solidFill>
-                <a:uFill>
-                  <a:solidFill>
-                    <a:srgbClr val="ffffff"/>
-                  </a:solidFill>
-                </a:uFill>
-                <a:latin typeface="Calibri"/>
-                <a:ea typeface="DejaVu Sans"/>
-              </a:rPr>
-              <a:t>PyCharm</a:t>
-            </a:r>
-            <a:endParaRPr lang="en-US" sz="1800" spc="-1" strike="noStrike">
-              <a:solidFill>
-                <a:srgbClr val="000000"/>
-              </a:solidFill>
-              <a:uFill>
-                <a:solidFill>
-                  <a:srgbClr val="ffffff"/>
-                </a:solidFill>
-              </a:uFill>
-              <a:latin typeface="Arial"/>
-            </a:endParaRPr>
-          </a:p>
-          <a:p>
-            <a:pPr marL="228600" indent="-227520">
-              <a:lnSpc>
-                <a:spcPct val="90000"/>
-              </a:lnSpc>
-              <a:buClr>
-                <a:srgbClr val="000000"/>
-              </a:buClr>
-              <a:buFont typeface="Arial"/>
-              <a:buChar char="•"/>
-            </a:pPr>
-            <a:r>
-              <a:rPr lang="en-US" sz="2800" spc="-1" strike="noStrike">
-                <a:solidFill>
-                  <a:srgbClr val="000000"/>
-                </a:solidFill>
-                <a:uFill>
-                  <a:solidFill>
-                    <a:srgbClr val="ffffff"/>
-                  </a:solidFill>
-                </a:uFill>
-                <a:latin typeface="Calibri"/>
-                <a:ea typeface="DejaVu Sans"/>
-              </a:rPr>
-              <a:t>Eclipse + pydev</a:t>
-            </a:r>
-            <a:endParaRPr lang="en-US" sz="1800" spc="-1" strike="noStrike">
-              <a:solidFill>
-                <a:srgbClr val="000000"/>
-              </a:solidFill>
-              <a:uFill>
-                <a:solidFill>
-                  <a:srgbClr val="ffffff"/>
-                </a:solidFill>
-              </a:uFill>
-              <a:latin typeface="Arial"/>
-            </a:endParaRPr>
-          </a:p>
-          <a:p>
-            <a:pPr marL="228600" indent="-227520">
-              <a:lnSpc>
-                <a:spcPct val="90000"/>
-              </a:lnSpc>
-              <a:buClr>
-                <a:srgbClr val="000000"/>
-              </a:buClr>
-              <a:buFont typeface="Arial"/>
-              <a:buChar char="•"/>
-            </a:pPr>
-            <a:r>
-              <a:rPr lang="en-US" sz="2800" spc="-1" strike="noStrike">
-                <a:solidFill>
-                  <a:srgbClr val="000000"/>
-                </a:solidFill>
-                <a:uFill>
-                  <a:solidFill>
-                    <a:srgbClr val="ffffff"/>
-                  </a:solidFill>
-                </a:uFill>
-                <a:latin typeface="Calibri"/>
-                <a:ea typeface="DejaVu Sans"/>
-              </a:rPr>
-              <a:t>编辑器</a:t>
-            </a:r>
-            <a:endParaRPr lang="en-US" sz="1800" spc="-1" strike="noStrike">
-              <a:solidFill>
-                <a:srgbClr val="000000"/>
-              </a:solidFill>
-              <a:uFill>
-                <a:solidFill>
-                  <a:srgbClr val="ffffff"/>
-                </a:solidFill>
-              </a:uFill>
-              <a:latin typeface="Arial"/>
-            </a:endParaRPr>
-          </a:p>
-          <a:p>
-            <a:pPr lvl="1" marL="685800" indent="-227520">
-              <a:lnSpc>
-                <a:spcPct val="100000"/>
-              </a:lnSpc>
-              <a:buClr>
-                <a:srgbClr val="000000"/>
-              </a:buClr>
-              <a:buFont typeface="Arial"/>
-              <a:buChar char="•"/>
-            </a:pPr>
-            <a:r>
-              <a:rPr lang="en-US" sz="2400" spc="-1" strike="noStrike">
-                <a:solidFill>
-                  <a:srgbClr val="000000"/>
-                </a:solidFill>
-                <a:uFill>
-                  <a:solidFill>
-                    <a:srgbClr val="ffffff"/>
-                  </a:solidFill>
-                </a:uFill>
-                <a:latin typeface="Calibri"/>
-                <a:ea typeface="DejaVu Sans"/>
-              </a:rPr>
-              <a:t>Sublime or Atom</a:t>
-            </a:r>
-            <a:endParaRPr lang="en-US" sz="1800" spc="-1" strike="noStrike">
-              <a:solidFill>
-                <a:srgbClr val="000000"/>
-              </a:solidFill>
-              <a:uFill>
-                <a:solidFill>
-                  <a:srgbClr val="ffffff"/>
-                </a:solidFill>
-              </a:uFill>
-              <a:latin typeface="Arial"/>
-            </a:endParaRPr>
-          </a:p>
-          <a:p>
-            <a:pPr marL="228600" indent="-227520">
-              <a:lnSpc>
-                <a:spcPct val="90000"/>
-              </a:lnSpc>
-              <a:buClr>
-                <a:srgbClr val="000000"/>
-              </a:buClr>
-              <a:buFont typeface="Arial"/>
-              <a:buChar char="•"/>
-            </a:pPr>
-            <a:r>
-              <a:rPr lang="en-US" sz="2800" spc="-1" strike="noStrike">
-                <a:solidFill>
-                  <a:srgbClr val="000000"/>
-                </a:solidFill>
-                <a:uFill>
-                  <a:solidFill>
-                    <a:srgbClr val="ffffff"/>
-                  </a:solidFill>
-                </a:uFill>
-                <a:latin typeface="Calibri"/>
-                <a:ea typeface="DejaVu Sans"/>
-              </a:rPr>
-              <a:t>下面两个自虐专用</a:t>
-            </a:r>
-            <a:endParaRPr lang="en-US" sz="1800" spc="-1" strike="noStrike">
-              <a:solidFill>
-                <a:srgbClr val="000000"/>
-              </a:solidFill>
-              <a:uFill>
-                <a:solidFill>
-                  <a:srgbClr val="ffffff"/>
-                </a:solidFill>
-              </a:uFill>
-              <a:latin typeface="Arial"/>
-            </a:endParaRPr>
-          </a:p>
-          <a:p>
-            <a:pPr lvl="1" marL="685800" indent="-227520">
-              <a:lnSpc>
-                <a:spcPct val="100000"/>
-              </a:lnSpc>
-              <a:buClr>
-                <a:srgbClr val="000000"/>
-              </a:buClr>
-              <a:buFont typeface="Arial"/>
-              <a:buChar char="•"/>
-            </a:pPr>
-            <a:r>
-              <a:rPr lang="en-US" sz="2400" spc="-1" strike="noStrike">
-                <a:solidFill>
-                  <a:srgbClr val="000000"/>
-                </a:solidFill>
-                <a:uFill>
-                  <a:solidFill>
-                    <a:srgbClr val="ffffff"/>
-                  </a:solidFill>
-                </a:uFill>
-                <a:latin typeface="Calibri"/>
-                <a:ea typeface="DejaVu Sans"/>
-              </a:rPr>
-              <a:t>Vim + </a:t>
-            </a:r>
-            <a:r>
-              <a:rPr lang="en-US" sz="2400" spc="-1" strike="noStrike">
-                <a:solidFill>
-                  <a:srgbClr val="000000"/>
-                </a:solidFill>
-                <a:uFill>
-                  <a:solidFill>
-                    <a:srgbClr val="ffffff"/>
-                  </a:solidFill>
-                </a:uFill>
-                <a:latin typeface="Calibri"/>
-                <a:ea typeface="DejaVu Sans"/>
-              </a:rPr>
-              <a:t>￥</a:t>
-            </a:r>
-            <a:r>
-              <a:rPr lang="en-US" sz="2400" spc="-1" strike="noStrike">
-                <a:solidFill>
-                  <a:srgbClr val="000000"/>
-                </a:solidFill>
-                <a:uFill>
-                  <a:solidFill>
-                    <a:srgbClr val="ffffff"/>
-                  </a:solidFill>
-                </a:uFill>
-                <a:latin typeface="Calibri"/>
-                <a:ea typeface="DejaVu Sans"/>
-              </a:rPr>
-              <a:t>%……% + %&amp;……%@ + &amp;^$%^$)</a:t>
-            </a:r>
-            <a:endParaRPr lang="en-US" sz="1800" spc="-1" strike="noStrike">
-              <a:solidFill>
-                <a:srgbClr val="000000"/>
-              </a:solidFill>
-              <a:uFill>
-                <a:solidFill>
-                  <a:srgbClr val="ffffff"/>
-                </a:solidFill>
-              </a:uFill>
-              <a:latin typeface="Arial"/>
-            </a:endParaRPr>
-          </a:p>
-          <a:p>
-            <a:pPr lvl="1" marL="685800" indent="-227520">
-              <a:lnSpc>
-                <a:spcPct val="100000"/>
-              </a:lnSpc>
-              <a:buClr>
-                <a:srgbClr val="000000"/>
-              </a:buClr>
-              <a:buFont typeface="Arial"/>
-              <a:buChar char="•"/>
-            </a:pPr>
-            <a:r>
-              <a:rPr lang="en-US" sz="2400" spc="-1" strike="noStrike">
-                <a:solidFill>
-                  <a:srgbClr val="000000"/>
-                </a:solidFill>
-                <a:uFill>
-                  <a:solidFill>
-                    <a:srgbClr val="ffffff"/>
-                  </a:solidFill>
-                </a:uFill>
-                <a:latin typeface="Calibri"/>
-                <a:ea typeface="DejaVu Sans"/>
-              </a:rPr>
-              <a:t>Emacs + </a:t>
-            </a:r>
-            <a:r>
-              <a:rPr lang="en-US" sz="2400" spc="-1" strike="noStrike">
-                <a:solidFill>
-                  <a:srgbClr val="000000"/>
-                </a:solidFill>
-                <a:uFill>
-                  <a:solidFill>
-                    <a:srgbClr val="ffffff"/>
-                  </a:solidFill>
-                </a:uFill>
-                <a:latin typeface="Calibri"/>
-                <a:ea typeface="DejaVu Sans"/>
-              </a:rPr>
-              <a:t>￥</a:t>
-            </a:r>
-            <a:r>
-              <a:rPr lang="en-US" sz="2400" spc="-1" strike="noStrike">
-                <a:solidFill>
-                  <a:srgbClr val="000000"/>
-                </a:solidFill>
-                <a:uFill>
-                  <a:solidFill>
-                    <a:srgbClr val="ffffff"/>
-                  </a:solidFill>
-                </a:uFill>
-                <a:latin typeface="Calibri"/>
-                <a:ea typeface="DejaVu Sans"/>
-              </a:rPr>
-              <a:t>%……% + %&amp;……%@ + &amp;^$%^$)</a:t>
-            </a:r>
-            <a:endParaRPr lang="en-US" sz="1800" spc="-1" strike="noStrike">
-              <a:solidFill>
-                <a:srgbClr val="000000"/>
-              </a:solidFill>
-              <a:uFill>
-                <a:solidFill>
-                  <a:srgbClr val="ffffff"/>
-                </a:solidFill>
-              </a:uFill>
-              <a:latin typeface="Arial"/>
-            </a:endParaRPr>
-          </a:p>
-        </p:txBody>
-      </p:sp>
-      <p:pic>
-        <p:nvPicPr>
-          <p:cNvPr id="101" name="内容占位符 3" descr=""/>
-          <p:cNvPicPr/>
-          <p:nvPr/>
-        </p:nvPicPr>
-        <p:blipFill>
-          <a:blip r:embed="rId1"/>
-          <a:stretch/>
-        </p:blipFill>
-        <p:spPr>
-          <a:xfrm>
-            <a:off x="552240" y="423000"/>
-            <a:ext cx="1470240" cy="1470240"/>
-          </a:xfrm>
-          <a:prstGeom prst="rect">
-            <a:avLst/>
-          </a:prstGeom>
-          <a:ln>
-            <a:noFill/>
-          </a:ln>
-          <a:effectLst>
-            <a:reflection algn="bl" dir="5400000" dist="50800" endPos="65000" rotWithShape="0" stA="26000" sy="-100000"/>
-            <a:softEdge rad="0"/>
-          </a:effectLst>
-        </p:spPr>
-      </p:pic>
     </p:spTree>
   </p:cSld>
   <p:timing>
@@ -12945,82 +14648,16 @@
           <a:chExt cx="0" cy="0"/>
         </a:xfrm>
       </p:grpSpPr>
-      <p:pic>
-        <p:nvPicPr>
-          <p:cNvPr id="102" name="图片 4" descr=""/>
-          <p:cNvPicPr/>
-          <p:nvPr/>
-        </p:nvPicPr>
-        <p:blipFill>
-          <a:blip r:embed="rId1"/>
-          <a:srcRect l="35460" t="16766" r="0" b="18225"/>
-          <a:stretch/>
-        </p:blipFill>
-        <p:spPr>
-          <a:xfrm>
-            <a:off x="-79920" y="-48240"/>
-            <a:ext cx="6855480" cy="6905160"/>
-          </a:xfrm>
-          <a:prstGeom prst="rect">
-            <a:avLst/>
-          </a:prstGeom>
-          <a:ln>
-            <a:noFill/>
-          </a:ln>
-          <a:effectLst>
-            <a:reflection algn="bl" dir="5400000" dist="50800" endPos="65000" rotWithShape="0" stA="26000" sy="-100000"/>
-            <a:softEdge rad="0"/>
-          </a:effectLst>
-        </p:spPr>
-      </p:pic>
       <p:sp>
         <p:nvSpPr>
-          <p:cNvPr id="103" name="CustomShape 1"/>
+          <p:cNvPr id="141" name="CustomShape 1"/>
           <p:cNvSpPr/>
           <p:nvPr/>
         </p:nvSpPr>
         <p:spPr>
           <a:xfrm>
-            <a:off x="-79920" y="3958200"/>
-            <a:ext cx="5057280" cy="1719000"/>
-          </a:xfrm>
-          <a:prstGeom prst="rect">
-            <a:avLst/>
-          </a:prstGeom>
-          <a:solidFill>
-            <a:srgbClr val="523778">
-              <a:alpha val="90000"/>
-            </a:srgbClr>
-          </a:solidFill>
-          <a:ln>
-            <a:noFill/>
-          </a:ln>
-        </p:spPr>
-        <p:style>
-          <a:lnRef idx="2">
-            <a:schemeClr val="accent1">
-              <a:shade val="50000"/>
-            </a:schemeClr>
-          </a:lnRef>
-          <a:fillRef idx="1">
-            <a:schemeClr val="accent1"/>
-          </a:fillRef>
-          <a:effectRef idx="0">
-            <a:schemeClr val="accent1"/>
-          </a:effectRef>
-          <a:fontRef idx="minor"/>
-        </p:style>
-      </p:sp>
-      <p:sp>
-        <p:nvSpPr>
-          <p:cNvPr id="104" name="CustomShape 2"/>
-          <p:cNvSpPr/>
-          <p:nvPr/>
-        </p:nvSpPr>
-        <p:spPr>
-          <a:xfrm>
-            <a:off x="598680" y="4155480"/>
-            <a:ext cx="3855960" cy="1324440"/>
+            <a:off x="2144520" y="423000"/>
+            <a:ext cx="10514520" cy="1324440"/>
           </a:xfrm>
           <a:prstGeom prst="rect">
             <a:avLst/>
@@ -13039,26 +14676,67 @@
         <p:txBody>
           <a:bodyPr lIns="90000" rIns="90000" tIns="45000" bIns="45000" anchor="ctr"/>
           <a:p>
+            <a:endParaRPr lang="en-US" sz="1800" spc="-1" strike="noStrike">
+              <a:solidFill>
+                <a:srgbClr val="000000"/>
+              </a:solidFill>
+              <a:uFill>
+                <a:solidFill>
+                  <a:srgbClr val="ffffff"/>
+                </a:solidFill>
+              </a:uFill>
+              <a:latin typeface="Arial"/>
+            </a:endParaRPr>
+          </a:p>
+          <a:p>
+            <a:r>
+              <a:rPr i="1" lang="en-US" sz="4400" spc="-1" strike="noStrike">
+                <a:solidFill>
+                  <a:srgbClr val="000000"/>
+                </a:solidFill>
+                <a:uFill>
+                  <a:solidFill>
+                    <a:srgbClr val="ffffff"/>
+                  </a:solidFill>
+                </a:uFill>
+                <a:latin typeface="Calibri Light"/>
+                <a:ea typeface="DejaVu Sans"/>
+              </a:rPr>
+              <a:t>IDE : </a:t>
+            </a:r>
+            <a:r>
+              <a:rPr lang="en-US" sz="4400" spc="-1" strike="noStrike">
+                <a:solidFill>
+                  <a:srgbClr val="000000"/>
+                </a:solidFill>
+                <a:uFill>
+                  <a:solidFill>
+                    <a:srgbClr val="ffffff"/>
+                  </a:solidFill>
+                </a:uFill>
+                <a:latin typeface="Calibri Light"/>
+                <a:ea typeface="DejaVu Sans"/>
+              </a:rPr>
+              <a:t>Integrated Development Environment</a:t>
+            </a:r>
+            <a:endParaRPr lang="en-US" sz="1800" spc="-1" strike="noStrike">
+              <a:solidFill>
+                <a:srgbClr val="000000"/>
+              </a:solidFill>
+              <a:uFill>
+                <a:solidFill>
+                  <a:srgbClr val="ffffff"/>
+                </a:solidFill>
+              </a:uFill>
+              <a:latin typeface="Arial"/>
+            </a:endParaRPr>
+          </a:p>
+          <a:p>
             <a:pPr>
               <a:lnSpc>
                 <a:spcPct val="90000"/>
               </a:lnSpc>
             </a:pPr>
-            <a:r>
-              <a:rPr lang="en-US" sz="5400" spc="-1" strike="noStrike">
-                <a:solidFill>
-                  <a:srgbClr val="ffffff"/>
-                </a:solidFill>
-                <a:uFill>
-                  <a:solidFill>
-                    <a:srgbClr val="ffffff"/>
-                  </a:solidFill>
-                </a:uFill>
-                <a:latin typeface="微软雅黑"/>
-                <a:ea typeface="微软雅黑"/>
-              </a:rPr>
-              <a:t>代码可读性</a:t>
-            </a:r>
             <a:endParaRPr lang="en-US" sz="1800" spc="-1" strike="noStrike">
               <a:solidFill>
                 <a:srgbClr val="000000"/>
@@ -13073,6 +14751,388 @@
           </a:p>
         </p:txBody>
       </p:sp>
+      <p:sp>
+        <p:nvSpPr>
+          <p:cNvPr id="142" name="CustomShape 2"/>
+          <p:cNvSpPr/>
+          <p:nvPr/>
+        </p:nvSpPr>
+        <p:spPr>
+          <a:xfrm>
+            <a:off x="838080" y="1825560"/>
+            <a:ext cx="10514520" cy="4494240"/>
+          </a:xfrm>
+          <a:prstGeom prst="rect">
+            <a:avLst/>
+          </a:prstGeom>
+          <a:noFill/>
+          <a:ln>
+            <a:noFill/>
+          </a:ln>
+        </p:spPr>
+        <p:style>
+          <a:lnRef idx="0"/>
+          <a:fillRef idx="0"/>
+          <a:effectRef idx="0"/>
+          <a:fontRef idx="minor"/>
+        </p:style>
+        <p:txBody>
+          <a:bodyPr lIns="90000" rIns="90000" tIns="45000" bIns="45000"/>
+          <a:p>
+            <a:pPr marL="228600" indent="-227520">
+              <a:lnSpc>
+                <a:spcPct val="90000"/>
+              </a:lnSpc>
+              <a:buClr>
+                <a:srgbClr val="000000"/>
+              </a:buClr>
+              <a:buFont typeface="Arial"/>
+              <a:buChar char="•"/>
+            </a:pPr>
+            <a:r>
+              <a:rPr lang="en-US" sz="2800" spc="-1" strike="noStrike">
+                <a:solidFill>
+                  <a:srgbClr val="000000"/>
+                </a:solidFill>
+                <a:uFill>
+                  <a:solidFill>
+                    <a:srgbClr val="ffffff"/>
+                  </a:solidFill>
+                </a:uFill>
+                <a:latin typeface="Calibri"/>
+                <a:ea typeface="DejaVu Sans"/>
+              </a:rPr>
+              <a:t>PyCharm</a:t>
+            </a:r>
+            <a:endParaRPr lang="en-US" sz="1800" spc="-1" strike="noStrike">
+              <a:solidFill>
+                <a:srgbClr val="000000"/>
+              </a:solidFill>
+              <a:uFill>
+                <a:solidFill>
+                  <a:srgbClr val="ffffff"/>
+                </a:solidFill>
+              </a:uFill>
+              <a:latin typeface="Arial"/>
+            </a:endParaRPr>
+          </a:p>
+          <a:p>
+            <a:pPr marL="228600" indent="-227520">
+              <a:lnSpc>
+                <a:spcPct val="90000"/>
+              </a:lnSpc>
+              <a:buClr>
+                <a:srgbClr val="000000"/>
+              </a:buClr>
+              <a:buFont typeface="Arial"/>
+              <a:buChar char="•"/>
+            </a:pPr>
+            <a:r>
+              <a:rPr lang="en-US" sz="2800" spc="-1" strike="noStrike">
+                <a:solidFill>
+                  <a:srgbClr val="000000"/>
+                </a:solidFill>
+                <a:uFill>
+                  <a:solidFill>
+                    <a:srgbClr val="ffffff"/>
+                  </a:solidFill>
+                </a:uFill>
+                <a:latin typeface="Calibri"/>
+                <a:ea typeface="DejaVu Sans"/>
+              </a:rPr>
+              <a:t>Eclipse + pydev</a:t>
+            </a:r>
+            <a:endParaRPr lang="en-US" sz="1800" spc="-1" strike="noStrike">
+              <a:solidFill>
+                <a:srgbClr val="000000"/>
+              </a:solidFill>
+              <a:uFill>
+                <a:solidFill>
+                  <a:srgbClr val="ffffff"/>
+                </a:solidFill>
+              </a:uFill>
+              <a:latin typeface="Arial"/>
+            </a:endParaRPr>
+          </a:p>
+          <a:p>
+            <a:pPr marL="228600" indent="-227520">
+              <a:lnSpc>
+                <a:spcPct val="90000"/>
+              </a:lnSpc>
+              <a:buClr>
+                <a:srgbClr val="000000"/>
+              </a:buClr>
+              <a:buFont typeface="Arial"/>
+              <a:buChar char="•"/>
+            </a:pPr>
+            <a:r>
+              <a:rPr lang="en-US" sz="2800" spc="-1" strike="noStrike">
+                <a:solidFill>
+                  <a:srgbClr val="000000"/>
+                </a:solidFill>
+                <a:uFill>
+                  <a:solidFill>
+                    <a:srgbClr val="ffffff"/>
+                  </a:solidFill>
+                </a:uFill>
+                <a:latin typeface="Calibri"/>
+                <a:ea typeface="DejaVu Sans"/>
+              </a:rPr>
+              <a:t>编辑器</a:t>
+            </a:r>
+            <a:endParaRPr lang="en-US" sz="1800" spc="-1" strike="noStrike">
+              <a:solidFill>
+                <a:srgbClr val="000000"/>
+              </a:solidFill>
+              <a:uFill>
+                <a:solidFill>
+                  <a:srgbClr val="ffffff"/>
+                </a:solidFill>
+              </a:uFill>
+              <a:latin typeface="Arial"/>
+            </a:endParaRPr>
+          </a:p>
+          <a:p>
+            <a:pPr lvl="1" marL="685800" indent="-227520">
+              <a:lnSpc>
+                <a:spcPct val="100000"/>
+              </a:lnSpc>
+              <a:buClr>
+                <a:srgbClr val="000000"/>
+              </a:buClr>
+              <a:buFont typeface="Arial"/>
+              <a:buChar char="•"/>
+            </a:pPr>
+            <a:r>
+              <a:rPr lang="en-US" sz="2400" spc="-1" strike="noStrike">
+                <a:solidFill>
+                  <a:srgbClr val="000000"/>
+                </a:solidFill>
+                <a:uFill>
+                  <a:solidFill>
+                    <a:srgbClr val="ffffff"/>
+                  </a:solidFill>
+                </a:uFill>
+                <a:latin typeface="Calibri"/>
+                <a:ea typeface="DejaVu Sans"/>
+              </a:rPr>
+              <a:t>Sublime or Atom</a:t>
+            </a:r>
+            <a:endParaRPr lang="en-US" sz="1800" spc="-1" strike="noStrike">
+              <a:solidFill>
+                <a:srgbClr val="000000"/>
+              </a:solidFill>
+              <a:uFill>
+                <a:solidFill>
+                  <a:srgbClr val="ffffff"/>
+                </a:solidFill>
+              </a:uFill>
+              <a:latin typeface="Arial"/>
+            </a:endParaRPr>
+          </a:p>
+          <a:p>
+            <a:pPr marL="228600" indent="-227520">
+              <a:lnSpc>
+                <a:spcPct val="90000"/>
+              </a:lnSpc>
+              <a:buClr>
+                <a:srgbClr val="000000"/>
+              </a:buClr>
+              <a:buFont typeface="Arial"/>
+              <a:buChar char="•"/>
+            </a:pPr>
+            <a:r>
+              <a:rPr lang="en-US" sz="2800" spc="-1" strike="noStrike">
+                <a:solidFill>
+                  <a:srgbClr val="000000"/>
+                </a:solidFill>
+                <a:uFill>
+                  <a:solidFill>
+                    <a:srgbClr val="ffffff"/>
+                  </a:solidFill>
+                </a:uFill>
+                <a:latin typeface="Calibri"/>
+                <a:ea typeface="DejaVu Sans"/>
+              </a:rPr>
+              <a:t>下面两个自虐专用</a:t>
+            </a:r>
+            <a:endParaRPr lang="en-US" sz="1800" spc="-1" strike="noStrike">
+              <a:solidFill>
+                <a:srgbClr val="000000"/>
+              </a:solidFill>
+              <a:uFill>
+                <a:solidFill>
+                  <a:srgbClr val="ffffff"/>
+                </a:solidFill>
+              </a:uFill>
+              <a:latin typeface="Arial"/>
+            </a:endParaRPr>
+          </a:p>
+          <a:p>
+            <a:pPr lvl="1" marL="685800" indent="-227520">
+              <a:lnSpc>
+                <a:spcPct val="100000"/>
+              </a:lnSpc>
+              <a:buClr>
+                <a:srgbClr val="000000"/>
+              </a:buClr>
+              <a:buFont typeface="Arial"/>
+              <a:buChar char="•"/>
+            </a:pPr>
+            <a:r>
+              <a:rPr lang="en-US" sz="2400" spc="-1" strike="noStrike">
+                <a:solidFill>
+                  <a:srgbClr val="000000"/>
+                </a:solidFill>
+                <a:uFill>
+                  <a:solidFill>
+                    <a:srgbClr val="ffffff"/>
+                  </a:solidFill>
+                </a:uFill>
+                <a:latin typeface="Calibri"/>
+                <a:ea typeface="DejaVu Sans"/>
+              </a:rPr>
+              <a:t>Vim + </a:t>
+            </a:r>
+            <a:r>
+              <a:rPr lang="en-US" sz="2400" spc="-1" strike="noStrike">
+                <a:solidFill>
+                  <a:srgbClr val="000000"/>
+                </a:solidFill>
+                <a:uFill>
+                  <a:solidFill>
+                    <a:srgbClr val="ffffff"/>
+                  </a:solidFill>
+                </a:uFill>
+                <a:latin typeface="Calibri"/>
+                <a:ea typeface="DejaVu Sans"/>
+              </a:rPr>
+              <a:t>￥</a:t>
+            </a:r>
+            <a:r>
+              <a:rPr lang="en-US" sz="2400" spc="-1" strike="noStrike">
+                <a:solidFill>
+                  <a:srgbClr val="000000"/>
+                </a:solidFill>
+                <a:uFill>
+                  <a:solidFill>
+                    <a:srgbClr val="ffffff"/>
+                  </a:solidFill>
+                </a:uFill>
+                <a:latin typeface="Calibri"/>
+                <a:ea typeface="DejaVu Sans"/>
+              </a:rPr>
+              <a:t>%……% + %&amp;……%@ + &amp;^$%^$)</a:t>
+            </a:r>
+            <a:endParaRPr lang="en-US" sz="1800" spc="-1" strike="noStrike">
+              <a:solidFill>
+                <a:srgbClr val="000000"/>
+              </a:solidFill>
+              <a:uFill>
+                <a:solidFill>
+                  <a:srgbClr val="ffffff"/>
+                </a:solidFill>
+              </a:uFill>
+              <a:latin typeface="Arial"/>
+            </a:endParaRPr>
+          </a:p>
+          <a:p>
+            <a:pPr lvl="1" marL="685800" indent="-227520">
+              <a:lnSpc>
+                <a:spcPct val="100000"/>
+              </a:lnSpc>
+              <a:buClr>
+                <a:srgbClr val="000000"/>
+              </a:buClr>
+              <a:buFont typeface="Arial"/>
+              <a:buChar char="•"/>
+            </a:pPr>
+            <a:r>
+              <a:rPr lang="en-US" sz="2400" spc="-1" strike="noStrike">
+                <a:solidFill>
+                  <a:srgbClr val="000000"/>
+                </a:solidFill>
+                <a:uFill>
+                  <a:solidFill>
+                    <a:srgbClr val="ffffff"/>
+                  </a:solidFill>
+                </a:uFill>
+                <a:latin typeface="Calibri"/>
+                <a:ea typeface="DejaVu Sans"/>
+              </a:rPr>
+              <a:t>Emacs + </a:t>
+            </a:r>
+            <a:r>
+              <a:rPr lang="en-US" sz="2400" spc="-1" strike="noStrike">
+                <a:solidFill>
+                  <a:srgbClr val="000000"/>
+                </a:solidFill>
+                <a:uFill>
+                  <a:solidFill>
+                    <a:srgbClr val="ffffff"/>
+                  </a:solidFill>
+                </a:uFill>
+                <a:latin typeface="Calibri"/>
+                <a:ea typeface="DejaVu Sans"/>
+              </a:rPr>
+              <a:t>￥</a:t>
+            </a:r>
+            <a:r>
+              <a:rPr lang="en-US" sz="2400" spc="-1" strike="noStrike">
+                <a:solidFill>
+                  <a:srgbClr val="000000"/>
+                </a:solidFill>
+                <a:uFill>
+                  <a:solidFill>
+                    <a:srgbClr val="ffffff"/>
+                  </a:solidFill>
+                </a:uFill>
+                <a:latin typeface="Calibri"/>
+                <a:ea typeface="DejaVu Sans"/>
+              </a:rPr>
+              <a:t>%……% + %&amp;……%@ + &amp;^$%^$)</a:t>
+            </a:r>
+            <a:endParaRPr lang="en-US" sz="1800" spc="-1" strike="noStrike">
+              <a:solidFill>
+                <a:srgbClr val="000000"/>
+              </a:solidFill>
+              <a:uFill>
+                <a:solidFill>
+                  <a:srgbClr val="ffffff"/>
+                </a:solidFill>
+              </a:uFill>
+              <a:latin typeface="Arial"/>
+            </a:endParaRPr>
+          </a:p>
+        </p:txBody>
+      </p:sp>
+      <p:pic>
+        <p:nvPicPr>
+          <p:cNvPr id="143" name="内容占位符 3" descr=""/>
+          <p:cNvPicPr/>
+          <p:nvPr/>
+        </p:nvPicPr>
+        <p:blipFill>
+          <a:blip r:embed="rId1"/>
+          <a:stretch/>
+        </p:blipFill>
+        <p:spPr>
+          <a:xfrm>
+            <a:off x="552240" y="423000"/>
+            <a:ext cx="1470240" cy="1470240"/>
+          </a:xfrm>
+          <a:prstGeom prst="rect">
+            <a:avLst/>
+          </a:prstGeom>
+          <a:ln>
+            <a:noFill/>
+          </a:ln>
+          <a:effectLst>
+            <a:reflection algn="bl" dir="5400000" dist="50800" endPos="65000" rotWithShape="0" stA="26000" sy="-100000"/>
+            <a:softEdge rad="0"/>
+          </a:effectLst>
+        </p:spPr>
+      </p:pic>
     </p:spTree>
   </p:cSld>
   <p:timing>
@@ -13772,4 +15832,227 @@
     </a:fmtScheme>
   </a:themeElements>
 </a:theme>
+</file>
+
+<file path=ppt/theme/theme4.xml><?xml version="1.0" encoding="utf-8"?>
+<a:theme xmlns:a="http://schemas.openxmlformats.org/drawingml/2006/main" name="Office Theme">
+  <a:themeElements>
+    <a:clrScheme name="Office">
+      <a:dk1>
+        <a:sysClr val="windowText" lastClr="000000"/>
+      </a:dk1>
+      <a:lt1>
+        <a:sysClr val="window" lastClr="FFFFFF"/>
+      </a:lt1>
+      <a:dk2>
+        <a:srgbClr val="1F497D"/>
+      </a:dk2>
+      <a:lt2>
+        <a:srgbClr val="EEECE1"/>
+      </a:lt2>
+      <a:accent1>
+        <a:srgbClr val="4F81BD"/>
+      </a:accent1>
+      <a:accent2>
+        <a:srgbClr val="C0504D"/>
+      </a:accent2>
+      <a:accent3>
+        <a:srgbClr val="9BBB59"/>
+      </a:accent3>
+      <a:accent4>
+        <a:srgbClr val="8064A2"/>
+      </a:accent4>
+      <a:accent5>
+        <a:srgbClr val="4BACC6"/>
+      </a:accent5>
+      <a:accent6>
+        <a:srgbClr val="F79646"/>
+      </a:accent6>
+      <a:hlink>
+        <a:srgbClr val="0000FF"/>
+      </a:hlink>
+      <a:folHlink>
+        <a:srgbClr val="800080"/>
+      </a:folHlink>
+    </a:clrScheme>
+    <a:fontScheme name="Office">
+      <a:majorFont>
+        <a:latin typeface="Arial"/>
+        <a:ea typeface="DejaVu Sans"/>
+        <a:cs typeface="DejaVu Sans"/>
+      </a:majorFont>
+      <a:minorFont>
+        <a:latin typeface="Arial"/>
+        <a:ea typeface="DejaVu Sans"/>
+        <a:cs typeface="DejaVu Sans"/>
+      </a:minorFont>
+    </a:fontScheme>
+    <a:fmtScheme name="Office">
+      <a:fillStyleLst>
+        <a:solidFill>
+          <a:schemeClr val="phClr"/>
+        </a:solidFill>
+        <a:gradFill rotWithShape="1">
+          <a:gsLst>
+            <a:gs pos="0">
+              <a:schemeClr val="phClr">
+                <a:tint val="50000"/>
+                <a:satMod val="300000"/>
+              </a:schemeClr>
+            </a:gs>
+            <a:gs pos="35000">
+              <a:schemeClr val="phClr">
+                <a:tint val="37000"/>
+                <a:satMod val="300000"/>
+              </a:schemeClr>
+            </a:gs>
+            <a:gs pos="100000">
+              <a:schemeClr val="phClr">
+                <a:tint val="15000"/>
+                <a:satMod val="350000"/>
+              </a:schemeClr>
+            </a:gs>
+          </a:gsLst>
+          <a:lin ang="16200000" scaled="1"/>
+        </a:gradFill>
+        <a:gradFill rotWithShape="1">
+          <a:gsLst>
+            <a:gs pos="0">
+              <a:schemeClr val="phClr">
+                <a:shade val="51000"/>
+                <a:satMod val="130000"/>
+              </a:schemeClr>
+            </a:gs>
+            <a:gs pos="80000">
+              <a:schemeClr val="phClr">
+                <a:shade val="93000"/>
+                <a:satMod val="130000"/>
+              </a:schemeClr>
+            </a:gs>
+            <a:gs pos="100000">
+              <a:schemeClr val="phClr">
+                <a:shade val="94000"/>
+                <a:satMod val="135000"/>
+              </a:schemeClr>
+            </a:gs>
+          </a:gsLst>
+          <a:lin ang="16200000" scaled="0"/>
+        </a:gradFill>
+      </a:fillStyleLst>
+      <a:lnStyleLst>
+        <a:ln w="9525" cap="flat" cmpd="sng" algn="ctr">
+          <a:solidFill>
+            <a:schemeClr val="phClr">
+              <a:shade val="95000"/>
+              <a:satMod val="105000"/>
+            </a:schemeClr>
+          </a:solidFill>
+          <a:prstDash val="solid"/>
+        </a:ln>
+        <a:ln w="25400" cap="flat" cmpd="sng" algn="ctr">
+          <a:solidFill>
+            <a:schemeClr val="phClr"/>
+          </a:solidFill>
+          <a:prstDash val="solid"/>
+        </a:ln>
+        <a:ln w="38100" cap="flat" cmpd="sng" algn="ctr">
+          <a:solidFill>
+            <a:schemeClr val="phClr"/>
+          </a:solidFill>
+          <a:prstDash val="solid"/>
+        </a:ln>
+      </a:lnStyleLst>
+      <a:effectStyleLst>
+        <a:effectStyle>
+          <a:effectLst>
+            <a:outerShdw blurRad="40000" dist="20000" dir="5400000" rotWithShape="0">
+              <a:srgbClr val="000000">
+                <a:alpha val="38000"/>
+              </a:srgbClr>
+            </a:outerShdw>
+          </a:effectLst>
+        </a:effectStyle>
+        <a:effectStyle>
+          <a:effectLst>
+            <a:outerShdw blurRad="40000" dist="23000" dir="5400000" rotWithShape="0">
+              <a:srgbClr val="000000">
+                <a:alpha val="35000"/>
+              </a:srgbClr>
+            </a:outerShdw>
+          </a:effectLst>
+        </a:effectStyle>
+        <a:effectStyle>
+          <a:effectLst>
+            <a:outerShdw blurRad="40000" dist="23000" dir="5400000" rotWithShape="0">
+              <a:srgbClr val="000000">
+                <a:alpha val="35000"/>
+              </a:srgbClr>
+            </a:outerShdw>
+          </a:effectLst>
+          <a:scene3d>
+            <a:camera prst="orthographicFront">
+              <a:rot lat="0" lon="0" rev="0"/>
+            </a:camera>
+            <a:lightRig rig="threePt" dir="t">
+              <a:rot lat="0" lon="0" rev="1200000"/>
+            </a:lightRig>
+          </a:scene3d>
+          <a:sp3d>
+            <a:bevelT w="63500" h="25400"/>
+          </a:sp3d>
+        </a:effectStyle>
+      </a:effectStyleLst>
+      <a:bgFillStyleLst>
+        <a:solidFill>
+          <a:schemeClr val="phClr"/>
+        </a:solidFill>
+        <a:gradFill rotWithShape="1">
+          <a:gsLst>
+            <a:gs pos="0">
+              <a:schemeClr val="phClr">
+                <a:tint val="40000"/>
+                <a:satMod val="350000"/>
+              </a:schemeClr>
+            </a:gs>
+            <a:gs pos="40000">
+              <a:schemeClr val="phClr">
+                <a:tint val="45000"/>
+                <a:shade val="99000"/>
+                <a:satMod val="350000"/>
+              </a:schemeClr>
+            </a:gs>
+            <a:gs pos="100000">
+              <a:schemeClr val="phClr">
+                <a:shade val="20000"/>
+                <a:satMod val="255000"/>
+              </a:schemeClr>
+            </a:gs>
+          </a:gsLst>
+          <a:path path="circle">
+            <a:fillToRect l="50000" t="-80000" r="50000" b="180000"/>
+          </a:path>
+        </a:gradFill>
+        <a:gradFill rotWithShape="1">
+          <a:gsLst>
+            <a:gs pos="0">
+              <a:schemeClr val="phClr">
+                <a:tint val="80000"/>
+                <a:satMod val="300000"/>
+              </a:schemeClr>
+            </a:gs>
+            <a:gs pos="100000">
+              <a:schemeClr val="phClr">
+                <a:shade val="30000"/>
+                <a:satMod val="200000"/>
+              </a:schemeClr>
+            </a:gs>
+          </a:gsLst>
+          <a:path path="circle">
+            <a:fillToRect l="50000" t="50000" r="50000" b="50000"/>
+          </a:path>
+        </a:gradFill>
+      </a:bgFillStyleLst>
+    </a:fmtScheme>
+  </a:themeElements>
+</a:theme>
 </file>